--- a/Presentation/Distributed Advertising Board.pptx
+++ b/Presentation/Distributed Advertising Board.pptx
@@ -5,7 +5,7 @@
     <p:sldMasterId id="2147483648" r:id="rId1"/>
   </p:sldMasterIdLst>
   <p:notesMasterIdLst>
-    <p:notesMasterId r:id="rId15"/>
+    <p:notesMasterId r:id="rId19"/>
   </p:notesMasterIdLst>
   <p:sldIdLst>
     <p:sldId id="256" r:id="rId2"/>
@@ -13,14 +13,18 @@
     <p:sldId id="259" r:id="rId4"/>
     <p:sldId id="260" r:id="rId5"/>
     <p:sldId id="269" r:id="rId6"/>
-    <p:sldId id="261" r:id="rId7"/>
-    <p:sldId id="262" r:id="rId8"/>
-    <p:sldId id="263" r:id="rId9"/>
-    <p:sldId id="264" r:id="rId10"/>
-    <p:sldId id="265" r:id="rId11"/>
-    <p:sldId id="266" r:id="rId12"/>
-    <p:sldId id="267" r:id="rId13"/>
-    <p:sldId id="258" r:id="rId14"/>
+    <p:sldId id="272" r:id="rId7"/>
+    <p:sldId id="273" r:id="rId8"/>
+    <p:sldId id="270" r:id="rId9"/>
+    <p:sldId id="271" r:id="rId10"/>
+    <p:sldId id="261" r:id="rId11"/>
+    <p:sldId id="262" r:id="rId12"/>
+    <p:sldId id="263" r:id="rId13"/>
+    <p:sldId id="264" r:id="rId14"/>
+    <p:sldId id="265" r:id="rId15"/>
+    <p:sldId id="266" r:id="rId16"/>
+    <p:sldId id="267" r:id="rId17"/>
+    <p:sldId id="258" r:id="rId18"/>
   </p:sldIdLst>
   <p:sldSz cx="12192000" cy="6858000"/>
   <p:notesSz cx="6858000" cy="9144000"/>
@@ -318,7 +322,7 @@
           <a:p>
             <a:fld id="{B0B9EE90-E25C-41C7-AAB6-DAE954E85080}" type="datetimeFigureOut">
               <a:rPr lang="en-US" smtClean="0"/>
-              <a:t>3/13/2018</a:t>
+              <a:t>3/17/2018</a:t>
             </a:fld>
             <a:endParaRPr lang="en-US"/>
           </a:p>
@@ -732,7 +736,7 @@
           <a:p>
             <a:fld id="{B7615217-A5E2-41DB-8C61-E25B638E415F}" type="datetimeFigureOut">
               <a:rPr lang="en-US" smtClean="0"/>
-              <a:t>3/13/2018</a:t>
+              <a:t>3/17/2018</a:t>
             </a:fld>
             <a:endParaRPr lang="en-US"/>
           </a:p>
@@ -930,7 +934,7 @@
           <a:p>
             <a:fld id="{B7615217-A5E2-41DB-8C61-E25B638E415F}" type="datetimeFigureOut">
               <a:rPr lang="en-US" smtClean="0"/>
-              <a:t>3/13/2018</a:t>
+              <a:t>3/17/2018</a:t>
             </a:fld>
             <a:endParaRPr lang="en-US"/>
           </a:p>
@@ -1138,7 +1142,7 @@
           <a:p>
             <a:fld id="{B7615217-A5E2-41DB-8C61-E25B638E415F}" type="datetimeFigureOut">
               <a:rPr lang="en-US" smtClean="0"/>
-              <a:t>3/13/2018</a:t>
+              <a:t>3/17/2018</a:t>
             </a:fld>
             <a:endParaRPr lang="en-US"/>
           </a:p>
@@ -1336,7 +1340,7 @@
           <a:p>
             <a:fld id="{B7615217-A5E2-41DB-8C61-E25B638E415F}" type="datetimeFigureOut">
               <a:rPr lang="en-US" smtClean="0"/>
-              <a:t>3/13/2018</a:t>
+              <a:t>3/17/2018</a:t>
             </a:fld>
             <a:endParaRPr lang="en-US"/>
           </a:p>
@@ -1611,7 +1615,7 @@
           <a:p>
             <a:fld id="{B7615217-A5E2-41DB-8C61-E25B638E415F}" type="datetimeFigureOut">
               <a:rPr lang="en-US" smtClean="0"/>
-              <a:t>3/13/2018</a:t>
+              <a:t>3/17/2018</a:t>
             </a:fld>
             <a:endParaRPr lang="en-US"/>
           </a:p>
@@ -1876,7 +1880,7 @@
           <a:p>
             <a:fld id="{B7615217-A5E2-41DB-8C61-E25B638E415F}" type="datetimeFigureOut">
               <a:rPr lang="en-US" smtClean="0"/>
-              <a:t>3/13/2018</a:t>
+              <a:t>3/17/2018</a:t>
             </a:fld>
             <a:endParaRPr lang="en-US"/>
           </a:p>
@@ -2288,7 +2292,7 @@
           <a:p>
             <a:fld id="{B7615217-A5E2-41DB-8C61-E25B638E415F}" type="datetimeFigureOut">
               <a:rPr lang="en-US" smtClean="0"/>
-              <a:t>3/13/2018</a:t>
+              <a:t>3/17/2018</a:t>
             </a:fld>
             <a:endParaRPr lang="en-US"/>
           </a:p>
@@ -2429,7 +2433,7 @@
           <a:p>
             <a:fld id="{B7615217-A5E2-41DB-8C61-E25B638E415F}" type="datetimeFigureOut">
               <a:rPr lang="en-US" smtClean="0"/>
-              <a:t>3/13/2018</a:t>
+              <a:t>3/17/2018</a:t>
             </a:fld>
             <a:endParaRPr lang="en-US"/>
           </a:p>
@@ -2542,7 +2546,7 @@
           <a:p>
             <a:fld id="{B7615217-A5E2-41DB-8C61-E25B638E415F}" type="datetimeFigureOut">
               <a:rPr lang="en-US" smtClean="0"/>
-              <a:t>3/13/2018</a:t>
+              <a:t>3/17/2018</a:t>
             </a:fld>
             <a:endParaRPr lang="en-US"/>
           </a:p>
@@ -2853,7 +2857,7 @@
           <a:p>
             <a:fld id="{B7615217-A5E2-41DB-8C61-E25B638E415F}" type="datetimeFigureOut">
               <a:rPr lang="en-US" smtClean="0"/>
-              <a:t>3/13/2018</a:t>
+              <a:t>3/17/2018</a:t>
             </a:fld>
             <a:endParaRPr lang="en-US"/>
           </a:p>
@@ -3141,7 +3145,7 @@
           <a:p>
             <a:fld id="{B7615217-A5E2-41DB-8C61-E25B638E415F}" type="datetimeFigureOut">
               <a:rPr lang="en-US" smtClean="0"/>
-              <a:t>3/13/2018</a:t>
+              <a:t>3/17/2018</a:t>
             </a:fld>
             <a:endParaRPr lang="en-US"/>
           </a:p>
@@ -3382,7 +3386,7 @@
           <a:p>
             <a:fld id="{B7615217-A5E2-41DB-8C61-E25B638E415F}" type="datetimeFigureOut">
               <a:rPr lang="en-US" smtClean="0"/>
-              <a:t>3/13/2018</a:t>
+              <a:t>3/17/2018</a:t>
             </a:fld>
             <a:endParaRPr lang="en-US"/>
           </a:p>
@@ -3919,7 +3923,7 @@
           <p:cNvPr id="2" name="Title 1">
             <a:extLst>
               <a:ext uri="{FF2B5EF4-FFF2-40B4-BE49-F238E27FC236}">
-                <a16:creationId xmlns:a16="http://schemas.microsoft.com/office/drawing/2014/main" id="{ED5CD9A8-FA69-45B2-934B-9B9F0C16A453}"/>
+                <a16:creationId xmlns:a16="http://schemas.microsoft.com/office/drawing/2014/main" id="{485EA544-C849-48B2-86BD-9AE14F12F8A3}"/>
               </a:ext>
             </a:extLst>
           </p:cNvPr>
@@ -3937,7 +3941,7 @@
           <a:p>
             <a:r>
               <a:rPr lang="en-US" dirty="0"/>
-              <a:t>Analytics/Intelligence</a:t>
+              <a:t>Tangle</a:t>
             </a:r>
           </a:p>
         </p:txBody>
@@ -3947,7 +3951,7 @@
           <p:cNvPr id="3" name="Content Placeholder 2">
             <a:extLst>
               <a:ext uri="{FF2B5EF4-FFF2-40B4-BE49-F238E27FC236}">
-                <a16:creationId xmlns:a16="http://schemas.microsoft.com/office/drawing/2014/main" id="{27511DB2-33CB-47EB-994D-4CF101FF7D4B}"/>
+                <a16:creationId xmlns:a16="http://schemas.microsoft.com/office/drawing/2014/main" id="{71E896E1-0F19-48D1-90D6-5293F5DDF528}"/>
               </a:ext>
             </a:extLst>
           </p:cNvPr>
@@ -3970,7 +3974,7 @@
     </p:spTree>
     <p:extLst>
       <p:ext uri="{BB962C8B-B14F-4D97-AF65-F5344CB8AC3E}">
-        <p14:creationId xmlns:p14="http://schemas.microsoft.com/office/powerpoint/2010/main" val="3273534814"/>
+        <p14:creationId xmlns:p14="http://schemas.microsoft.com/office/powerpoint/2010/main" val="1471077161"/>
       </p:ext>
     </p:extLst>
   </p:cSld>
@@ -4002,7 +4006,7 @@
           <p:cNvPr id="2" name="Title 1">
             <a:extLst>
               <a:ext uri="{FF2B5EF4-FFF2-40B4-BE49-F238E27FC236}">
-                <a16:creationId xmlns:a16="http://schemas.microsoft.com/office/drawing/2014/main" id="{07D1C3DE-9AD5-453F-9158-37D5047C8397}"/>
+                <a16:creationId xmlns:a16="http://schemas.microsoft.com/office/drawing/2014/main" id="{40CDCD77-9893-43CC-8F99-D3951B751B2E}"/>
               </a:ext>
             </a:extLst>
           </p:cNvPr>
@@ -4020,7 +4024,11 @@
           <a:p>
             <a:r>
               <a:rPr lang="en-US" dirty="0"/>
-              <a:t>Future Work</a:t>
+              <a:t>Mobile App -&gt; Opting Into the </a:t>
+            </a:r>
+            <a:r>
+              <a:rPr lang="en-US" i="1" dirty="0"/>
+              <a:t>System</a:t>
             </a:r>
           </a:p>
         </p:txBody>
@@ -4030,7 +4038,7 @@
           <p:cNvPr id="3" name="Content Placeholder 2">
             <a:extLst>
               <a:ext uri="{FF2B5EF4-FFF2-40B4-BE49-F238E27FC236}">
-                <a16:creationId xmlns:a16="http://schemas.microsoft.com/office/drawing/2014/main" id="{D55C4C05-CF0C-4B1F-B054-622E98EC2447}"/>
+                <a16:creationId xmlns:a16="http://schemas.microsoft.com/office/drawing/2014/main" id="{F244F35D-52C3-4D30-B494-74D50DDF9F4B}"/>
               </a:ext>
             </a:extLst>
           </p:cNvPr>
@@ -4046,14 +4054,14 @@
           <a:bodyPr/>
           <a:lstStyle/>
           <a:p>
-            <a:endParaRPr lang="en-US"/>
+            <a:endParaRPr lang="en-US" dirty="0"/>
           </a:p>
         </p:txBody>
       </p:sp>
     </p:spTree>
     <p:extLst>
       <p:ext uri="{BB962C8B-B14F-4D97-AF65-F5344CB8AC3E}">
-        <p14:creationId xmlns:p14="http://schemas.microsoft.com/office/powerpoint/2010/main" val="288879316"/>
+        <p14:creationId xmlns:p14="http://schemas.microsoft.com/office/powerpoint/2010/main" val="4213036052"/>
       </p:ext>
     </p:extLst>
   </p:cSld>
@@ -4085,6 +4093,338 @@
           <p:cNvPr id="2" name="Title 1">
             <a:extLst>
               <a:ext uri="{FF2B5EF4-FFF2-40B4-BE49-F238E27FC236}">
+                <a16:creationId xmlns:a16="http://schemas.microsoft.com/office/drawing/2014/main" id="{212B0D7E-6138-43C8-8B23-6097B0BFA368}"/>
+              </a:ext>
+            </a:extLst>
+          </p:cNvPr>
+          <p:cNvSpPr>
+            <a:spLocks noGrp="1"/>
+          </p:cNvSpPr>
+          <p:nvPr>
+            <p:ph type="title"/>
+          </p:nvPr>
+        </p:nvSpPr>
+        <p:spPr/>
+        <p:txBody>
+          <a:bodyPr/>
+          <a:lstStyle/>
+          <a:p>
+            <a:r>
+              <a:rPr lang="en-US" dirty="0"/>
+              <a:t>The Board</a:t>
+            </a:r>
+          </a:p>
+        </p:txBody>
+      </p:sp>
+      <p:sp>
+        <p:nvSpPr>
+          <p:cNvPr id="3" name="Content Placeholder 2">
+            <a:extLst>
+              <a:ext uri="{FF2B5EF4-FFF2-40B4-BE49-F238E27FC236}">
+                <a16:creationId xmlns:a16="http://schemas.microsoft.com/office/drawing/2014/main" id="{AC43CCB7-8746-4419-9528-4144F108A2BE}"/>
+              </a:ext>
+            </a:extLst>
+          </p:cNvPr>
+          <p:cNvSpPr>
+            <a:spLocks noGrp="1"/>
+          </p:cNvSpPr>
+          <p:nvPr>
+            <p:ph idx="1"/>
+          </p:nvPr>
+        </p:nvSpPr>
+        <p:spPr/>
+        <p:txBody>
+          <a:bodyPr/>
+          <a:lstStyle/>
+          <a:p>
+            <a:endParaRPr lang="en-US"/>
+          </a:p>
+        </p:txBody>
+      </p:sp>
+    </p:spTree>
+    <p:extLst>
+      <p:ext uri="{BB962C8B-B14F-4D97-AF65-F5344CB8AC3E}">
+        <p14:creationId xmlns:p14="http://schemas.microsoft.com/office/powerpoint/2010/main" val="1384226113"/>
+      </p:ext>
+    </p:extLst>
+  </p:cSld>
+  <p:clrMapOvr>
+    <a:masterClrMapping/>
+  </p:clrMapOvr>
+</p:sld>
+</file>
+
+<file path=ppt/slides/slide13.xml><?xml version="1.0" encoding="utf-8"?>
+<p:sld xmlns:a="http://schemas.openxmlformats.org/drawingml/2006/main" xmlns:r="http://schemas.openxmlformats.org/officeDocument/2006/relationships" xmlns:p="http://schemas.openxmlformats.org/presentationml/2006/main">
+  <p:cSld>
+    <p:spTree>
+      <p:nvGrpSpPr>
+        <p:cNvPr id="1" name=""/>
+        <p:cNvGrpSpPr/>
+        <p:nvPr/>
+      </p:nvGrpSpPr>
+      <p:grpSpPr>
+        <a:xfrm>
+          <a:off x="0" y="0"/>
+          <a:ext cx="0" cy="0"/>
+          <a:chOff x="0" y="0"/>
+          <a:chExt cx="0" cy="0"/>
+        </a:xfrm>
+      </p:grpSpPr>
+      <p:sp>
+        <p:nvSpPr>
+          <p:cNvPr id="2" name="Title 1">
+            <a:extLst>
+              <a:ext uri="{FF2B5EF4-FFF2-40B4-BE49-F238E27FC236}">
+                <a16:creationId xmlns:a16="http://schemas.microsoft.com/office/drawing/2014/main" id="{94417E7E-7894-47D1-A910-51973E440D7C}"/>
+              </a:ext>
+            </a:extLst>
+          </p:cNvPr>
+          <p:cNvSpPr>
+            <a:spLocks noGrp="1"/>
+          </p:cNvSpPr>
+          <p:nvPr>
+            <p:ph type="title"/>
+          </p:nvPr>
+        </p:nvSpPr>
+        <p:spPr/>
+        <p:txBody>
+          <a:bodyPr/>
+          <a:lstStyle/>
+          <a:p>
+            <a:r>
+              <a:rPr lang="en-US" dirty="0"/>
+              <a:t>Environmental/Traffic Sensing System</a:t>
+            </a:r>
+          </a:p>
+        </p:txBody>
+      </p:sp>
+      <p:sp>
+        <p:nvSpPr>
+          <p:cNvPr id="3" name="Content Placeholder 2">
+            <a:extLst>
+              <a:ext uri="{FF2B5EF4-FFF2-40B4-BE49-F238E27FC236}">
+                <a16:creationId xmlns:a16="http://schemas.microsoft.com/office/drawing/2014/main" id="{BAB9CF55-34EE-4C01-B83F-7B6F3F230DD6}"/>
+              </a:ext>
+            </a:extLst>
+          </p:cNvPr>
+          <p:cNvSpPr>
+            <a:spLocks noGrp="1"/>
+          </p:cNvSpPr>
+          <p:nvPr>
+            <p:ph idx="1"/>
+          </p:nvPr>
+        </p:nvSpPr>
+        <p:spPr/>
+        <p:txBody>
+          <a:bodyPr/>
+          <a:lstStyle/>
+          <a:p>
+            <a:endParaRPr lang="en-US"/>
+          </a:p>
+        </p:txBody>
+      </p:sp>
+    </p:spTree>
+    <p:extLst>
+      <p:ext uri="{BB962C8B-B14F-4D97-AF65-F5344CB8AC3E}">
+        <p14:creationId xmlns:p14="http://schemas.microsoft.com/office/powerpoint/2010/main" val="3617295698"/>
+      </p:ext>
+    </p:extLst>
+  </p:cSld>
+  <p:clrMapOvr>
+    <a:masterClrMapping/>
+  </p:clrMapOvr>
+</p:sld>
+</file>
+
+<file path=ppt/slides/slide14.xml><?xml version="1.0" encoding="utf-8"?>
+<p:sld xmlns:a="http://schemas.openxmlformats.org/drawingml/2006/main" xmlns:r="http://schemas.openxmlformats.org/officeDocument/2006/relationships" xmlns:p="http://schemas.openxmlformats.org/presentationml/2006/main">
+  <p:cSld>
+    <p:spTree>
+      <p:nvGrpSpPr>
+        <p:cNvPr id="1" name=""/>
+        <p:cNvGrpSpPr/>
+        <p:nvPr/>
+      </p:nvGrpSpPr>
+      <p:grpSpPr>
+        <a:xfrm>
+          <a:off x="0" y="0"/>
+          <a:ext cx="0" cy="0"/>
+          <a:chOff x="0" y="0"/>
+          <a:chExt cx="0" cy="0"/>
+        </a:xfrm>
+      </p:grpSpPr>
+      <p:sp>
+        <p:nvSpPr>
+          <p:cNvPr id="2" name="Title 1">
+            <a:extLst>
+              <a:ext uri="{FF2B5EF4-FFF2-40B4-BE49-F238E27FC236}">
+                <a16:creationId xmlns:a16="http://schemas.microsoft.com/office/drawing/2014/main" id="{ED5CD9A8-FA69-45B2-934B-9B9F0C16A453}"/>
+              </a:ext>
+            </a:extLst>
+          </p:cNvPr>
+          <p:cNvSpPr>
+            <a:spLocks noGrp="1"/>
+          </p:cNvSpPr>
+          <p:nvPr>
+            <p:ph type="title"/>
+          </p:nvPr>
+        </p:nvSpPr>
+        <p:spPr/>
+        <p:txBody>
+          <a:bodyPr/>
+          <a:lstStyle/>
+          <a:p>
+            <a:r>
+              <a:rPr lang="en-US" dirty="0"/>
+              <a:t>Analytics/Intelligence</a:t>
+            </a:r>
+          </a:p>
+        </p:txBody>
+      </p:sp>
+      <p:sp>
+        <p:nvSpPr>
+          <p:cNvPr id="3" name="Content Placeholder 2">
+            <a:extLst>
+              <a:ext uri="{FF2B5EF4-FFF2-40B4-BE49-F238E27FC236}">
+                <a16:creationId xmlns:a16="http://schemas.microsoft.com/office/drawing/2014/main" id="{27511DB2-33CB-47EB-994D-4CF101FF7D4B}"/>
+              </a:ext>
+            </a:extLst>
+          </p:cNvPr>
+          <p:cNvSpPr>
+            <a:spLocks noGrp="1"/>
+          </p:cNvSpPr>
+          <p:nvPr>
+            <p:ph idx="1"/>
+          </p:nvPr>
+        </p:nvSpPr>
+        <p:spPr/>
+        <p:txBody>
+          <a:bodyPr/>
+          <a:lstStyle/>
+          <a:p>
+            <a:endParaRPr lang="en-US" dirty="0"/>
+          </a:p>
+        </p:txBody>
+      </p:sp>
+    </p:spTree>
+    <p:extLst>
+      <p:ext uri="{BB962C8B-B14F-4D97-AF65-F5344CB8AC3E}">
+        <p14:creationId xmlns:p14="http://schemas.microsoft.com/office/powerpoint/2010/main" val="3273534814"/>
+      </p:ext>
+    </p:extLst>
+  </p:cSld>
+  <p:clrMapOvr>
+    <a:masterClrMapping/>
+  </p:clrMapOvr>
+</p:sld>
+</file>
+
+<file path=ppt/slides/slide15.xml><?xml version="1.0" encoding="utf-8"?>
+<p:sld xmlns:a="http://schemas.openxmlformats.org/drawingml/2006/main" xmlns:r="http://schemas.openxmlformats.org/officeDocument/2006/relationships" xmlns:p="http://schemas.openxmlformats.org/presentationml/2006/main">
+  <p:cSld>
+    <p:spTree>
+      <p:nvGrpSpPr>
+        <p:cNvPr id="1" name=""/>
+        <p:cNvGrpSpPr/>
+        <p:nvPr/>
+      </p:nvGrpSpPr>
+      <p:grpSpPr>
+        <a:xfrm>
+          <a:off x="0" y="0"/>
+          <a:ext cx="0" cy="0"/>
+          <a:chOff x="0" y="0"/>
+          <a:chExt cx="0" cy="0"/>
+        </a:xfrm>
+      </p:grpSpPr>
+      <p:sp>
+        <p:nvSpPr>
+          <p:cNvPr id="2" name="Title 1">
+            <a:extLst>
+              <a:ext uri="{FF2B5EF4-FFF2-40B4-BE49-F238E27FC236}">
+                <a16:creationId xmlns:a16="http://schemas.microsoft.com/office/drawing/2014/main" id="{07D1C3DE-9AD5-453F-9158-37D5047C8397}"/>
+              </a:ext>
+            </a:extLst>
+          </p:cNvPr>
+          <p:cNvSpPr>
+            <a:spLocks noGrp="1"/>
+          </p:cNvSpPr>
+          <p:nvPr>
+            <p:ph type="title"/>
+          </p:nvPr>
+        </p:nvSpPr>
+        <p:spPr/>
+        <p:txBody>
+          <a:bodyPr/>
+          <a:lstStyle/>
+          <a:p>
+            <a:r>
+              <a:rPr lang="en-US" dirty="0"/>
+              <a:t>Future Work</a:t>
+            </a:r>
+          </a:p>
+        </p:txBody>
+      </p:sp>
+      <p:sp>
+        <p:nvSpPr>
+          <p:cNvPr id="3" name="Content Placeholder 2">
+            <a:extLst>
+              <a:ext uri="{FF2B5EF4-FFF2-40B4-BE49-F238E27FC236}">
+                <a16:creationId xmlns:a16="http://schemas.microsoft.com/office/drawing/2014/main" id="{D55C4C05-CF0C-4B1F-B054-622E98EC2447}"/>
+              </a:ext>
+            </a:extLst>
+          </p:cNvPr>
+          <p:cNvSpPr>
+            <a:spLocks noGrp="1"/>
+          </p:cNvSpPr>
+          <p:nvPr>
+            <p:ph idx="1"/>
+          </p:nvPr>
+        </p:nvSpPr>
+        <p:spPr/>
+        <p:txBody>
+          <a:bodyPr/>
+          <a:lstStyle/>
+          <a:p>
+            <a:endParaRPr lang="en-US"/>
+          </a:p>
+        </p:txBody>
+      </p:sp>
+    </p:spTree>
+    <p:extLst>
+      <p:ext uri="{BB962C8B-B14F-4D97-AF65-F5344CB8AC3E}">
+        <p14:creationId xmlns:p14="http://schemas.microsoft.com/office/powerpoint/2010/main" val="288879316"/>
+      </p:ext>
+    </p:extLst>
+  </p:cSld>
+  <p:clrMapOvr>
+    <a:masterClrMapping/>
+  </p:clrMapOvr>
+</p:sld>
+</file>
+
+<file path=ppt/slides/slide16.xml><?xml version="1.0" encoding="utf-8"?>
+<p:sld xmlns:a="http://schemas.openxmlformats.org/drawingml/2006/main" xmlns:r="http://schemas.openxmlformats.org/officeDocument/2006/relationships" xmlns:p="http://schemas.openxmlformats.org/presentationml/2006/main">
+  <p:cSld>
+    <p:spTree>
+      <p:nvGrpSpPr>
+        <p:cNvPr id="1" name=""/>
+        <p:cNvGrpSpPr/>
+        <p:nvPr/>
+      </p:nvGrpSpPr>
+      <p:grpSpPr>
+        <a:xfrm>
+          <a:off x="0" y="0"/>
+          <a:ext cx="0" cy="0"/>
+          <a:chOff x="0" y="0"/>
+          <a:chExt cx="0" cy="0"/>
+        </a:xfrm>
+      </p:grpSpPr>
+      <p:sp>
+        <p:nvSpPr>
+          <p:cNvPr id="2" name="Title 1">
+            <a:extLst>
+              <a:ext uri="{FF2B5EF4-FFF2-40B4-BE49-F238E27FC236}">
                 <a16:creationId xmlns:a16="http://schemas.microsoft.com/office/drawing/2014/main" id="{FF29A18D-2A50-4394-9BD8-D94D4B126F90}"/>
               </a:ext>
             </a:extLst>
@@ -4146,7 +4486,7 @@
 </p:sld>
 </file>
 
-<file path=ppt/slides/slide13.xml><?xml version="1.0" encoding="utf-8"?>
+<file path=ppt/slides/slide17.xml><?xml version="1.0" encoding="utf-8"?>
 <p:sld xmlns:a="http://schemas.openxmlformats.org/drawingml/2006/main" xmlns:r="http://schemas.openxmlformats.org/officeDocument/2006/relationships" xmlns:p="http://schemas.openxmlformats.org/presentationml/2006/main">
   <p:cSld>
     <p:spTree>
@@ -7843,7 +8183,7 @@
           <p:cNvPr id="2" name="Title 1">
             <a:extLst>
               <a:ext uri="{FF2B5EF4-FFF2-40B4-BE49-F238E27FC236}">
-                <a16:creationId xmlns:a16="http://schemas.microsoft.com/office/drawing/2014/main" id="{485EA544-C849-48B2-86BD-9AE14F12F8A3}"/>
+                <a16:creationId xmlns:a16="http://schemas.microsoft.com/office/drawing/2014/main" id="{080489DC-D9A6-4445-8F15-91557AF8EEF0}"/>
               </a:ext>
             </a:extLst>
           </p:cNvPr>
@@ -7861,7 +8201,7 @@
           <a:p>
             <a:r>
               <a:rPr lang="en-US" dirty="0"/>
-              <a:t>Tangle</a:t>
+              <a:t>Mobile Application</a:t>
             </a:r>
           </a:p>
         </p:txBody>
@@ -7871,7 +8211,7 @@
           <p:cNvPr id="3" name="Content Placeholder 2">
             <a:extLst>
               <a:ext uri="{FF2B5EF4-FFF2-40B4-BE49-F238E27FC236}">
-                <a16:creationId xmlns:a16="http://schemas.microsoft.com/office/drawing/2014/main" id="{71E896E1-0F19-48D1-90D6-5293F5DDF528}"/>
+                <a16:creationId xmlns:a16="http://schemas.microsoft.com/office/drawing/2014/main" id="{9553E146-6E6F-4CD2-A08C-A5D1C46ECF65}"/>
               </a:ext>
             </a:extLst>
           </p:cNvPr>
@@ -7887,14 +8227,14 @@
           <a:bodyPr/>
           <a:lstStyle/>
           <a:p>
-            <a:endParaRPr lang="en-US" dirty="0"/>
+            <a:endParaRPr lang="en-US"/>
           </a:p>
         </p:txBody>
       </p:sp>
     </p:spTree>
     <p:extLst>
       <p:ext uri="{BB962C8B-B14F-4D97-AF65-F5344CB8AC3E}">
-        <p14:creationId xmlns:p14="http://schemas.microsoft.com/office/powerpoint/2010/main" val="1471077161"/>
+        <p14:creationId xmlns:p14="http://schemas.microsoft.com/office/powerpoint/2010/main" val="1724397248"/>
       </p:ext>
     </p:extLst>
   </p:cSld>
@@ -7926,7 +8266,7 @@
           <p:cNvPr id="2" name="Title 1">
             <a:extLst>
               <a:ext uri="{FF2B5EF4-FFF2-40B4-BE49-F238E27FC236}">
-                <a16:creationId xmlns:a16="http://schemas.microsoft.com/office/drawing/2014/main" id="{40CDCD77-9893-43CC-8F99-D3951B751B2E}"/>
+                <a16:creationId xmlns:a16="http://schemas.microsoft.com/office/drawing/2014/main" id="{82033D38-E3CE-45EC-8CA4-2DF5014D54E7}"/>
               </a:ext>
             </a:extLst>
           </p:cNvPr>
@@ -7937,51 +8277,2135 @@
             <p:ph type="title"/>
           </p:nvPr>
         </p:nvSpPr>
-        <p:spPr/>
+        <p:spPr>
+          <a:xfrm>
+            <a:off x="838200" y="365125"/>
+            <a:ext cx="10515600" cy="1325563"/>
+          </a:xfrm>
+        </p:spPr>
         <p:txBody>
           <a:bodyPr/>
           <a:lstStyle/>
           <a:p>
             <a:r>
               <a:rPr lang="en-US" dirty="0"/>
-              <a:t>Mobile App -&gt; Opting Into the </a:t>
-            </a:r>
-            <a:r>
-              <a:rPr lang="en-US" i="1" dirty="0"/>
-              <a:t>System</a:t>
-            </a:r>
-          </a:p>
-        </p:txBody>
-      </p:sp>
-      <p:sp>
-        <p:nvSpPr>
-          <p:cNvPr id="3" name="Content Placeholder 2">
-            <a:extLst>
-              <a:ext uri="{FF2B5EF4-FFF2-40B4-BE49-F238E27FC236}">
-                <a16:creationId xmlns:a16="http://schemas.microsoft.com/office/drawing/2014/main" id="{F244F35D-52C3-4D30-B494-74D50DDF9F4B}"/>
-              </a:ext>
-            </a:extLst>
-          </p:cNvPr>
-          <p:cNvSpPr>
-            <a:spLocks noGrp="1"/>
-          </p:cNvSpPr>
-          <p:nvPr>
-            <p:ph idx="1"/>
-          </p:nvPr>
-        </p:nvSpPr>
-        <p:spPr/>
-        <p:txBody>
-          <a:bodyPr/>
+              <a:t>Environmental Monitoring</a:t>
+            </a:r>
+          </a:p>
+        </p:txBody>
+      </p:sp>
+      <p:grpSp>
+        <p:nvGrpSpPr>
+          <p:cNvPr id="26" name="Group 25">
+            <a:extLst>
+              <a:ext uri="{FF2B5EF4-FFF2-40B4-BE49-F238E27FC236}">
+                <a16:creationId xmlns:a16="http://schemas.microsoft.com/office/drawing/2014/main" id="{498A1508-4AA0-48B0-807E-3008F8B3FDB8}"/>
+              </a:ext>
+            </a:extLst>
+          </p:cNvPr>
+          <p:cNvGrpSpPr/>
+          <p:nvPr/>
+        </p:nvGrpSpPr>
+        <p:grpSpPr>
+          <a:xfrm>
+            <a:off x="1857202" y="1690688"/>
+            <a:ext cx="819843" cy="1379913"/>
+            <a:chOff x="1550323" y="2859578"/>
+            <a:chExt cx="819843" cy="1379913"/>
+          </a:xfrm>
+        </p:grpSpPr>
+        <p:sp>
+          <p:nvSpPr>
+            <p:cNvPr id="4" name="Flowchart: Alternate Process 3">
+              <a:extLst>
+                <a:ext uri="{FF2B5EF4-FFF2-40B4-BE49-F238E27FC236}">
+                  <a16:creationId xmlns:a16="http://schemas.microsoft.com/office/drawing/2014/main" id="{64341B57-EAE1-4A2B-8AC6-3B5873568191}"/>
+                </a:ext>
+              </a:extLst>
+            </p:cNvPr>
+            <p:cNvSpPr/>
+            <p:nvPr/>
+          </p:nvSpPr>
+          <p:spPr>
+            <a:xfrm>
+              <a:off x="1803862" y="2859578"/>
+              <a:ext cx="232756" cy="1180407"/>
+            </a:xfrm>
+            <a:prstGeom prst="flowChartAlternateProcess">
+              <a:avLst/>
+            </a:prstGeom>
+            <a:ln w="76200">
+              <a:solidFill>
+                <a:srgbClr val="FF0000"/>
+              </a:solidFill>
+            </a:ln>
+          </p:spPr>
+          <p:style>
+            <a:lnRef idx="2">
+              <a:schemeClr val="dk1"/>
+            </a:lnRef>
+            <a:fillRef idx="1">
+              <a:schemeClr val="lt1"/>
+            </a:fillRef>
+            <a:effectRef idx="0">
+              <a:schemeClr val="dk1"/>
+            </a:effectRef>
+            <a:fontRef idx="minor">
+              <a:schemeClr val="dk1"/>
+            </a:fontRef>
+          </p:style>
+          <p:txBody>
+            <a:bodyPr rtlCol="0" anchor="ctr"/>
+            <a:lstStyle/>
+            <a:p>
+              <a:pPr algn="ctr"/>
+              <a:endParaRPr lang="en-US"/>
+            </a:p>
+          </p:txBody>
+        </p:sp>
+        <p:sp>
+          <p:nvSpPr>
+            <p:cNvPr id="5" name="Oval 4">
+              <a:extLst>
+                <a:ext uri="{FF2B5EF4-FFF2-40B4-BE49-F238E27FC236}">
+                  <a16:creationId xmlns:a16="http://schemas.microsoft.com/office/drawing/2014/main" id="{03A70521-5A1E-4DC5-86E2-68E741CC3A20}"/>
+                </a:ext>
+              </a:extLst>
+            </p:cNvPr>
+            <p:cNvSpPr/>
+            <p:nvPr/>
+          </p:nvSpPr>
+          <p:spPr>
+            <a:xfrm>
+              <a:off x="1550323" y="3665913"/>
+              <a:ext cx="739833" cy="573578"/>
+            </a:xfrm>
+            <a:prstGeom prst="ellipse">
+              <a:avLst/>
+            </a:prstGeom>
+            <a:ln w="76200">
+              <a:solidFill>
+                <a:srgbClr val="FF0000"/>
+              </a:solidFill>
+            </a:ln>
+          </p:spPr>
+          <p:style>
+            <a:lnRef idx="2">
+              <a:schemeClr val="dk1"/>
+            </a:lnRef>
+            <a:fillRef idx="1">
+              <a:schemeClr val="lt1"/>
+            </a:fillRef>
+            <a:effectRef idx="0">
+              <a:schemeClr val="dk1"/>
+            </a:effectRef>
+            <a:fontRef idx="minor">
+              <a:schemeClr val="dk1"/>
+            </a:fontRef>
+          </p:style>
+          <p:txBody>
+            <a:bodyPr rtlCol="0" anchor="ctr"/>
+            <a:lstStyle/>
+            <a:p>
+              <a:pPr algn="ctr"/>
+              <a:endParaRPr lang="en-US"/>
+            </a:p>
+          </p:txBody>
+        </p:sp>
+        <p:sp>
+          <p:nvSpPr>
+            <p:cNvPr id="7" name="Oval 6">
+              <a:extLst>
+                <a:ext uri="{FF2B5EF4-FFF2-40B4-BE49-F238E27FC236}">
+                  <a16:creationId xmlns:a16="http://schemas.microsoft.com/office/drawing/2014/main" id="{64C53CB2-3FF5-4596-9E3E-2FD9C7A059CA}"/>
+                </a:ext>
+              </a:extLst>
+            </p:cNvPr>
+            <p:cNvSpPr/>
+            <p:nvPr/>
+          </p:nvSpPr>
+          <p:spPr>
+            <a:xfrm>
+              <a:off x="1654233" y="3757353"/>
+              <a:ext cx="540327" cy="399011"/>
+            </a:xfrm>
+            <a:prstGeom prst="ellipse">
+              <a:avLst/>
+            </a:prstGeom>
+            <a:solidFill>
+              <a:srgbClr val="FF0000"/>
+            </a:solidFill>
+            <a:ln>
+              <a:solidFill>
+                <a:srgbClr val="FF0000"/>
+              </a:solidFill>
+            </a:ln>
+          </p:spPr>
+          <p:style>
+            <a:lnRef idx="2">
+              <a:schemeClr val="dk1"/>
+            </a:lnRef>
+            <a:fillRef idx="1">
+              <a:schemeClr val="lt1"/>
+            </a:fillRef>
+            <a:effectRef idx="0">
+              <a:schemeClr val="dk1"/>
+            </a:effectRef>
+            <a:fontRef idx="minor">
+              <a:schemeClr val="dk1"/>
+            </a:fontRef>
+          </p:style>
+          <p:txBody>
+            <a:bodyPr rtlCol="0" anchor="ctr"/>
+            <a:lstStyle/>
+            <a:p>
+              <a:pPr algn="ctr"/>
+              <a:endParaRPr lang="en-US"/>
+            </a:p>
+          </p:txBody>
+        </p:sp>
+        <p:cxnSp>
+          <p:nvCxnSpPr>
+            <p:cNvPr id="9" name="Straight Connector 8">
+              <a:extLst>
+                <a:ext uri="{FF2B5EF4-FFF2-40B4-BE49-F238E27FC236}">
+                  <a16:creationId xmlns:a16="http://schemas.microsoft.com/office/drawing/2014/main" id="{8FF81EE5-FD3D-4B8E-9EA3-D798A9B23FDB}"/>
+                </a:ext>
+              </a:extLst>
+            </p:cNvPr>
+            <p:cNvCxnSpPr>
+              <a:cxnSpLocks/>
+            </p:cNvCxnSpPr>
+            <p:nvPr/>
+          </p:nvCxnSpPr>
+          <p:spPr>
+            <a:xfrm flipV="1">
+              <a:off x="1920240" y="3034145"/>
+              <a:ext cx="0" cy="1005841"/>
+            </a:xfrm>
+            <a:prstGeom prst="line">
+              <a:avLst/>
+            </a:prstGeom>
+            <a:ln w="76200">
+              <a:solidFill>
+                <a:srgbClr val="FF0000"/>
+              </a:solidFill>
+            </a:ln>
+          </p:spPr>
+          <p:style>
+            <a:lnRef idx="1">
+              <a:schemeClr val="accent1"/>
+            </a:lnRef>
+            <a:fillRef idx="0">
+              <a:schemeClr val="accent1"/>
+            </a:fillRef>
+            <a:effectRef idx="0">
+              <a:schemeClr val="accent1"/>
+            </a:effectRef>
+            <a:fontRef idx="minor">
+              <a:schemeClr val="tx1"/>
+            </a:fontRef>
+          </p:style>
+        </p:cxnSp>
+        <p:cxnSp>
+          <p:nvCxnSpPr>
+            <p:cNvPr id="13" name="Straight Connector 12">
+              <a:extLst>
+                <a:ext uri="{FF2B5EF4-FFF2-40B4-BE49-F238E27FC236}">
+                  <a16:creationId xmlns:a16="http://schemas.microsoft.com/office/drawing/2014/main" id="{E473108C-E397-4533-AF7C-EC96DD17E4E5}"/>
+                </a:ext>
+              </a:extLst>
+            </p:cNvPr>
+            <p:cNvCxnSpPr>
+              <a:cxnSpLocks/>
+            </p:cNvCxnSpPr>
+            <p:nvPr/>
+          </p:nvCxnSpPr>
+          <p:spPr>
+            <a:xfrm>
+              <a:off x="1866900" y="2990850"/>
+              <a:ext cx="0" cy="758190"/>
+            </a:xfrm>
+            <a:prstGeom prst="line">
+              <a:avLst/>
+            </a:prstGeom>
+            <a:ln w="57150">
+              <a:solidFill>
+                <a:schemeClr val="bg1"/>
+              </a:solidFill>
+            </a:ln>
+          </p:spPr>
+          <p:style>
+            <a:lnRef idx="1">
+              <a:schemeClr val="accent1"/>
+            </a:lnRef>
+            <a:fillRef idx="0">
+              <a:schemeClr val="accent1"/>
+            </a:fillRef>
+            <a:effectRef idx="0">
+              <a:schemeClr val="accent1"/>
+            </a:effectRef>
+            <a:fontRef idx="minor">
+              <a:schemeClr val="tx1"/>
+            </a:fontRef>
+          </p:style>
+        </p:cxnSp>
+        <p:cxnSp>
+          <p:nvCxnSpPr>
+            <p:cNvPr id="16" name="Straight Connector 15">
+              <a:extLst>
+                <a:ext uri="{FF2B5EF4-FFF2-40B4-BE49-F238E27FC236}">
+                  <a16:creationId xmlns:a16="http://schemas.microsoft.com/office/drawing/2014/main" id="{DBDEC045-C54A-4B35-B505-886B62EAD0B4}"/>
+                </a:ext>
+              </a:extLst>
+            </p:cNvPr>
+            <p:cNvCxnSpPr>
+              <a:cxnSpLocks/>
+            </p:cNvCxnSpPr>
+            <p:nvPr/>
+          </p:nvCxnSpPr>
+          <p:spPr>
+            <a:xfrm>
+              <a:off x="1969770" y="2990850"/>
+              <a:ext cx="0" cy="758190"/>
+            </a:xfrm>
+            <a:prstGeom prst="line">
+              <a:avLst/>
+            </a:prstGeom>
+            <a:ln w="57150">
+              <a:solidFill>
+                <a:schemeClr val="bg1"/>
+              </a:solidFill>
+            </a:ln>
+          </p:spPr>
+          <p:style>
+            <a:lnRef idx="1">
+              <a:schemeClr val="accent1"/>
+            </a:lnRef>
+            <a:fillRef idx="0">
+              <a:schemeClr val="accent1"/>
+            </a:fillRef>
+            <a:effectRef idx="0">
+              <a:schemeClr val="accent1"/>
+            </a:effectRef>
+            <a:fontRef idx="minor">
+              <a:schemeClr val="tx1"/>
+            </a:fontRef>
+          </p:style>
+        </p:cxnSp>
+        <p:cxnSp>
+          <p:nvCxnSpPr>
+            <p:cNvPr id="20" name="Straight Connector 19">
+              <a:extLst>
+                <a:ext uri="{FF2B5EF4-FFF2-40B4-BE49-F238E27FC236}">
+                  <a16:creationId xmlns:a16="http://schemas.microsoft.com/office/drawing/2014/main" id="{401F03A4-84AC-47F3-B7E2-5E1853FEAB62}"/>
+                </a:ext>
+              </a:extLst>
+            </p:cNvPr>
+            <p:cNvCxnSpPr/>
+            <p:nvPr/>
+          </p:nvCxnSpPr>
+          <p:spPr>
+            <a:xfrm>
+              <a:off x="2110740" y="2990850"/>
+              <a:ext cx="255270" cy="0"/>
+            </a:xfrm>
+            <a:prstGeom prst="line">
+              <a:avLst/>
+            </a:prstGeom>
+            <a:ln w="57150">
+              <a:solidFill>
+                <a:srgbClr val="FF0000"/>
+              </a:solidFill>
+            </a:ln>
+          </p:spPr>
+          <p:style>
+            <a:lnRef idx="1">
+              <a:schemeClr val="accent1"/>
+            </a:lnRef>
+            <a:fillRef idx="0">
+              <a:schemeClr val="accent1"/>
+            </a:fillRef>
+            <a:effectRef idx="0">
+              <a:schemeClr val="accent1"/>
+            </a:effectRef>
+            <a:fontRef idx="minor">
+              <a:schemeClr val="tx1"/>
+            </a:fontRef>
+          </p:style>
+        </p:cxnSp>
+        <p:cxnSp>
+          <p:nvCxnSpPr>
+            <p:cNvPr id="21" name="Straight Connector 20">
+              <a:extLst>
+                <a:ext uri="{FF2B5EF4-FFF2-40B4-BE49-F238E27FC236}">
+                  <a16:creationId xmlns:a16="http://schemas.microsoft.com/office/drawing/2014/main" id="{8C4FCEFB-A7F7-4A74-A087-6EE1BD8BB9A6}"/>
+                </a:ext>
+              </a:extLst>
+            </p:cNvPr>
+            <p:cNvCxnSpPr/>
+            <p:nvPr/>
+          </p:nvCxnSpPr>
+          <p:spPr>
+            <a:xfrm>
+              <a:off x="2110740" y="3129395"/>
+              <a:ext cx="255270" cy="0"/>
+            </a:xfrm>
+            <a:prstGeom prst="line">
+              <a:avLst/>
+            </a:prstGeom>
+            <a:ln w="57150">
+              <a:solidFill>
+                <a:srgbClr val="FF0000"/>
+              </a:solidFill>
+            </a:ln>
+          </p:spPr>
+          <p:style>
+            <a:lnRef idx="1">
+              <a:schemeClr val="accent1"/>
+            </a:lnRef>
+            <a:fillRef idx="0">
+              <a:schemeClr val="accent1"/>
+            </a:fillRef>
+            <a:effectRef idx="0">
+              <a:schemeClr val="accent1"/>
+            </a:effectRef>
+            <a:fontRef idx="minor">
+              <a:schemeClr val="tx1"/>
+            </a:fontRef>
+          </p:style>
+        </p:cxnSp>
+        <p:cxnSp>
+          <p:nvCxnSpPr>
+            <p:cNvPr id="22" name="Straight Connector 21">
+              <a:extLst>
+                <a:ext uri="{FF2B5EF4-FFF2-40B4-BE49-F238E27FC236}">
+                  <a16:creationId xmlns:a16="http://schemas.microsoft.com/office/drawing/2014/main" id="{472D1945-D5FF-4363-BF7F-9D4F799B1D33}"/>
+                </a:ext>
+              </a:extLst>
+            </p:cNvPr>
+            <p:cNvCxnSpPr/>
+            <p:nvPr/>
+          </p:nvCxnSpPr>
+          <p:spPr>
+            <a:xfrm>
+              <a:off x="2110740" y="3270365"/>
+              <a:ext cx="255270" cy="0"/>
+            </a:xfrm>
+            <a:prstGeom prst="line">
+              <a:avLst/>
+            </a:prstGeom>
+            <a:ln w="57150">
+              <a:solidFill>
+                <a:srgbClr val="FF0000"/>
+              </a:solidFill>
+            </a:ln>
+          </p:spPr>
+          <p:style>
+            <a:lnRef idx="1">
+              <a:schemeClr val="accent1"/>
+            </a:lnRef>
+            <a:fillRef idx="0">
+              <a:schemeClr val="accent1"/>
+            </a:fillRef>
+            <a:effectRef idx="0">
+              <a:schemeClr val="accent1"/>
+            </a:effectRef>
+            <a:fontRef idx="minor">
+              <a:schemeClr val="tx1"/>
+            </a:fontRef>
+          </p:style>
+        </p:cxnSp>
+        <p:cxnSp>
+          <p:nvCxnSpPr>
+            <p:cNvPr id="23" name="Straight Connector 22">
+              <a:extLst>
+                <a:ext uri="{FF2B5EF4-FFF2-40B4-BE49-F238E27FC236}">
+                  <a16:creationId xmlns:a16="http://schemas.microsoft.com/office/drawing/2014/main" id="{88622F52-8A3D-4F2C-BDBE-4DD7526E799F}"/>
+                </a:ext>
+              </a:extLst>
+            </p:cNvPr>
+            <p:cNvCxnSpPr/>
+            <p:nvPr/>
+          </p:nvCxnSpPr>
+          <p:spPr>
+            <a:xfrm>
+              <a:off x="2110740" y="3416876"/>
+              <a:ext cx="255270" cy="0"/>
+            </a:xfrm>
+            <a:prstGeom prst="line">
+              <a:avLst/>
+            </a:prstGeom>
+            <a:ln w="57150">
+              <a:solidFill>
+                <a:srgbClr val="FF0000"/>
+              </a:solidFill>
+            </a:ln>
+          </p:spPr>
+          <p:style>
+            <a:lnRef idx="1">
+              <a:schemeClr val="accent1"/>
+            </a:lnRef>
+            <a:fillRef idx="0">
+              <a:schemeClr val="accent1"/>
+            </a:fillRef>
+            <a:effectRef idx="0">
+              <a:schemeClr val="accent1"/>
+            </a:effectRef>
+            <a:fontRef idx="minor">
+              <a:schemeClr val="tx1"/>
+            </a:fontRef>
+          </p:style>
+        </p:cxnSp>
+        <p:cxnSp>
+          <p:nvCxnSpPr>
+            <p:cNvPr id="25" name="Straight Connector 24">
+              <a:extLst>
+                <a:ext uri="{FF2B5EF4-FFF2-40B4-BE49-F238E27FC236}">
+                  <a16:creationId xmlns:a16="http://schemas.microsoft.com/office/drawing/2014/main" id="{86EC941F-41D1-4C8F-9565-D50AF0E25040}"/>
+                </a:ext>
+              </a:extLst>
+            </p:cNvPr>
+            <p:cNvCxnSpPr/>
+            <p:nvPr/>
+          </p:nvCxnSpPr>
+          <p:spPr>
+            <a:xfrm flipH="1">
+              <a:off x="2210146" y="3566160"/>
+              <a:ext cx="160020" cy="0"/>
+            </a:xfrm>
+            <a:prstGeom prst="line">
+              <a:avLst/>
+            </a:prstGeom>
+            <a:ln w="57150">
+              <a:solidFill>
+                <a:srgbClr val="FF0000"/>
+              </a:solidFill>
+            </a:ln>
+          </p:spPr>
+          <p:style>
+            <a:lnRef idx="1">
+              <a:schemeClr val="accent1"/>
+            </a:lnRef>
+            <a:fillRef idx="0">
+              <a:schemeClr val="accent1"/>
+            </a:fillRef>
+            <a:effectRef idx="0">
+              <a:schemeClr val="accent1"/>
+            </a:effectRef>
+            <a:fontRef idx="minor">
+              <a:schemeClr val="tx1"/>
+            </a:fontRef>
+          </p:style>
+        </p:cxnSp>
+      </p:grpSp>
+      <p:sp>
+        <p:nvSpPr>
+          <p:cNvPr id="41" name="Teardrop 40">
+            <a:extLst>
+              <a:ext uri="{FF2B5EF4-FFF2-40B4-BE49-F238E27FC236}">
+                <a16:creationId xmlns:a16="http://schemas.microsoft.com/office/drawing/2014/main" id="{0497C03F-8FC8-4E35-BA1C-F243F4B71DB2}"/>
+              </a:ext>
+            </a:extLst>
+          </p:cNvPr>
+          <p:cNvSpPr/>
+          <p:nvPr/>
+        </p:nvSpPr>
+        <p:spPr>
+          <a:xfrm>
+            <a:off x="838200" y="2247986"/>
+            <a:ext cx="507076" cy="536518"/>
+          </a:xfrm>
+          <a:prstGeom prst="teardrop">
+            <a:avLst>
+              <a:gd name="adj" fmla="val 200000"/>
+            </a:avLst>
+          </a:prstGeom>
+        </p:spPr>
+        <p:style>
+          <a:lnRef idx="2">
+            <a:schemeClr val="accent1">
+              <a:shade val="50000"/>
+            </a:schemeClr>
+          </a:lnRef>
+          <a:fillRef idx="1">
+            <a:schemeClr val="accent1"/>
+          </a:fillRef>
+          <a:effectRef idx="0">
+            <a:schemeClr val="accent1"/>
+          </a:effectRef>
+          <a:fontRef idx="minor">
+            <a:schemeClr val="lt1"/>
+          </a:fontRef>
+        </p:style>
+        <p:txBody>
+          <a:bodyPr rtlCol="0" anchor="ctr"/>
           <a:lstStyle/>
           <a:p>
-            <a:endParaRPr lang="en-US" dirty="0"/>
-          </a:p>
-        </p:txBody>
-      </p:sp>
+            <a:pPr algn="ctr"/>
+            <a:r>
+              <a:rPr lang="en-US" b="1" dirty="0"/>
+              <a:t>%</a:t>
+            </a:r>
+          </a:p>
+        </p:txBody>
+      </p:sp>
+      <p:sp>
+        <p:nvSpPr>
+          <p:cNvPr id="43" name="Rectangle 42">
+            <a:extLst>
+              <a:ext uri="{FF2B5EF4-FFF2-40B4-BE49-F238E27FC236}">
+                <a16:creationId xmlns:a16="http://schemas.microsoft.com/office/drawing/2014/main" id="{D5363A9D-C077-4C55-BD19-4F4288265B75}"/>
+              </a:ext>
+            </a:extLst>
+          </p:cNvPr>
+          <p:cNvSpPr/>
+          <p:nvPr/>
+        </p:nvSpPr>
+        <p:spPr>
+          <a:xfrm>
+            <a:off x="4617396" y="3328295"/>
+            <a:ext cx="3151761" cy="1722150"/>
+          </a:xfrm>
+          <a:prstGeom prst="rect">
+            <a:avLst/>
+          </a:prstGeom>
+          <a:ln w="57150">
+            <a:solidFill>
+              <a:schemeClr val="tx1"/>
+            </a:solidFill>
+          </a:ln>
+        </p:spPr>
+        <p:style>
+          <a:lnRef idx="2">
+            <a:schemeClr val="accent6">
+              <a:shade val="50000"/>
+            </a:schemeClr>
+          </a:lnRef>
+          <a:fillRef idx="1">
+            <a:schemeClr val="accent6"/>
+          </a:fillRef>
+          <a:effectRef idx="0">
+            <a:schemeClr val="accent6"/>
+          </a:effectRef>
+          <a:fontRef idx="minor">
+            <a:schemeClr val="lt1"/>
+          </a:fontRef>
+        </p:style>
+        <p:txBody>
+          <a:bodyPr rtlCol="0" anchor="ctr"/>
+          <a:lstStyle/>
+          <a:p>
+            <a:pPr algn="ctr"/>
+            <a:r>
+              <a:rPr lang="en-US" sz="4000" b="1" dirty="0"/>
+              <a:t>R-PI-3</a:t>
+            </a:r>
+            <a:endParaRPr lang="en-US" b="1" dirty="0"/>
+          </a:p>
+        </p:txBody>
+      </p:sp>
+      <p:sp>
+        <p:nvSpPr>
+          <p:cNvPr id="48" name="Arc 47">
+            <a:extLst>
+              <a:ext uri="{FF2B5EF4-FFF2-40B4-BE49-F238E27FC236}">
+                <a16:creationId xmlns:a16="http://schemas.microsoft.com/office/drawing/2014/main" id="{A8C45C1B-43B1-4CCD-A493-884CA8B2AE7A}"/>
+              </a:ext>
+            </a:extLst>
+          </p:cNvPr>
+          <p:cNvSpPr/>
+          <p:nvPr/>
+        </p:nvSpPr>
+        <p:spPr>
+          <a:xfrm rot="7990679">
+            <a:off x="683028" y="2972863"/>
+            <a:ext cx="914400" cy="914400"/>
+          </a:xfrm>
+          <a:prstGeom prst="arc">
+            <a:avLst/>
+          </a:prstGeom>
+          <a:ln w="76200">
+            <a:solidFill>
+              <a:schemeClr val="bg1"/>
+            </a:solidFill>
+          </a:ln>
+        </p:spPr>
+        <p:style>
+          <a:lnRef idx="1">
+            <a:schemeClr val="accent1"/>
+          </a:lnRef>
+          <a:fillRef idx="0">
+            <a:schemeClr val="accent1"/>
+          </a:fillRef>
+          <a:effectRef idx="0">
+            <a:schemeClr val="accent1"/>
+          </a:effectRef>
+          <a:fontRef idx="minor">
+            <a:schemeClr val="tx1"/>
+          </a:fontRef>
+        </p:style>
+        <p:txBody>
+          <a:bodyPr rtlCol="0" anchor="ctr"/>
+          <a:lstStyle/>
+          <a:p>
+            <a:pPr algn="ctr"/>
+            <a:endParaRPr lang="en-US"/>
+          </a:p>
+        </p:txBody>
+      </p:sp>
+      <p:grpSp>
+        <p:nvGrpSpPr>
+          <p:cNvPr id="80" name="Group 79">
+            <a:extLst>
+              <a:ext uri="{FF2B5EF4-FFF2-40B4-BE49-F238E27FC236}">
+                <a16:creationId xmlns:a16="http://schemas.microsoft.com/office/drawing/2014/main" id="{7FAC68AD-DDCF-4264-BFB6-20586CC71CE0}"/>
+              </a:ext>
+            </a:extLst>
+          </p:cNvPr>
+          <p:cNvGrpSpPr/>
+          <p:nvPr/>
+        </p:nvGrpSpPr>
+        <p:grpSpPr>
+          <a:xfrm>
+            <a:off x="743989" y="2871095"/>
+            <a:ext cx="914400" cy="914400"/>
+            <a:chOff x="686839" y="3070601"/>
+            <a:chExt cx="914400" cy="914400"/>
+          </a:xfrm>
+        </p:grpSpPr>
+        <p:grpSp>
+          <p:nvGrpSpPr>
+            <p:cNvPr id="72" name="Group 71">
+              <a:extLst>
+                <a:ext uri="{FF2B5EF4-FFF2-40B4-BE49-F238E27FC236}">
+                  <a16:creationId xmlns:a16="http://schemas.microsoft.com/office/drawing/2014/main" id="{4AC9DE24-BAD7-4EA4-B574-9DD9631FE22B}"/>
+                </a:ext>
+              </a:extLst>
+            </p:cNvPr>
+            <p:cNvGrpSpPr/>
+            <p:nvPr/>
+          </p:nvGrpSpPr>
+          <p:grpSpPr>
+            <a:xfrm>
+              <a:off x="686839" y="3070601"/>
+              <a:ext cx="914400" cy="914400"/>
+              <a:chOff x="686839" y="3070601"/>
+              <a:chExt cx="914400" cy="914400"/>
+            </a:xfrm>
+          </p:grpSpPr>
+          <p:sp>
+            <p:nvSpPr>
+              <p:cNvPr id="44" name="Oval 43">
+                <a:extLst>
+                  <a:ext uri="{FF2B5EF4-FFF2-40B4-BE49-F238E27FC236}">
+                    <a16:creationId xmlns:a16="http://schemas.microsoft.com/office/drawing/2014/main" id="{8793190A-7543-4AED-A961-234A26747CF3}"/>
+                  </a:ext>
+                </a:extLst>
+              </p:cNvPr>
+              <p:cNvSpPr/>
+              <p:nvPr/>
+            </p:nvSpPr>
+            <p:spPr>
+              <a:xfrm>
+                <a:off x="686839" y="3070601"/>
+                <a:ext cx="914400" cy="914400"/>
+              </a:xfrm>
+              <a:prstGeom prst="ellipse">
+                <a:avLst/>
+              </a:prstGeom>
+              <a:ln w="38100"/>
+            </p:spPr>
+            <p:style>
+              <a:lnRef idx="2">
+                <a:schemeClr val="dk1"/>
+              </a:lnRef>
+              <a:fillRef idx="1">
+                <a:schemeClr val="lt1"/>
+              </a:fillRef>
+              <a:effectRef idx="0">
+                <a:schemeClr val="dk1"/>
+              </a:effectRef>
+              <a:fontRef idx="minor">
+                <a:schemeClr val="dk1"/>
+              </a:fontRef>
+            </p:style>
+            <p:txBody>
+              <a:bodyPr rtlCol="0" anchor="ctr"/>
+              <a:lstStyle/>
+              <a:p>
+                <a:pPr algn="ctr"/>
+                <a:endParaRPr lang="en-US"/>
+              </a:p>
+            </p:txBody>
+          </p:sp>
+          <p:sp>
+            <p:nvSpPr>
+              <p:cNvPr id="45" name="Teardrop 44">
+                <a:extLst>
+                  <a:ext uri="{FF2B5EF4-FFF2-40B4-BE49-F238E27FC236}">
+                    <a16:creationId xmlns:a16="http://schemas.microsoft.com/office/drawing/2014/main" id="{EB9719A5-B0BE-4DEB-8456-BEA3644C5EAB}"/>
+                  </a:ext>
+                </a:extLst>
+              </p:cNvPr>
+              <p:cNvSpPr/>
+              <p:nvPr/>
+            </p:nvSpPr>
+            <p:spPr>
+              <a:xfrm>
+                <a:off x="1093470" y="3470910"/>
+                <a:ext cx="95250" cy="118110"/>
+              </a:xfrm>
+              <a:prstGeom prst="teardrop">
+                <a:avLst>
+                  <a:gd name="adj" fmla="val 200000"/>
+                </a:avLst>
+              </a:prstGeom>
+            </p:spPr>
+            <p:style>
+              <a:lnRef idx="2">
+                <a:schemeClr val="dk1">
+                  <a:shade val="50000"/>
+                </a:schemeClr>
+              </a:lnRef>
+              <a:fillRef idx="1">
+                <a:schemeClr val="dk1"/>
+              </a:fillRef>
+              <a:effectRef idx="0">
+                <a:schemeClr val="dk1"/>
+              </a:effectRef>
+              <a:fontRef idx="minor">
+                <a:schemeClr val="lt1"/>
+              </a:fontRef>
+            </p:style>
+            <p:txBody>
+              <a:bodyPr rtlCol="0" anchor="ctr"/>
+              <a:lstStyle/>
+              <a:p>
+                <a:pPr algn="ctr"/>
+                <a:endParaRPr lang="en-US"/>
+              </a:p>
+            </p:txBody>
+          </p:sp>
+          <p:sp>
+            <p:nvSpPr>
+              <p:cNvPr id="47" name="Oval 46">
+                <a:extLst>
+                  <a:ext uri="{FF2B5EF4-FFF2-40B4-BE49-F238E27FC236}">
+                    <a16:creationId xmlns:a16="http://schemas.microsoft.com/office/drawing/2014/main" id="{197208D8-B7BC-4153-93E8-67F3210B0B7A}"/>
+                  </a:ext>
+                </a:extLst>
+              </p:cNvPr>
+              <p:cNvSpPr/>
+              <p:nvPr/>
+            </p:nvSpPr>
+            <p:spPr>
+              <a:xfrm>
+                <a:off x="796636" y="3161911"/>
+                <a:ext cx="696278" cy="743339"/>
+              </a:xfrm>
+              <a:prstGeom prst="ellipse">
+                <a:avLst/>
+              </a:prstGeom>
+              <a:noFill/>
+              <a:ln w="28575"/>
+            </p:spPr>
+            <p:style>
+              <a:lnRef idx="2">
+                <a:schemeClr val="dk1"/>
+              </a:lnRef>
+              <a:fillRef idx="1">
+                <a:schemeClr val="lt1"/>
+              </a:fillRef>
+              <a:effectRef idx="0">
+                <a:schemeClr val="dk1"/>
+              </a:effectRef>
+              <a:fontRef idx="minor">
+                <a:schemeClr val="dk1"/>
+              </a:fontRef>
+            </p:style>
+            <p:txBody>
+              <a:bodyPr rtlCol="0" anchor="ctr"/>
+              <a:lstStyle/>
+              <a:p>
+                <a:pPr algn="ctr"/>
+                <a:endParaRPr lang="en-US"/>
+              </a:p>
+            </p:txBody>
+          </p:sp>
+          <p:sp>
+            <p:nvSpPr>
+              <p:cNvPr id="49" name="Rectangle 48">
+                <a:extLst>
+                  <a:ext uri="{FF2B5EF4-FFF2-40B4-BE49-F238E27FC236}">
+                    <a16:creationId xmlns:a16="http://schemas.microsoft.com/office/drawing/2014/main" id="{0E36D5A1-73A7-417B-B092-F41948908606}"/>
+                  </a:ext>
+                </a:extLst>
+              </p:cNvPr>
+              <p:cNvSpPr/>
+              <p:nvPr/>
+            </p:nvSpPr>
+            <p:spPr>
+              <a:xfrm>
+                <a:off x="792480" y="3604260"/>
+                <a:ext cx="700434" cy="160020"/>
+              </a:xfrm>
+              <a:prstGeom prst="rect">
+                <a:avLst/>
+              </a:prstGeom>
+              <a:solidFill>
+                <a:schemeClr val="bg1"/>
+              </a:solidFill>
+              <a:ln>
+                <a:solidFill>
+                  <a:schemeClr val="bg1"/>
+                </a:solidFill>
+              </a:ln>
+            </p:spPr>
+            <p:style>
+              <a:lnRef idx="2">
+                <a:schemeClr val="accent1">
+                  <a:shade val="50000"/>
+                </a:schemeClr>
+              </a:lnRef>
+              <a:fillRef idx="1">
+                <a:schemeClr val="accent1"/>
+              </a:fillRef>
+              <a:effectRef idx="0">
+                <a:schemeClr val="accent1"/>
+              </a:effectRef>
+              <a:fontRef idx="minor">
+                <a:schemeClr val="lt1"/>
+              </a:fontRef>
+            </p:style>
+            <p:txBody>
+              <a:bodyPr rtlCol="0" anchor="ctr"/>
+              <a:lstStyle/>
+              <a:p>
+                <a:pPr algn="ctr"/>
+                <a:endParaRPr lang="en-US"/>
+              </a:p>
+            </p:txBody>
+          </p:sp>
+          <p:cxnSp>
+            <p:nvCxnSpPr>
+              <p:cNvPr id="51" name="Straight Connector 50">
+                <a:extLst>
+                  <a:ext uri="{FF2B5EF4-FFF2-40B4-BE49-F238E27FC236}">
+                    <a16:creationId xmlns:a16="http://schemas.microsoft.com/office/drawing/2014/main" id="{C3AD8C05-AAB1-4426-B1EC-542221090DBE}"/>
+                  </a:ext>
+                </a:extLst>
+              </p:cNvPr>
+              <p:cNvCxnSpPr>
+                <a:cxnSpLocks/>
+                <a:stCxn id="44" idx="0"/>
+                <a:endCxn id="44" idx="0"/>
+              </p:cNvCxnSpPr>
+              <p:nvPr/>
+            </p:nvCxnSpPr>
+            <p:spPr>
+              <a:xfrm>
+                <a:off x="1144039" y="3070601"/>
+                <a:ext cx="0" cy="0"/>
+              </a:xfrm>
+              <a:prstGeom prst="line">
+                <a:avLst/>
+              </a:prstGeom>
+              <a:ln w="57150">
+                <a:solidFill>
+                  <a:schemeClr val="tx1"/>
+                </a:solidFill>
+              </a:ln>
+            </p:spPr>
+            <p:style>
+              <a:lnRef idx="1">
+                <a:schemeClr val="accent1"/>
+              </a:lnRef>
+              <a:fillRef idx="0">
+                <a:schemeClr val="accent1"/>
+              </a:fillRef>
+              <a:effectRef idx="0">
+                <a:schemeClr val="accent1"/>
+              </a:effectRef>
+              <a:fontRef idx="minor">
+                <a:schemeClr val="tx1"/>
+              </a:fontRef>
+            </p:style>
+          </p:cxnSp>
+          <p:cxnSp>
+            <p:nvCxnSpPr>
+              <p:cNvPr id="56" name="Straight Connector 55">
+                <a:extLst>
+                  <a:ext uri="{FF2B5EF4-FFF2-40B4-BE49-F238E27FC236}">
+                    <a16:creationId xmlns:a16="http://schemas.microsoft.com/office/drawing/2014/main" id="{29DE08CE-BC79-488D-81D3-75A891F1D8DF}"/>
+                  </a:ext>
+                </a:extLst>
+              </p:cNvPr>
+              <p:cNvCxnSpPr>
+                <a:cxnSpLocks/>
+                <a:stCxn id="47" idx="0"/>
+                <a:endCxn id="44" idx="0"/>
+              </p:cNvCxnSpPr>
+              <p:nvPr/>
+            </p:nvCxnSpPr>
+            <p:spPr>
+              <a:xfrm flipH="1" flipV="1">
+                <a:off x="1144039" y="3070601"/>
+                <a:ext cx="736" cy="91310"/>
+              </a:xfrm>
+              <a:prstGeom prst="line">
+                <a:avLst/>
+              </a:prstGeom>
+              <a:ln w="38100">
+                <a:solidFill>
+                  <a:schemeClr val="tx1"/>
+                </a:solidFill>
+              </a:ln>
+            </p:spPr>
+            <p:style>
+              <a:lnRef idx="1">
+                <a:schemeClr val="accent1"/>
+              </a:lnRef>
+              <a:fillRef idx="0">
+                <a:schemeClr val="accent1"/>
+              </a:fillRef>
+              <a:effectRef idx="0">
+                <a:schemeClr val="accent1"/>
+              </a:effectRef>
+              <a:fontRef idx="minor">
+                <a:schemeClr val="tx1"/>
+              </a:fontRef>
+            </p:style>
+          </p:cxnSp>
+          <p:cxnSp>
+            <p:nvCxnSpPr>
+              <p:cNvPr id="61" name="Straight Connector 60">
+                <a:extLst>
+                  <a:ext uri="{FF2B5EF4-FFF2-40B4-BE49-F238E27FC236}">
+                    <a16:creationId xmlns:a16="http://schemas.microsoft.com/office/drawing/2014/main" id="{256E95E2-7D22-495E-BE7D-D0ED099DA2D3}"/>
+                  </a:ext>
+                </a:extLst>
+              </p:cNvPr>
+              <p:cNvCxnSpPr>
+                <a:cxnSpLocks/>
+                <a:stCxn id="47" idx="6"/>
+                <a:endCxn id="44" idx="6"/>
+              </p:cNvCxnSpPr>
+              <p:nvPr/>
+            </p:nvCxnSpPr>
+            <p:spPr>
+              <a:xfrm flipV="1">
+                <a:off x="1492914" y="3527801"/>
+                <a:ext cx="108325" cy="5780"/>
+              </a:xfrm>
+              <a:prstGeom prst="line">
+                <a:avLst/>
+              </a:prstGeom>
+              <a:ln w="38100">
+                <a:solidFill>
+                  <a:schemeClr val="tx1"/>
+                </a:solidFill>
+              </a:ln>
+            </p:spPr>
+            <p:style>
+              <a:lnRef idx="1">
+                <a:schemeClr val="accent1"/>
+              </a:lnRef>
+              <a:fillRef idx="0">
+                <a:schemeClr val="accent1"/>
+              </a:fillRef>
+              <a:effectRef idx="0">
+                <a:schemeClr val="accent1"/>
+              </a:effectRef>
+              <a:fontRef idx="minor">
+                <a:schemeClr val="tx1"/>
+              </a:fontRef>
+            </p:style>
+          </p:cxnSp>
+          <p:cxnSp>
+            <p:nvCxnSpPr>
+              <p:cNvPr id="64" name="Straight Connector 63">
+                <a:extLst>
+                  <a:ext uri="{FF2B5EF4-FFF2-40B4-BE49-F238E27FC236}">
+                    <a16:creationId xmlns:a16="http://schemas.microsoft.com/office/drawing/2014/main" id="{C52F810E-363C-4823-BB69-B420524057A8}"/>
+                  </a:ext>
+                </a:extLst>
+              </p:cNvPr>
+              <p:cNvCxnSpPr>
+                <a:cxnSpLocks/>
+                <a:stCxn id="47" idx="7"/>
+                <a:endCxn id="44" idx="7"/>
+              </p:cNvCxnSpPr>
+              <p:nvPr/>
+            </p:nvCxnSpPr>
+            <p:spPr>
+              <a:xfrm flipV="1">
+                <a:off x="1390946" y="3204512"/>
+                <a:ext cx="76382" cy="66258"/>
+              </a:xfrm>
+              <a:prstGeom prst="line">
+                <a:avLst/>
+              </a:prstGeom>
+              <a:ln w="38100">
+                <a:solidFill>
+                  <a:schemeClr val="tx1"/>
+                </a:solidFill>
+              </a:ln>
+            </p:spPr>
+            <p:style>
+              <a:lnRef idx="1">
+                <a:schemeClr val="accent1"/>
+              </a:lnRef>
+              <a:fillRef idx="0">
+                <a:schemeClr val="accent1"/>
+              </a:fillRef>
+              <a:effectRef idx="0">
+                <a:schemeClr val="accent1"/>
+              </a:effectRef>
+              <a:fontRef idx="minor">
+                <a:schemeClr val="tx1"/>
+              </a:fontRef>
+            </p:style>
+          </p:cxnSp>
+          <p:cxnSp>
+            <p:nvCxnSpPr>
+              <p:cNvPr id="67" name="Straight Connector 66">
+                <a:extLst>
+                  <a:ext uri="{FF2B5EF4-FFF2-40B4-BE49-F238E27FC236}">
+                    <a16:creationId xmlns:a16="http://schemas.microsoft.com/office/drawing/2014/main" id="{4E402258-F91E-479C-9A16-306CC2B2B10A}"/>
+                  </a:ext>
+                </a:extLst>
+              </p:cNvPr>
+              <p:cNvCxnSpPr>
+                <a:cxnSpLocks/>
+                <a:stCxn id="44" idx="1"/>
+                <a:endCxn id="47" idx="1"/>
+              </p:cNvCxnSpPr>
+              <p:nvPr/>
+            </p:nvCxnSpPr>
+            <p:spPr>
+              <a:xfrm>
+                <a:off x="820750" y="3204512"/>
+                <a:ext cx="77854" cy="66258"/>
+              </a:xfrm>
+              <a:prstGeom prst="line">
+                <a:avLst/>
+              </a:prstGeom>
+              <a:ln w="38100">
+                <a:solidFill>
+                  <a:schemeClr val="tx1"/>
+                </a:solidFill>
+              </a:ln>
+            </p:spPr>
+            <p:style>
+              <a:lnRef idx="1">
+                <a:schemeClr val="accent1"/>
+              </a:lnRef>
+              <a:fillRef idx="0">
+                <a:schemeClr val="accent1"/>
+              </a:fillRef>
+              <a:effectRef idx="0">
+                <a:schemeClr val="accent1"/>
+              </a:effectRef>
+              <a:fontRef idx="minor">
+                <a:schemeClr val="tx1"/>
+              </a:fontRef>
+            </p:style>
+          </p:cxnSp>
+          <p:cxnSp>
+            <p:nvCxnSpPr>
+              <p:cNvPr id="70" name="Straight Connector 69">
+                <a:extLst>
+                  <a:ext uri="{FF2B5EF4-FFF2-40B4-BE49-F238E27FC236}">
+                    <a16:creationId xmlns:a16="http://schemas.microsoft.com/office/drawing/2014/main" id="{9555F26D-9FED-4CCD-A885-88E46A92ECE7}"/>
+                  </a:ext>
+                </a:extLst>
+              </p:cNvPr>
+              <p:cNvCxnSpPr>
+                <a:cxnSpLocks/>
+                <a:stCxn id="44" idx="2"/>
+                <a:endCxn id="47" idx="2"/>
+              </p:cNvCxnSpPr>
+              <p:nvPr/>
+            </p:nvCxnSpPr>
+            <p:spPr>
+              <a:xfrm>
+                <a:off x="686839" y="3527801"/>
+                <a:ext cx="109797" cy="5780"/>
+              </a:xfrm>
+              <a:prstGeom prst="line">
+                <a:avLst/>
+              </a:prstGeom>
+              <a:ln w="38100">
+                <a:solidFill>
+                  <a:schemeClr val="tx1"/>
+                </a:solidFill>
+              </a:ln>
+            </p:spPr>
+            <p:style>
+              <a:lnRef idx="1">
+                <a:schemeClr val="accent1"/>
+              </a:lnRef>
+              <a:fillRef idx="0">
+                <a:schemeClr val="accent1"/>
+              </a:fillRef>
+              <a:effectRef idx="0">
+                <a:schemeClr val="accent1"/>
+              </a:effectRef>
+              <a:fontRef idx="minor">
+                <a:schemeClr val="tx1"/>
+              </a:fontRef>
+            </p:style>
+          </p:cxnSp>
+        </p:grpSp>
+        <p:sp>
+          <p:nvSpPr>
+            <p:cNvPr id="73" name="Arc 72">
+              <a:extLst>
+                <a:ext uri="{FF2B5EF4-FFF2-40B4-BE49-F238E27FC236}">
+                  <a16:creationId xmlns:a16="http://schemas.microsoft.com/office/drawing/2014/main" id="{5F1413C9-078D-42E6-8DE3-FFFAB09C06F7}"/>
+                </a:ext>
+              </a:extLst>
+            </p:cNvPr>
+            <p:cNvSpPr/>
+            <p:nvPr/>
+          </p:nvSpPr>
+          <p:spPr>
+            <a:xfrm rot="7844421">
+              <a:off x="753712" y="3127664"/>
+              <a:ext cx="727140" cy="774119"/>
+            </a:xfrm>
+            <a:prstGeom prst="arc">
+              <a:avLst>
+                <a:gd name="adj1" fmla="val 16200000"/>
+                <a:gd name="adj2" fmla="val 167851"/>
+              </a:avLst>
+            </a:prstGeom>
+            <a:ln w="76200">
+              <a:solidFill>
+                <a:schemeClr val="bg1"/>
+              </a:solidFill>
+            </a:ln>
+          </p:spPr>
+          <p:style>
+            <a:lnRef idx="1">
+              <a:schemeClr val="accent1"/>
+            </a:lnRef>
+            <a:fillRef idx="0">
+              <a:schemeClr val="accent1"/>
+            </a:fillRef>
+            <a:effectRef idx="0">
+              <a:schemeClr val="accent1"/>
+            </a:effectRef>
+            <a:fontRef idx="minor">
+              <a:schemeClr val="tx1"/>
+            </a:fontRef>
+          </p:style>
+          <p:txBody>
+            <a:bodyPr rtlCol="0" anchor="ctr"/>
+            <a:lstStyle/>
+            <a:p>
+              <a:pPr algn="ctr"/>
+              <a:endParaRPr lang="en-US"/>
+            </a:p>
+          </p:txBody>
+        </p:sp>
+        <p:cxnSp>
+          <p:nvCxnSpPr>
+            <p:cNvPr id="75" name="Straight Connector 74">
+              <a:extLst>
+                <a:ext uri="{FF2B5EF4-FFF2-40B4-BE49-F238E27FC236}">
+                  <a16:creationId xmlns:a16="http://schemas.microsoft.com/office/drawing/2014/main" id="{E98CED89-5420-46D1-8A9B-D3F6BC9E5FDC}"/>
+                </a:ext>
+              </a:extLst>
+            </p:cNvPr>
+            <p:cNvCxnSpPr>
+              <a:cxnSpLocks/>
+            </p:cNvCxnSpPr>
+            <p:nvPr/>
+          </p:nvCxnSpPr>
+          <p:spPr>
+            <a:xfrm>
+              <a:off x="792480" y="3745230"/>
+              <a:ext cx="700434" cy="0"/>
+            </a:xfrm>
+            <a:prstGeom prst="line">
+              <a:avLst/>
+            </a:prstGeom>
+            <a:ln w="76200">
+              <a:solidFill>
+                <a:schemeClr val="bg1"/>
+              </a:solidFill>
+            </a:ln>
+          </p:spPr>
+          <p:style>
+            <a:lnRef idx="1">
+              <a:schemeClr val="accent1"/>
+            </a:lnRef>
+            <a:fillRef idx="0">
+              <a:schemeClr val="accent1"/>
+            </a:fillRef>
+            <a:effectRef idx="0">
+              <a:schemeClr val="accent1"/>
+            </a:effectRef>
+            <a:fontRef idx="minor">
+              <a:schemeClr val="tx1"/>
+            </a:fontRef>
+          </p:style>
+        </p:cxnSp>
+      </p:grpSp>
+      <p:grpSp>
+        <p:nvGrpSpPr>
+          <p:cNvPr id="95" name="Group 94">
+            <a:extLst>
+              <a:ext uri="{FF2B5EF4-FFF2-40B4-BE49-F238E27FC236}">
+                <a16:creationId xmlns:a16="http://schemas.microsoft.com/office/drawing/2014/main" id="{52C1F97D-7BB2-4ACD-8383-7D96C30639DC}"/>
+              </a:ext>
+            </a:extLst>
+          </p:cNvPr>
+          <p:cNvGrpSpPr/>
+          <p:nvPr/>
+        </p:nvGrpSpPr>
+        <p:grpSpPr>
+          <a:xfrm>
+            <a:off x="9209151" y="855542"/>
+            <a:ext cx="2647028" cy="1692420"/>
+            <a:chOff x="8618220" y="887730"/>
+            <a:chExt cx="2647028" cy="1692420"/>
+          </a:xfrm>
+        </p:grpSpPr>
+        <p:sp>
+          <p:nvSpPr>
+            <p:cNvPr id="89" name="Double Brace 88">
+              <a:extLst>
+                <a:ext uri="{FF2B5EF4-FFF2-40B4-BE49-F238E27FC236}">
+                  <a16:creationId xmlns:a16="http://schemas.microsoft.com/office/drawing/2014/main" id="{6CFB1838-4BA5-4FBA-B54F-F59B0F905E00}"/>
+                </a:ext>
+              </a:extLst>
+            </p:cNvPr>
+            <p:cNvSpPr/>
+            <p:nvPr/>
+          </p:nvSpPr>
+          <p:spPr>
+            <a:xfrm>
+              <a:off x="9238922" y="1059527"/>
+              <a:ext cx="1294966" cy="1437496"/>
+            </a:xfrm>
+            <a:prstGeom prst="bracePair">
+              <a:avLst/>
+            </a:prstGeom>
+            <a:ln w="38100"/>
+          </p:spPr>
+          <p:style>
+            <a:lnRef idx="2">
+              <a:schemeClr val="dk1"/>
+            </a:lnRef>
+            <a:fillRef idx="0">
+              <a:schemeClr val="dk1"/>
+            </a:fillRef>
+            <a:effectRef idx="1">
+              <a:schemeClr val="dk1"/>
+            </a:effectRef>
+            <a:fontRef idx="minor">
+              <a:schemeClr val="tx1"/>
+            </a:fontRef>
+          </p:style>
+          <p:txBody>
+            <a:bodyPr rtlCol="0" anchor="ctr"/>
+            <a:lstStyle/>
+            <a:p>
+              <a:pPr algn="ctr"/>
+              <a:endParaRPr lang="en-US"/>
+            </a:p>
+          </p:txBody>
+        </p:sp>
+        <p:sp>
+          <p:nvSpPr>
+            <p:cNvPr id="91" name="Double Brace 90">
+              <a:extLst>
+                <a:ext uri="{FF2B5EF4-FFF2-40B4-BE49-F238E27FC236}">
+                  <a16:creationId xmlns:a16="http://schemas.microsoft.com/office/drawing/2014/main" id="{2B567219-B061-4128-8FAE-5D1C78351C83}"/>
+                </a:ext>
+              </a:extLst>
+            </p:cNvPr>
+            <p:cNvSpPr/>
+            <p:nvPr/>
+          </p:nvSpPr>
+          <p:spPr>
+            <a:xfrm>
+              <a:off x="9231164" y="1059527"/>
+              <a:ext cx="1580388" cy="1437496"/>
+            </a:xfrm>
+            <a:prstGeom prst="bracePair">
+              <a:avLst/>
+            </a:prstGeom>
+            <a:ln w="38100"/>
+          </p:spPr>
+          <p:style>
+            <a:lnRef idx="2">
+              <a:schemeClr val="dk1"/>
+            </a:lnRef>
+            <a:fillRef idx="0">
+              <a:schemeClr val="dk1"/>
+            </a:fillRef>
+            <a:effectRef idx="1">
+              <a:schemeClr val="dk1"/>
+            </a:effectRef>
+            <a:fontRef idx="minor">
+              <a:schemeClr val="tx1"/>
+            </a:fontRef>
+          </p:style>
+          <p:txBody>
+            <a:bodyPr rtlCol="0" anchor="ctr"/>
+            <a:lstStyle/>
+            <a:p>
+              <a:pPr algn="ctr"/>
+              <a:endParaRPr lang="en-US" dirty="0"/>
+            </a:p>
+          </p:txBody>
+        </p:sp>
+        <p:sp>
+          <p:nvSpPr>
+            <p:cNvPr id="90" name="Rectangle 89">
+              <a:extLst>
+                <a:ext uri="{FF2B5EF4-FFF2-40B4-BE49-F238E27FC236}">
+                  <a16:creationId xmlns:a16="http://schemas.microsoft.com/office/drawing/2014/main" id="{1C510EE1-442F-439D-A19F-84F727416AB4}"/>
+                </a:ext>
+              </a:extLst>
+            </p:cNvPr>
+            <p:cNvSpPr/>
+            <p:nvPr/>
+          </p:nvSpPr>
+          <p:spPr>
+            <a:xfrm>
+              <a:off x="8618220" y="887730"/>
+              <a:ext cx="941070" cy="1692420"/>
+            </a:xfrm>
+            <a:prstGeom prst="rect">
+              <a:avLst/>
+            </a:prstGeom>
+            <a:ln w="38100">
+              <a:solidFill>
+                <a:schemeClr val="bg1"/>
+              </a:solidFill>
+            </a:ln>
+          </p:spPr>
+          <p:style>
+            <a:lnRef idx="2">
+              <a:schemeClr val="dk1"/>
+            </a:lnRef>
+            <a:fillRef idx="1">
+              <a:schemeClr val="lt1"/>
+            </a:fillRef>
+            <a:effectRef idx="0">
+              <a:schemeClr val="dk1"/>
+            </a:effectRef>
+            <a:fontRef idx="minor">
+              <a:schemeClr val="dk1"/>
+            </a:fontRef>
+          </p:style>
+          <p:txBody>
+            <a:bodyPr rtlCol="0" anchor="ctr"/>
+            <a:lstStyle/>
+            <a:p>
+              <a:pPr algn="ctr"/>
+              <a:endParaRPr lang="en-US"/>
+            </a:p>
+          </p:txBody>
+        </p:sp>
+        <p:grpSp>
+          <p:nvGrpSpPr>
+            <p:cNvPr id="94" name="Group 93">
+              <a:extLst>
+                <a:ext uri="{FF2B5EF4-FFF2-40B4-BE49-F238E27FC236}">
+                  <a16:creationId xmlns:a16="http://schemas.microsoft.com/office/drawing/2014/main" id="{F2AD0354-0424-405A-A050-D2F81A2AFAF8}"/>
+                </a:ext>
+              </a:extLst>
+            </p:cNvPr>
+            <p:cNvGrpSpPr/>
+            <p:nvPr/>
+          </p:nvGrpSpPr>
+          <p:grpSpPr>
+            <a:xfrm>
+              <a:off x="9601199" y="1054937"/>
+              <a:ext cx="1664049" cy="1442086"/>
+              <a:chOff x="9601199" y="1054937"/>
+              <a:chExt cx="1664049" cy="1442086"/>
+            </a:xfrm>
+          </p:grpSpPr>
+          <p:grpSp>
+            <p:nvGrpSpPr>
+              <p:cNvPr id="88" name="Group 87">
+                <a:extLst>
+                  <a:ext uri="{FF2B5EF4-FFF2-40B4-BE49-F238E27FC236}">
+                    <a16:creationId xmlns:a16="http://schemas.microsoft.com/office/drawing/2014/main" id="{35EC79EB-BA2A-4725-A1C1-6CEFA48FA258}"/>
+                  </a:ext>
+                </a:extLst>
+              </p:cNvPr>
+              <p:cNvGrpSpPr/>
+              <p:nvPr/>
+            </p:nvGrpSpPr>
+            <p:grpSpPr>
+              <a:xfrm>
+                <a:off x="9601199" y="1054937"/>
+                <a:ext cx="636271" cy="1442086"/>
+                <a:chOff x="9601199" y="1054937"/>
+                <a:chExt cx="636271" cy="1442086"/>
+              </a:xfrm>
+            </p:grpSpPr>
+            <p:sp>
+              <p:nvSpPr>
+                <p:cNvPr id="82" name="Oval 81">
+                  <a:extLst>
+                    <a:ext uri="{FF2B5EF4-FFF2-40B4-BE49-F238E27FC236}">
+                      <a16:creationId xmlns:a16="http://schemas.microsoft.com/office/drawing/2014/main" id="{54FE5978-D24E-4142-A582-20823E4A5874}"/>
+                    </a:ext>
+                  </a:extLst>
+                </p:cNvPr>
+                <p:cNvSpPr/>
+                <p:nvPr/>
+              </p:nvSpPr>
+              <p:spPr>
+                <a:xfrm>
+                  <a:off x="9719310" y="1054937"/>
+                  <a:ext cx="400050" cy="377623"/>
+                </a:xfrm>
+                <a:prstGeom prst="ellipse">
+                  <a:avLst/>
+                </a:prstGeom>
+                <a:ln w="38100"/>
+              </p:spPr>
+              <p:style>
+                <a:lnRef idx="2">
+                  <a:schemeClr val="dk1"/>
+                </a:lnRef>
+                <a:fillRef idx="1">
+                  <a:schemeClr val="lt1"/>
+                </a:fillRef>
+                <a:effectRef idx="0">
+                  <a:schemeClr val="dk1"/>
+                </a:effectRef>
+                <a:fontRef idx="minor">
+                  <a:schemeClr val="dk1"/>
+                </a:fontRef>
+              </p:style>
+              <p:txBody>
+                <a:bodyPr rtlCol="0" anchor="ctr"/>
+                <a:lstStyle/>
+                <a:p>
+                  <a:pPr algn="ctr"/>
+                  <a:endParaRPr lang="en-US"/>
+                </a:p>
+              </p:txBody>
+            </p:sp>
+            <p:sp>
+              <p:nvSpPr>
+                <p:cNvPr id="83" name="Rectangle: Top Corners Snipped 82">
+                  <a:extLst>
+                    <a:ext uri="{FF2B5EF4-FFF2-40B4-BE49-F238E27FC236}">
+                      <a16:creationId xmlns:a16="http://schemas.microsoft.com/office/drawing/2014/main" id="{3F210EDA-9001-46DB-8201-CB7C6CF0C496}"/>
+                    </a:ext>
+                  </a:extLst>
+                </p:cNvPr>
+                <p:cNvSpPr/>
+                <p:nvPr/>
+              </p:nvSpPr>
+              <p:spPr>
+                <a:xfrm>
+                  <a:off x="9601199" y="1439228"/>
+                  <a:ext cx="636271" cy="464820"/>
+                </a:xfrm>
+                <a:prstGeom prst="snip2SameRect">
+                  <a:avLst/>
+                </a:prstGeom>
+                <a:ln w="38100"/>
+              </p:spPr>
+              <p:style>
+                <a:lnRef idx="2">
+                  <a:schemeClr val="dk1"/>
+                </a:lnRef>
+                <a:fillRef idx="1">
+                  <a:schemeClr val="lt1"/>
+                </a:fillRef>
+                <a:effectRef idx="0">
+                  <a:schemeClr val="dk1"/>
+                </a:effectRef>
+                <a:fontRef idx="minor">
+                  <a:schemeClr val="dk1"/>
+                </a:fontRef>
+              </p:style>
+              <p:txBody>
+                <a:bodyPr rtlCol="0" anchor="ctr"/>
+                <a:lstStyle/>
+                <a:p>
+                  <a:pPr algn="ctr"/>
+                  <a:endParaRPr lang="en-US"/>
+                </a:p>
+              </p:txBody>
+            </p:sp>
+            <p:sp>
+              <p:nvSpPr>
+                <p:cNvPr id="84" name="Rectangle: Rounded Corners 83">
+                  <a:extLst>
+                    <a:ext uri="{FF2B5EF4-FFF2-40B4-BE49-F238E27FC236}">
+                      <a16:creationId xmlns:a16="http://schemas.microsoft.com/office/drawing/2014/main" id="{030B310C-3913-42E0-A156-BDE4A8162679}"/>
+                    </a:ext>
+                  </a:extLst>
+                </p:cNvPr>
+                <p:cNvSpPr/>
+                <p:nvPr/>
+              </p:nvSpPr>
+              <p:spPr>
+                <a:xfrm>
+                  <a:off x="9738359" y="1865255"/>
+                  <a:ext cx="361950" cy="631768"/>
+                </a:xfrm>
+                <a:prstGeom prst="roundRect">
+                  <a:avLst/>
+                </a:prstGeom>
+                <a:ln w="38100"/>
+              </p:spPr>
+              <p:style>
+                <a:lnRef idx="2">
+                  <a:schemeClr val="dk1"/>
+                </a:lnRef>
+                <a:fillRef idx="1">
+                  <a:schemeClr val="lt1"/>
+                </a:fillRef>
+                <a:effectRef idx="0">
+                  <a:schemeClr val="dk1"/>
+                </a:effectRef>
+                <a:fontRef idx="minor">
+                  <a:schemeClr val="dk1"/>
+                </a:fontRef>
+              </p:style>
+              <p:txBody>
+                <a:bodyPr rtlCol="0" anchor="ctr"/>
+                <a:lstStyle/>
+                <a:p>
+                  <a:pPr algn="ctr"/>
+                  <a:endParaRPr lang="en-US"/>
+                </a:p>
+              </p:txBody>
+            </p:sp>
+            <p:sp>
+              <p:nvSpPr>
+                <p:cNvPr id="85" name="Rectangle 84">
+                  <a:extLst>
+                    <a:ext uri="{FF2B5EF4-FFF2-40B4-BE49-F238E27FC236}">
+                      <a16:creationId xmlns:a16="http://schemas.microsoft.com/office/drawing/2014/main" id="{604C816C-AE44-47FD-9678-682D78B12108}"/>
+                    </a:ext>
+                  </a:extLst>
+                </p:cNvPr>
+                <p:cNvSpPr/>
+                <p:nvPr/>
+              </p:nvSpPr>
+              <p:spPr>
+                <a:xfrm>
+                  <a:off x="9719310" y="1783860"/>
+                  <a:ext cx="380999" cy="82088"/>
+                </a:xfrm>
+                <a:prstGeom prst="rect">
+                  <a:avLst/>
+                </a:prstGeom>
+                <a:solidFill>
+                  <a:schemeClr val="bg1"/>
+                </a:solidFill>
+                <a:ln w="38100">
+                  <a:solidFill>
+                    <a:schemeClr val="bg1"/>
+                  </a:solidFill>
+                </a:ln>
+              </p:spPr>
+              <p:style>
+                <a:lnRef idx="2">
+                  <a:schemeClr val="accent1">
+                    <a:shade val="50000"/>
+                  </a:schemeClr>
+                </a:lnRef>
+                <a:fillRef idx="1">
+                  <a:schemeClr val="accent1"/>
+                </a:fillRef>
+                <a:effectRef idx="0">
+                  <a:schemeClr val="accent1"/>
+                </a:effectRef>
+                <a:fontRef idx="minor">
+                  <a:schemeClr val="lt1"/>
+                </a:fontRef>
+              </p:style>
+              <p:txBody>
+                <a:bodyPr rtlCol="0" anchor="ctr"/>
+                <a:lstStyle/>
+                <a:p>
+                  <a:pPr algn="ctr"/>
+                  <a:endParaRPr lang="en-US"/>
+                </a:p>
+              </p:txBody>
+            </p:sp>
+            <p:cxnSp>
+              <p:nvCxnSpPr>
+                <p:cNvPr id="87" name="Straight Connector 86">
+                  <a:extLst>
+                    <a:ext uri="{FF2B5EF4-FFF2-40B4-BE49-F238E27FC236}">
+                      <a16:creationId xmlns:a16="http://schemas.microsoft.com/office/drawing/2014/main" id="{E3EBE211-C7FE-4E43-816D-313987CDED46}"/>
+                    </a:ext>
+                  </a:extLst>
+                </p:cNvPr>
+                <p:cNvCxnSpPr>
+                  <a:stCxn id="84" idx="2"/>
+                </p:cNvCxnSpPr>
+                <p:nvPr/>
+              </p:nvCxnSpPr>
+              <p:spPr>
+                <a:xfrm flipV="1">
+                  <a:off x="9919334" y="1988820"/>
+                  <a:ext cx="0" cy="508203"/>
+                </a:xfrm>
+                <a:prstGeom prst="line">
+                  <a:avLst/>
+                </a:prstGeom>
+                <a:ln w="38100"/>
+              </p:spPr>
+              <p:style>
+                <a:lnRef idx="2">
+                  <a:schemeClr val="dk1"/>
+                </a:lnRef>
+                <a:fillRef idx="0">
+                  <a:schemeClr val="dk1"/>
+                </a:fillRef>
+                <a:effectRef idx="1">
+                  <a:schemeClr val="dk1"/>
+                </a:effectRef>
+                <a:fontRef idx="minor">
+                  <a:schemeClr val="tx1"/>
+                </a:fontRef>
+              </p:style>
+            </p:cxnSp>
+          </p:grpSp>
+          <p:sp>
+            <p:nvSpPr>
+              <p:cNvPr id="92" name="Rectangle: Rounded Corners 91">
+                <a:extLst>
+                  <a:ext uri="{FF2B5EF4-FFF2-40B4-BE49-F238E27FC236}">
+                    <a16:creationId xmlns:a16="http://schemas.microsoft.com/office/drawing/2014/main" id="{E16B5397-BAF6-48FE-84CF-B9B6A2F8DC5C}"/>
+                  </a:ext>
+                </a:extLst>
+              </p:cNvPr>
+              <p:cNvSpPr/>
+              <p:nvPr/>
+            </p:nvSpPr>
+            <p:spPr>
+              <a:xfrm>
+                <a:off x="11053966" y="1596949"/>
+                <a:ext cx="211282" cy="383858"/>
+              </a:xfrm>
+              <a:prstGeom prst="roundRect">
+                <a:avLst/>
+              </a:prstGeom>
+              <a:ln w="38100"/>
+            </p:spPr>
+            <p:style>
+              <a:lnRef idx="2">
+                <a:schemeClr val="dk1"/>
+              </a:lnRef>
+              <a:fillRef idx="1">
+                <a:schemeClr val="lt1"/>
+              </a:fillRef>
+              <a:effectRef idx="0">
+                <a:schemeClr val="dk1"/>
+              </a:effectRef>
+              <a:fontRef idx="minor">
+                <a:schemeClr val="dk1"/>
+              </a:fontRef>
+            </p:style>
+            <p:txBody>
+              <a:bodyPr rtlCol="0" anchor="ctr"/>
+              <a:lstStyle/>
+              <a:p>
+                <a:pPr algn="ctr"/>
+                <a:endParaRPr lang="en-US" dirty="0"/>
+              </a:p>
+            </p:txBody>
+          </p:sp>
+          <p:sp>
+            <p:nvSpPr>
+              <p:cNvPr id="93" name="TextBox 92">
+                <a:extLst>
+                  <a:ext uri="{FF2B5EF4-FFF2-40B4-BE49-F238E27FC236}">
+                    <a16:creationId xmlns:a16="http://schemas.microsoft.com/office/drawing/2014/main" id="{0287CA03-EA34-4350-BB87-27B30384CC97}"/>
+                  </a:ext>
+                </a:extLst>
+              </p:cNvPr>
+              <p:cNvSpPr txBox="1"/>
+              <p:nvPr/>
+            </p:nvSpPr>
+            <p:spPr>
+              <a:xfrm>
+                <a:off x="10997349" y="1671638"/>
+                <a:ext cx="242374" cy="369332"/>
+              </a:xfrm>
+              <a:prstGeom prst="rect">
+                <a:avLst/>
+              </a:prstGeom>
+              <a:noFill/>
+              <a:ln w="38100">
+                <a:noFill/>
+              </a:ln>
+            </p:spPr>
+            <p:txBody>
+              <a:bodyPr wrap="none" rtlCol="0">
+                <a:spAutoFit/>
+              </a:bodyPr>
+              <a:lstStyle/>
+              <a:p>
+                <a:r>
+                  <a:rPr lang="en-US" dirty="0"/>
+                  <a:t>.</a:t>
+                </a:r>
+              </a:p>
+            </p:txBody>
+          </p:sp>
+        </p:grpSp>
+      </p:grpSp>
+      <p:grpSp>
+        <p:nvGrpSpPr>
+          <p:cNvPr id="1035" name="Group 1034">
+            <a:extLst>
+              <a:ext uri="{FF2B5EF4-FFF2-40B4-BE49-F238E27FC236}">
+                <a16:creationId xmlns:a16="http://schemas.microsoft.com/office/drawing/2014/main" id="{56843FF7-BAE3-4A4C-90B6-67627510C7B2}"/>
+              </a:ext>
+            </a:extLst>
+          </p:cNvPr>
+          <p:cNvGrpSpPr/>
+          <p:nvPr/>
+        </p:nvGrpSpPr>
+        <p:grpSpPr>
+          <a:xfrm>
+            <a:off x="8035449" y="98473"/>
+            <a:ext cx="1638724" cy="1679802"/>
+            <a:chOff x="7442908" y="779770"/>
+            <a:chExt cx="1638724" cy="1679802"/>
+          </a:xfrm>
+        </p:grpSpPr>
+        <p:grpSp>
+          <p:nvGrpSpPr>
+            <p:cNvPr id="1034" name="Group 1033">
+              <a:extLst>
+                <a:ext uri="{FF2B5EF4-FFF2-40B4-BE49-F238E27FC236}">
+                  <a16:creationId xmlns:a16="http://schemas.microsoft.com/office/drawing/2014/main" id="{276C1263-3691-4167-BE83-AB6F21F804EB}"/>
+                </a:ext>
+              </a:extLst>
+            </p:cNvPr>
+            <p:cNvGrpSpPr/>
+            <p:nvPr/>
+          </p:nvGrpSpPr>
+          <p:grpSpPr>
+            <a:xfrm>
+              <a:off x="7762672" y="1027906"/>
+              <a:ext cx="914400" cy="1431666"/>
+              <a:chOff x="7762672" y="1027906"/>
+              <a:chExt cx="914400" cy="1431666"/>
+            </a:xfrm>
+          </p:grpSpPr>
+          <p:cxnSp>
+            <p:nvCxnSpPr>
+              <p:cNvPr id="1027" name="Straight Connector 1026">
+                <a:extLst>
+                  <a:ext uri="{FF2B5EF4-FFF2-40B4-BE49-F238E27FC236}">
+                    <a16:creationId xmlns:a16="http://schemas.microsoft.com/office/drawing/2014/main" id="{8F710529-DE1F-40D8-B005-3852C717AD5B}"/>
+                  </a:ext>
+                </a:extLst>
+              </p:cNvPr>
+              <p:cNvCxnSpPr/>
+              <p:nvPr/>
+            </p:nvCxnSpPr>
+            <p:spPr>
+              <a:xfrm>
+                <a:off x="7996136" y="1027906"/>
+                <a:ext cx="0" cy="1431666"/>
+              </a:xfrm>
+              <a:prstGeom prst="line">
+                <a:avLst/>
+              </a:prstGeom>
+              <a:ln w="76200"/>
+            </p:spPr>
+            <p:style>
+              <a:lnRef idx="3">
+                <a:schemeClr val="dk1"/>
+              </a:lnRef>
+              <a:fillRef idx="0">
+                <a:schemeClr val="dk1"/>
+              </a:fillRef>
+              <a:effectRef idx="2">
+                <a:schemeClr val="dk1"/>
+              </a:effectRef>
+              <a:fontRef idx="minor">
+                <a:schemeClr val="tx1"/>
+              </a:fontRef>
+            </p:style>
+          </p:cxnSp>
+          <p:cxnSp>
+            <p:nvCxnSpPr>
+              <p:cNvPr id="1029" name="Straight Connector 1028">
+                <a:extLst>
+                  <a:ext uri="{FF2B5EF4-FFF2-40B4-BE49-F238E27FC236}">
+                    <a16:creationId xmlns:a16="http://schemas.microsoft.com/office/drawing/2014/main" id="{14013DE9-2121-4AA7-8B29-E07F482CE019}"/>
+                  </a:ext>
+                </a:extLst>
+              </p:cNvPr>
+              <p:cNvCxnSpPr>
+                <a:cxnSpLocks/>
+              </p:cNvCxnSpPr>
+              <p:nvPr/>
+            </p:nvCxnSpPr>
+            <p:spPr>
+              <a:xfrm flipV="1">
+                <a:off x="7996136" y="1575881"/>
+                <a:ext cx="223736" cy="167858"/>
+              </a:xfrm>
+              <a:prstGeom prst="line">
+                <a:avLst/>
+              </a:prstGeom>
+              <a:ln w="76200">
+                <a:solidFill>
+                  <a:schemeClr val="tx1"/>
+                </a:solidFill>
+              </a:ln>
+            </p:spPr>
+            <p:style>
+              <a:lnRef idx="1">
+                <a:schemeClr val="accent1"/>
+              </a:lnRef>
+              <a:fillRef idx="0">
+                <a:schemeClr val="accent1"/>
+              </a:fillRef>
+              <a:effectRef idx="0">
+                <a:schemeClr val="accent1"/>
+              </a:effectRef>
+              <a:fontRef idx="minor">
+                <a:schemeClr val="tx1"/>
+              </a:fontRef>
+            </p:style>
+          </p:cxnSp>
+          <p:sp>
+            <p:nvSpPr>
+              <p:cNvPr id="1031" name="Oval 1030">
+                <a:extLst>
+                  <a:ext uri="{FF2B5EF4-FFF2-40B4-BE49-F238E27FC236}">
+                    <a16:creationId xmlns:a16="http://schemas.microsoft.com/office/drawing/2014/main" id="{00EAC937-E413-434D-B62B-9E23A73452F1}"/>
+                  </a:ext>
+                </a:extLst>
+              </p:cNvPr>
+              <p:cNvSpPr/>
+              <p:nvPr/>
+            </p:nvSpPr>
+            <p:spPr>
+              <a:xfrm>
+                <a:off x="8108004" y="1313769"/>
+                <a:ext cx="344412" cy="388806"/>
+              </a:xfrm>
+              <a:prstGeom prst="ellipse">
+                <a:avLst/>
+              </a:prstGeom>
+            </p:spPr>
+            <p:style>
+              <a:lnRef idx="2">
+                <a:schemeClr val="dk1">
+                  <a:shade val="50000"/>
+                </a:schemeClr>
+              </a:lnRef>
+              <a:fillRef idx="1">
+                <a:schemeClr val="dk1"/>
+              </a:fillRef>
+              <a:effectRef idx="0">
+                <a:schemeClr val="dk1"/>
+              </a:effectRef>
+              <a:fontRef idx="minor">
+                <a:schemeClr val="lt1"/>
+              </a:fontRef>
+            </p:style>
+            <p:txBody>
+              <a:bodyPr rtlCol="0" anchor="ctr"/>
+              <a:lstStyle/>
+              <a:p>
+                <a:pPr algn="ctr"/>
+                <a:endParaRPr lang="en-US"/>
+              </a:p>
+            </p:txBody>
+          </p:sp>
+          <p:sp>
+            <p:nvSpPr>
+              <p:cNvPr id="1032" name="TextBox 1031">
+                <a:extLst>
+                  <a:ext uri="{FF2B5EF4-FFF2-40B4-BE49-F238E27FC236}">
+                    <a16:creationId xmlns:a16="http://schemas.microsoft.com/office/drawing/2014/main" id="{F1674D56-2D07-428D-A44A-DD81651819B8}"/>
+                  </a:ext>
+                </a:extLst>
+              </p:cNvPr>
+              <p:cNvSpPr txBox="1"/>
+              <p:nvPr/>
+            </p:nvSpPr>
+            <p:spPr>
+              <a:xfrm>
+                <a:off x="8045193" y="1936352"/>
+                <a:ext cx="613740" cy="523220"/>
+              </a:xfrm>
+              <a:prstGeom prst="rect">
+                <a:avLst/>
+              </a:prstGeom>
+              <a:noFill/>
+            </p:spPr>
+            <p:txBody>
+              <a:bodyPr wrap="square" rtlCol="0">
+                <a:spAutoFit/>
+              </a:bodyPr>
+              <a:lstStyle/>
+              <a:p>
+                <a:r>
+                  <a:rPr lang="en-US" sz="2800" b="1" dirty="0"/>
+                  <a:t>IR</a:t>
+                </a:r>
+              </a:p>
+            </p:txBody>
+          </p:sp>
+          <p:sp>
+            <p:nvSpPr>
+              <p:cNvPr id="1033" name="Arc 1032">
+                <a:extLst>
+                  <a:ext uri="{FF2B5EF4-FFF2-40B4-BE49-F238E27FC236}">
+                    <a16:creationId xmlns:a16="http://schemas.microsoft.com/office/drawing/2014/main" id="{90DC87B7-400D-4264-8B4F-8D67BC52AD90}"/>
+                  </a:ext>
+                </a:extLst>
+              </p:cNvPr>
+              <p:cNvSpPr/>
+              <p:nvPr/>
+            </p:nvSpPr>
+            <p:spPr>
+              <a:xfrm rot="2507539">
+                <a:off x="7762672" y="1095196"/>
+                <a:ext cx="914400" cy="914400"/>
+              </a:xfrm>
+              <a:prstGeom prst="arc">
+                <a:avLst/>
+              </a:prstGeom>
+            </p:spPr>
+            <p:style>
+              <a:lnRef idx="3">
+                <a:schemeClr val="dk1"/>
+              </a:lnRef>
+              <a:fillRef idx="0">
+                <a:schemeClr val="dk1"/>
+              </a:fillRef>
+              <a:effectRef idx="2">
+                <a:schemeClr val="dk1"/>
+              </a:effectRef>
+              <a:fontRef idx="minor">
+                <a:schemeClr val="tx1"/>
+              </a:fontRef>
+            </p:style>
+            <p:txBody>
+              <a:bodyPr rtlCol="0" anchor="ctr"/>
+              <a:lstStyle/>
+              <a:p>
+                <a:pPr algn="ctr"/>
+                <a:endParaRPr lang="en-US"/>
+              </a:p>
+            </p:txBody>
+          </p:sp>
+        </p:grpSp>
+        <p:sp>
+          <p:nvSpPr>
+            <p:cNvPr id="106" name="Arc 105">
+              <a:extLst>
+                <a:ext uri="{FF2B5EF4-FFF2-40B4-BE49-F238E27FC236}">
+                  <a16:creationId xmlns:a16="http://schemas.microsoft.com/office/drawing/2014/main" id="{3D51938F-92B5-4D3A-BECA-A71CA475E345}"/>
+                </a:ext>
+              </a:extLst>
+            </p:cNvPr>
+            <p:cNvSpPr/>
+            <p:nvPr/>
+          </p:nvSpPr>
+          <p:spPr>
+            <a:xfrm rot="2507539">
+              <a:off x="7442908" y="862944"/>
+              <a:ext cx="1455660" cy="1318186"/>
+            </a:xfrm>
+            <a:prstGeom prst="arc">
+              <a:avLst/>
+            </a:prstGeom>
+          </p:spPr>
+          <p:style>
+            <a:lnRef idx="3">
+              <a:schemeClr val="dk1"/>
+            </a:lnRef>
+            <a:fillRef idx="0">
+              <a:schemeClr val="dk1"/>
+            </a:fillRef>
+            <a:effectRef idx="2">
+              <a:schemeClr val="dk1"/>
+            </a:effectRef>
+            <a:fontRef idx="minor">
+              <a:schemeClr val="tx1"/>
+            </a:fontRef>
+          </p:style>
+          <p:txBody>
+            <a:bodyPr rtlCol="0" anchor="ctr"/>
+            <a:lstStyle/>
+            <a:p>
+              <a:pPr algn="ctr"/>
+              <a:endParaRPr lang="en-US"/>
+            </a:p>
+          </p:txBody>
+        </p:sp>
+        <p:sp>
+          <p:nvSpPr>
+            <p:cNvPr id="107" name="Arc 106">
+              <a:extLst>
+                <a:ext uri="{FF2B5EF4-FFF2-40B4-BE49-F238E27FC236}">
+                  <a16:creationId xmlns:a16="http://schemas.microsoft.com/office/drawing/2014/main" id="{929E719F-9E0A-42E2-BE84-8ECEBDF87373}"/>
+                </a:ext>
+              </a:extLst>
+            </p:cNvPr>
+            <p:cNvSpPr/>
+            <p:nvPr/>
+          </p:nvSpPr>
+          <p:spPr>
+            <a:xfrm rot="2507539">
+              <a:off x="7478786" y="779770"/>
+              <a:ext cx="1602846" cy="1514138"/>
+            </a:xfrm>
+            <a:prstGeom prst="arc">
+              <a:avLst/>
+            </a:prstGeom>
+          </p:spPr>
+          <p:style>
+            <a:lnRef idx="3">
+              <a:schemeClr val="dk1"/>
+            </a:lnRef>
+            <a:fillRef idx="0">
+              <a:schemeClr val="dk1"/>
+            </a:fillRef>
+            <a:effectRef idx="2">
+              <a:schemeClr val="dk1"/>
+            </a:effectRef>
+            <a:fontRef idx="minor">
+              <a:schemeClr val="tx1"/>
+            </a:fontRef>
+          </p:style>
+          <p:txBody>
+            <a:bodyPr rtlCol="0" anchor="ctr"/>
+            <a:lstStyle/>
+            <a:p>
+              <a:pPr algn="ctr"/>
+              <a:endParaRPr lang="en-US"/>
+            </a:p>
+          </p:txBody>
+        </p:sp>
+      </p:grpSp>
     </p:spTree>
     <p:extLst>
       <p:ext uri="{BB962C8B-B14F-4D97-AF65-F5344CB8AC3E}">
-        <p14:creationId xmlns:p14="http://schemas.microsoft.com/office/powerpoint/2010/main" val="4213036052"/>
+        <p14:creationId xmlns:p14="http://schemas.microsoft.com/office/powerpoint/2010/main" val="3472993308"/>
       </p:ext>
     </p:extLst>
   </p:cSld>
@@ -8013,7 +10437,7 @@
           <p:cNvPr id="2" name="Title 1">
             <a:extLst>
               <a:ext uri="{FF2B5EF4-FFF2-40B4-BE49-F238E27FC236}">
-                <a16:creationId xmlns:a16="http://schemas.microsoft.com/office/drawing/2014/main" id="{212B0D7E-6138-43C8-8B23-6097B0BFA368}"/>
+                <a16:creationId xmlns:a16="http://schemas.microsoft.com/office/drawing/2014/main" id="{9867A08E-9C46-4B02-BFBF-B3964D16F8AB}"/>
               </a:ext>
             </a:extLst>
           </p:cNvPr>
@@ -8031,7 +10455,7 @@
           <a:p>
             <a:r>
               <a:rPr lang="en-US" dirty="0"/>
-              <a:t>The Board</a:t>
+              <a:t>D.A.B Kiosk</a:t>
             </a:r>
           </a:p>
         </p:txBody>
@@ -8041,7 +10465,7 @@
           <p:cNvPr id="3" name="Content Placeholder 2">
             <a:extLst>
               <a:ext uri="{FF2B5EF4-FFF2-40B4-BE49-F238E27FC236}">
-                <a16:creationId xmlns:a16="http://schemas.microsoft.com/office/drawing/2014/main" id="{AC43CCB7-8746-4419-9528-4144F108A2BE}"/>
+                <a16:creationId xmlns:a16="http://schemas.microsoft.com/office/drawing/2014/main" id="{8552FF60-C13D-4E2E-853A-5704A28529A0}"/>
               </a:ext>
             </a:extLst>
           </p:cNvPr>
@@ -8057,14 +10481,14 @@
           <a:bodyPr/>
           <a:lstStyle/>
           <a:p>
-            <a:endParaRPr lang="en-US"/>
+            <a:endParaRPr lang="en-US" dirty="0"/>
           </a:p>
         </p:txBody>
       </p:sp>
     </p:spTree>
     <p:extLst>
       <p:ext uri="{BB962C8B-B14F-4D97-AF65-F5344CB8AC3E}">
-        <p14:creationId xmlns:p14="http://schemas.microsoft.com/office/powerpoint/2010/main" val="1384226113"/>
+        <p14:creationId xmlns:p14="http://schemas.microsoft.com/office/powerpoint/2010/main" val="2013143325"/>
       </p:ext>
     </p:extLst>
   </p:cSld>
@@ -8096,7 +10520,7 @@
           <p:cNvPr id="2" name="Title 1">
             <a:extLst>
               <a:ext uri="{FF2B5EF4-FFF2-40B4-BE49-F238E27FC236}">
-                <a16:creationId xmlns:a16="http://schemas.microsoft.com/office/drawing/2014/main" id="{94417E7E-7894-47D1-A910-51973E440D7C}"/>
+                <a16:creationId xmlns:a16="http://schemas.microsoft.com/office/drawing/2014/main" id="{8B32235B-6FAE-4BDD-B43C-A84CE0762086}"/>
               </a:ext>
             </a:extLst>
           </p:cNvPr>
@@ -8114,7 +10538,7 @@
           <a:p>
             <a:r>
               <a:rPr lang="en-US" dirty="0"/>
-              <a:t>Environmental/Traffic Sensing System</a:t>
+              <a:t>Database</a:t>
             </a:r>
           </a:p>
         </p:txBody>
@@ -8124,7 +10548,7 @@
           <p:cNvPr id="3" name="Content Placeholder 2">
             <a:extLst>
               <a:ext uri="{FF2B5EF4-FFF2-40B4-BE49-F238E27FC236}">
-                <a16:creationId xmlns:a16="http://schemas.microsoft.com/office/drawing/2014/main" id="{BAB9CF55-34EE-4C01-B83F-7B6F3F230DD6}"/>
+                <a16:creationId xmlns:a16="http://schemas.microsoft.com/office/drawing/2014/main" id="{932C80F7-DF4E-4BCA-9E50-CD9E178A9F21}"/>
               </a:ext>
             </a:extLst>
           </p:cNvPr>
@@ -8147,7 +10571,7 @@
     </p:spTree>
     <p:extLst>
       <p:ext uri="{BB962C8B-B14F-4D97-AF65-F5344CB8AC3E}">
-        <p14:creationId xmlns:p14="http://schemas.microsoft.com/office/powerpoint/2010/main" val="3617295698"/>
+        <p14:creationId xmlns:p14="http://schemas.microsoft.com/office/powerpoint/2010/main" val="1964513306"/>
       </p:ext>
     </p:extLst>
   </p:cSld>

--- a/Presentation/Distributed Advertising Board.pptx
+++ b/Presentation/Distributed Advertising Board.pptx
@@ -240,6 +240,110 @@
 </inkml:ink>
 </file>
 
+<file path=ppt/ink/ink3.xml><?xml version="1.0" encoding="utf-8"?>
+<inkml:ink xmlns:inkml="http://www.w3.org/2003/InkML">
+  <inkml:definitions>
+    <inkml:context xml:id="ctx0">
+      <inkml:inkSource xml:id="inkSrc0">
+        <inkml:traceFormat>
+          <inkml:channel name="X" type="integer" min="-2.14748E9" max="2.14748E9" units="cm"/>
+          <inkml:channel name="Y" type="integer" min="-2.14748E9" max="2.14748E9" units="cm"/>
+        </inkml:traceFormat>
+        <inkml:channelProperties>
+          <inkml:channelProperty channel="X" name="resolution" value="1000" units="1/cm"/>
+          <inkml:channelProperty channel="Y" name="resolution" value="1000" units="1/cm"/>
+        </inkml:channelProperties>
+      </inkml:inkSource>
+      <inkml:timestamp xml:id="ts0" timeString="2018-03-30T18:37:44.467"/>
+    </inkml:context>
+    <inkml:brush xml:id="br0">
+      <inkml:brushProperty name="width" value="0.028" units="cm"/>
+      <inkml:brushProperty name="height" value="0.028" units="cm"/>
+      <inkml:brushProperty name="ignorePressure" value="1"/>
+    </inkml:brush>
+  </inkml:definitions>
+  <inkml:trace contextRef="#ctx0" brushRef="#br0">644 799</inkml:trace>
+</inkml:ink>
+</file>
+
+<file path=ppt/ink/ink4.xml><?xml version="1.0" encoding="utf-8"?>
+<inkml:ink xmlns:inkml="http://www.w3.org/2003/InkML">
+  <inkml:definitions>
+    <inkml:context xml:id="ctx0">
+      <inkml:inkSource xml:id="inkSrc0">
+        <inkml:traceFormat>
+          <inkml:channel name="X" type="integer" min="-2.14748E9" max="2.14748E9" units="cm"/>
+          <inkml:channel name="Y" type="integer" min="-2.14748E9" max="2.14748E9" units="cm"/>
+        </inkml:traceFormat>
+        <inkml:channelProperties>
+          <inkml:channelProperty channel="X" name="resolution" value="1000" units="1/cm"/>
+          <inkml:channelProperty channel="Y" name="resolution" value="1000" units="1/cm"/>
+        </inkml:channelProperties>
+      </inkml:inkSource>
+      <inkml:timestamp xml:id="ts0" timeString="2018-03-30T18:37:44.467"/>
+    </inkml:context>
+    <inkml:brush xml:id="br0">
+      <inkml:brushProperty name="width" value="0.028" units="cm"/>
+      <inkml:brushProperty name="height" value="0.028" units="cm"/>
+      <inkml:brushProperty name="ignorePressure" value="1"/>
+    </inkml:brush>
+  </inkml:definitions>
+  <inkml:trace contextRef="#ctx0" brushRef="#br0">780 799</inkml:trace>
+</inkml:ink>
+</file>
+
+<file path=ppt/ink/ink5.xml><?xml version="1.0" encoding="utf-8"?>
+<inkml:ink xmlns:inkml="http://www.w3.org/2003/InkML">
+  <inkml:definitions>
+    <inkml:context xml:id="ctx0">
+      <inkml:inkSource xml:id="inkSrc0">
+        <inkml:traceFormat>
+          <inkml:channel name="X" type="integer" min="-2.14748E9" max="2.14748E9" units="cm"/>
+          <inkml:channel name="Y" type="integer" min="-2.14748E9" max="2.14748E9" units="cm"/>
+        </inkml:traceFormat>
+        <inkml:channelProperties>
+          <inkml:channelProperty channel="X" name="resolution" value="1000" units="1/cm"/>
+          <inkml:channelProperty channel="Y" name="resolution" value="1000" units="1/cm"/>
+        </inkml:channelProperties>
+      </inkml:inkSource>
+      <inkml:timestamp xml:id="ts0" timeString="2018-03-30T18:45:25.090"/>
+    </inkml:context>
+    <inkml:brush xml:id="br0">
+      <inkml:brushProperty name="width" value="0.028" units="cm"/>
+      <inkml:brushProperty name="height" value="0.028" units="cm"/>
+      <inkml:brushProperty name="ignorePressure" value="1"/>
+    </inkml:brush>
+  </inkml:definitions>
+  <inkml:trace contextRef="#ctx0" brushRef="#br0">644 799</inkml:trace>
+</inkml:ink>
+</file>
+
+<file path=ppt/ink/ink6.xml><?xml version="1.0" encoding="utf-8"?>
+<inkml:ink xmlns:inkml="http://www.w3.org/2003/InkML">
+  <inkml:definitions>
+    <inkml:context xml:id="ctx0">
+      <inkml:inkSource xml:id="inkSrc0">
+        <inkml:traceFormat>
+          <inkml:channel name="X" type="integer" min="-2.14748E9" max="2.14748E9" units="cm"/>
+          <inkml:channel name="Y" type="integer" min="-2.14748E9" max="2.14748E9" units="cm"/>
+        </inkml:traceFormat>
+        <inkml:channelProperties>
+          <inkml:channelProperty channel="X" name="resolution" value="1000" units="1/cm"/>
+          <inkml:channelProperty channel="Y" name="resolution" value="1000" units="1/cm"/>
+        </inkml:channelProperties>
+      </inkml:inkSource>
+      <inkml:timestamp xml:id="ts0" timeString="2018-03-30T18:45:25.091"/>
+    </inkml:context>
+    <inkml:brush xml:id="br0">
+      <inkml:brushProperty name="width" value="0.028" units="cm"/>
+      <inkml:brushProperty name="height" value="0.028" units="cm"/>
+      <inkml:brushProperty name="ignorePressure" value="1"/>
+    </inkml:brush>
+  </inkml:definitions>
+  <inkml:trace contextRef="#ctx0" brushRef="#br0">780 799</inkml:trace>
+</inkml:ink>
+</file>
+
 <file path=ppt/notesMasters/notesMaster1.xml><?xml version="1.0" encoding="utf-8"?>
 <p:notesMaster xmlns:a="http://schemas.openxmlformats.org/drawingml/2006/main" xmlns:r="http://schemas.openxmlformats.org/officeDocument/2006/relationships" xmlns:p="http://schemas.openxmlformats.org/presentationml/2006/main">
   <p:cSld>
@@ -322,7 +426,7 @@
           <a:p>
             <a:fld id="{B0B9EE90-E25C-41C7-AAB6-DAE954E85080}" type="datetimeFigureOut">
               <a:rPr lang="en-US" smtClean="0"/>
-              <a:t>3/17/2018</a:t>
+              <a:t>3/30/2018</a:t>
             </a:fld>
             <a:endParaRPr lang="en-US"/>
           </a:p>
@@ -736,7 +840,7 @@
           <a:p>
             <a:fld id="{B7615217-A5E2-41DB-8C61-E25B638E415F}" type="datetimeFigureOut">
               <a:rPr lang="en-US" smtClean="0"/>
-              <a:t>3/17/2018</a:t>
+              <a:t>3/30/2018</a:t>
             </a:fld>
             <a:endParaRPr lang="en-US"/>
           </a:p>
@@ -934,7 +1038,7 @@
           <a:p>
             <a:fld id="{B7615217-A5E2-41DB-8C61-E25B638E415F}" type="datetimeFigureOut">
               <a:rPr lang="en-US" smtClean="0"/>
-              <a:t>3/17/2018</a:t>
+              <a:t>3/30/2018</a:t>
             </a:fld>
             <a:endParaRPr lang="en-US"/>
           </a:p>
@@ -1142,7 +1246,7 @@
           <a:p>
             <a:fld id="{B7615217-A5E2-41DB-8C61-E25B638E415F}" type="datetimeFigureOut">
               <a:rPr lang="en-US" smtClean="0"/>
-              <a:t>3/17/2018</a:t>
+              <a:t>3/30/2018</a:t>
             </a:fld>
             <a:endParaRPr lang="en-US"/>
           </a:p>
@@ -1340,7 +1444,7 @@
           <a:p>
             <a:fld id="{B7615217-A5E2-41DB-8C61-E25B638E415F}" type="datetimeFigureOut">
               <a:rPr lang="en-US" smtClean="0"/>
-              <a:t>3/17/2018</a:t>
+              <a:t>3/30/2018</a:t>
             </a:fld>
             <a:endParaRPr lang="en-US"/>
           </a:p>
@@ -1615,7 +1719,7 @@
           <a:p>
             <a:fld id="{B7615217-A5E2-41DB-8C61-E25B638E415F}" type="datetimeFigureOut">
               <a:rPr lang="en-US" smtClean="0"/>
-              <a:t>3/17/2018</a:t>
+              <a:t>3/30/2018</a:t>
             </a:fld>
             <a:endParaRPr lang="en-US"/>
           </a:p>
@@ -1880,7 +1984,7 @@
           <a:p>
             <a:fld id="{B7615217-A5E2-41DB-8C61-E25B638E415F}" type="datetimeFigureOut">
               <a:rPr lang="en-US" smtClean="0"/>
-              <a:t>3/17/2018</a:t>
+              <a:t>3/30/2018</a:t>
             </a:fld>
             <a:endParaRPr lang="en-US"/>
           </a:p>
@@ -2292,7 +2396,7 @@
           <a:p>
             <a:fld id="{B7615217-A5E2-41DB-8C61-E25B638E415F}" type="datetimeFigureOut">
               <a:rPr lang="en-US" smtClean="0"/>
-              <a:t>3/17/2018</a:t>
+              <a:t>3/30/2018</a:t>
             </a:fld>
             <a:endParaRPr lang="en-US"/>
           </a:p>
@@ -2433,7 +2537,7 @@
           <a:p>
             <a:fld id="{B7615217-A5E2-41DB-8C61-E25B638E415F}" type="datetimeFigureOut">
               <a:rPr lang="en-US" smtClean="0"/>
-              <a:t>3/17/2018</a:t>
+              <a:t>3/30/2018</a:t>
             </a:fld>
             <a:endParaRPr lang="en-US"/>
           </a:p>
@@ -2546,7 +2650,7 @@
           <a:p>
             <a:fld id="{B7615217-A5E2-41DB-8C61-E25B638E415F}" type="datetimeFigureOut">
               <a:rPr lang="en-US" smtClean="0"/>
-              <a:t>3/17/2018</a:t>
+              <a:t>3/30/2018</a:t>
             </a:fld>
             <a:endParaRPr lang="en-US"/>
           </a:p>
@@ -2857,7 +2961,7 @@
           <a:p>
             <a:fld id="{B7615217-A5E2-41DB-8C61-E25B638E415F}" type="datetimeFigureOut">
               <a:rPr lang="en-US" smtClean="0"/>
-              <a:t>3/17/2018</a:t>
+              <a:t>3/30/2018</a:t>
             </a:fld>
             <a:endParaRPr lang="en-US"/>
           </a:p>
@@ -3145,7 +3249,7 @@
           <a:p>
             <a:fld id="{B7615217-A5E2-41DB-8C61-E25B638E415F}" type="datetimeFigureOut">
               <a:rPr lang="en-US" smtClean="0"/>
-              <a:t>3/17/2018</a:t>
+              <a:t>3/30/2018</a:t>
             </a:fld>
             <a:endParaRPr lang="en-US"/>
           </a:p>
@@ -3386,7 +3490,7 @@
           <a:p>
             <a:fld id="{B7615217-A5E2-41DB-8C61-E25B638E415F}" type="datetimeFigureOut">
               <a:rPr lang="en-US" smtClean="0"/>
-              <a:t>3/17/2018</a:t>
+              <a:t>3/30/2018</a:t>
             </a:fld>
             <a:endParaRPr lang="en-US"/>
           </a:p>
@@ -4991,48 +5095,12 @@
           <a:chExt cx="0" cy="0"/>
         </a:xfrm>
       </p:grpSpPr>
-      <p:pic>
-        <p:nvPicPr>
-          <p:cNvPr id="4" name="Picture 3">
+      <p:grpSp>
+        <p:nvGrpSpPr>
+          <p:cNvPr id="7" name="Group 6">
             <a:extLst>
               <a:ext uri="{FF2B5EF4-FFF2-40B4-BE49-F238E27FC236}">
-                <a16:creationId xmlns:a16="http://schemas.microsoft.com/office/drawing/2014/main" id="{7DE62163-94EE-485C-BB8D-1F6C971A6D37}"/>
-              </a:ext>
-            </a:extLst>
-          </p:cNvPr>
-          <p:cNvPicPr>
-            <a:picLocks noChangeAspect="1"/>
-          </p:cNvPicPr>
-          <p:nvPr/>
-        </p:nvPicPr>
-        <p:blipFill>
-          <a:blip r:embed="rId2">
-            <a:extLst>
-              <a:ext uri="{28A0092B-C50C-407E-A947-70E740481C1C}">
-                <a14:useLocalDpi xmlns:a14="http://schemas.microsoft.com/office/drawing/2010/main" val="0"/>
-              </a:ext>
-            </a:extLst>
-          </a:blip>
-          <a:stretch>
-            <a:fillRect/>
-          </a:stretch>
-        </p:blipFill>
-        <p:spPr>
-          <a:xfrm>
-            <a:off x="525293" y="565162"/>
-            <a:ext cx="2143125" cy="2143125"/>
-          </a:xfrm>
-          <a:prstGeom prst="rect">
-            <a:avLst/>
-          </a:prstGeom>
-        </p:spPr>
-      </p:pic>
-      <p:grpSp>
-        <p:nvGrpSpPr>
-          <p:cNvPr id="55" name="Group 54">
-            <a:extLst>
-              <a:ext uri="{FF2B5EF4-FFF2-40B4-BE49-F238E27FC236}">
-                <a16:creationId xmlns:a16="http://schemas.microsoft.com/office/drawing/2014/main" id="{270AA528-3CD6-4972-8A9F-7BA4596CF655}"/>
+                <a16:creationId xmlns:a16="http://schemas.microsoft.com/office/drawing/2014/main" id="{64DAE7F7-026C-4E0F-8894-7384B4BC9F31}"/>
               </a:ext>
             </a:extLst>
           </p:cNvPr>
@@ -5041,18 +5109,584 @@
         </p:nvGrpSpPr>
         <p:grpSpPr>
           <a:xfrm>
-            <a:off x="8980092" y="4456104"/>
-            <a:ext cx="2901142" cy="2401896"/>
-            <a:chOff x="7298575" y="4456104"/>
-            <a:chExt cx="2901142" cy="2401896"/>
+            <a:off x="8980092" y="4896195"/>
+            <a:ext cx="2901142" cy="1961805"/>
+            <a:chOff x="7306887" y="5353396"/>
+            <a:chExt cx="2901142" cy="1504605"/>
+          </a:xfrm>
+        </p:grpSpPr>
+        <p:sp>
+          <p:nvSpPr>
+            <p:cNvPr id="5" name="Rectangle: Rounded Corners 4">
+              <a:extLst>
+                <a:ext uri="{FF2B5EF4-FFF2-40B4-BE49-F238E27FC236}">
+                  <a16:creationId xmlns:a16="http://schemas.microsoft.com/office/drawing/2014/main" id="{064E4FDB-89D5-4751-B8F8-CA8267AD6D5D}"/>
+                </a:ext>
+              </a:extLst>
+            </p:cNvPr>
+            <p:cNvSpPr/>
+            <p:nvPr/>
+          </p:nvSpPr>
+          <p:spPr>
+            <a:xfrm>
+              <a:off x="7306887" y="5353396"/>
+              <a:ext cx="2901142" cy="1504605"/>
+            </a:xfrm>
+            <a:prstGeom prst="roundRect">
+              <a:avLst/>
+            </a:prstGeom>
+          </p:spPr>
+          <p:style>
+            <a:lnRef idx="2">
+              <a:schemeClr val="dk1">
+                <a:shade val="50000"/>
+              </a:schemeClr>
+            </a:lnRef>
+            <a:fillRef idx="1">
+              <a:schemeClr val="dk1"/>
+            </a:fillRef>
+            <a:effectRef idx="0">
+              <a:schemeClr val="dk1"/>
+            </a:effectRef>
+            <a:fontRef idx="minor">
+              <a:schemeClr val="lt1"/>
+            </a:fontRef>
+          </p:style>
+          <p:txBody>
+            <a:bodyPr rtlCol="0" anchor="ctr"/>
+            <a:lstStyle/>
+            <a:p>
+              <a:pPr algn="ctr"/>
+              <a:endParaRPr lang="en-US"/>
+            </a:p>
+          </p:txBody>
+        </p:sp>
+        <p:sp>
+          <p:nvSpPr>
+            <p:cNvPr id="6" name="Rectangle 5">
+              <a:extLst>
+                <a:ext uri="{FF2B5EF4-FFF2-40B4-BE49-F238E27FC236}">
+                  <a16:creationId xmlns:a16="http://schemas.microsoft.com/office/drawing/2014/main" id="{DC84F6F4-533F-472E-9336-F1F4556BB8B2}"/>
+                </a:ext>
+              </a:extLst>
+            </p:cNvPr>
+            <p:cNvSpPr/>
+            <p:nvPr/>
+          </p:nvSpPr>
+          <p:spPr>
+            <a:xfrm>
+              <a:off x="7306887" y="6425738"/>
+              <a:ext cx="2901142" cy="432262"/>
+            </a:xfrm>
+            <a:prstGeom prst="rect">
+              <a:avLst/>
+            </a:prstGeom>
+          </p:spPr>
+          <p:style>
+            <a:lnRef idx="2">
+              <a:schemeClr val="dk1">
+                <a:shade val="50000"/>
+              </a:schemeClr>
+            </a:lnRef>
+            <a:fillRef idx="1">
+              <a:schemeClr val="dk1"/>
+            </a:fillRef>
+            <a:effectRef idx="0">
+              <a:schemeClr val="dk1"/>
+            </a:effectRef>
+            <a:fontRef idx="minor">
+              <a:schemeClr val="lt1"/>
+            </a:fontRef>
+          </p:style>
+          <p:txBody>
+            <a:bodyPr rtlCol="0" anchor="ctr"/>
+            <a:lstStyle/>
+            <a:p>
+              <a:pPr algn="ctr"/>
+              <a:endParaRPr lang="en-US"/>
+            </a:p>
+          </p:txBody>
+        </p:sp>
+      </p:grpSp>
+      <p:grpSp>
+        <p:nvGrpSpPr>
+          <p:cNvPr id="10" name="Group 9">
+            <a:extLst>
+              <a:ext uri="{FF2B5EF4-FFF2-40B4-BE49-F238E27FC236}">
+                <a16:creationId xmlns:a16="http://schemas.microsoft.com/office/drawing/2014/main" id="{AD1AD7B5-28FB-470E-A0E5-151FCBB4C8E5}"/>
+              </a:ext>
+            </a:extLst>
+          </p:cNvPr>
+          <p:cNvGrpSpPr/>
+          <p:nvPr/>
+        </p:nvGrpSpPr>
+        <p:grpSpPr>
+          <a:xfrm>
+            <a:off x="9171284" y="5087389"/>
+            <a:ext cx="2510444" cy="1770611"/>
+            <a:chOff x="7489767" y="5087389"/>
+            <a:chExt cx="2510444" cy="1770611"/>
+          </a:xfrm>
+        </p:grpSpPr>
+        <p:sp>
+          <p:nvSpPr>
+            <p:cNvPr id="8" name="Rectangle: Rounded Corners 7">
+              <a:extLst>
+                <a:ext uri="{FF2B5EF4-FFF2-40B4-BE49-F238E27FC236}">
+                  <a16:creationId xmlns:a16="http://schemas.microsoft.com/office/drawing/2014/main" id="{491AA18E-EEDB-40E5-BB24-1360AA63AC7A}"/>
+                </a:ext>
+              </a:extLst>
+            </p:cNvPr>
+            <p:cNvSpPr/>
+            <p:nvPr/>
+          </p:nvSpPr>
+          <p:spPr>
+            <a:xfrm>
+              <a:off x="7489767" y="5087389"/>
+              <a:ext cx="2510444" cy="1770611"/>
+            </a:xfrm>
+            <a:prstGeom prst="roundRect">
+              <a:avLst/>
+            </a:prstGeom>
+            <a:solidFill>
+              <a:schemeClr val="bg1"/>
+            </a:solidFill>
+            <a:ln>
+              <a:solidFill>
+                <a:schemeClr val="bg1"/>
+              </a:solidFill>
+            </a:ln>
+          </p:spPr>
+          <p:style>
+            <a:lnRef idx="2">
+              <a:schemeClr val="accent1">
+                <a:shade val="50000"/>
+              </a:schemeClr>
+            </a:lnRef>
+            <a:fillRef idx="1">
+              <a:schemeClr val="accent1"/>
+            </a:fillRef>
+            <a:effectRef idx="0">
+              <a:schemeClr val="accent1"/>
+            </a:effectRef>
+            <a:fontRef idx="minor">
+              <a:schemeClr val="lt1"/>
+            </a:fontRef>
+          </p:style>
+          <p:txBody>
+            <a:bodyPr rtlCol="0" anchor="ctr"/>
+            <a:lstStyle/>
+            <a:p>
+              <a:pPr algn="ctr"/>
+              <a:endParaRPr lang="en-US" dirty="0"/>
+            </a:p>
+          </p:txBody>
+        </p:sp>
+        <p:sp>
+          <p:nvSpPr>
+            <p:cNvPr id="9" name="Rectangle 8">
+              <a:extLst>
+                <a:ext uri="{FF2B5EF4-FFF2-40B4-BE49-F238E27FC236}">
+                  <a16:creationId xmlns:a16="http://schemas.microsoft.com/office/drawing/2014/main" id="{3ED8E54D-AAC4-4129-80BB-71F0586964A8}"/>
+                </a:ext>
+              </a:extLst>
+            </p:cNvPr>
+            <p:cNvSpPr/>
+            <p:nvPr/>
+          </p:nvSpPr>
+          <p:spPr>
+            <a:xfrm>
+              <a:off x="7489767" y="6492240"/>
+              <a:ext cx="2510444" cy="365758"/>
+            </a:xfrm>
+            <a:prstGeom prst="rect">
+              <a:avLst/>
+            </a:prstGeom>
+            <a:solidFill>
+              <a:schemeClr val="bg1"/>
+            </a:solidFill>
+            <a:ln>
+              <a:solidFill>
+                <a:schemeClr val="bg1"/>
+              </a:solidFill>
+            </a:ln>
+          </p:spPr>
+          <p:style>
+            <a:lnRef idx="2">
+              <a:schemeClr val="accent1">
+                <a:shade val="50000"/>
+              </a:schemeClr>
+            </a:lnRef>
+            <a:fillRef idx="1">
+              <a:schemeClr val="accent1"/>
+            </a:fillRef>
+            <a:effectRef idx="0">
+              <a:schemeClr val="accent1"/>
+            </a:effectRef>
+            <a:fontRef idx="minor">
+              <a:schemeClr val="lt1"/>
+            </a:fontRef>
+          </p:style>
+          <p:txBody>
+            <a:bodyPr rtlCol="0" anchor="ctr"/>
+            <a:lstStyle/>
+            <a:p>
+              <a:pPr algn="ctr"/>
+              <a:endParaRPr lang="en-US" dirty="0"/>
+            </a:p>
+          </p:txBody>
+        </p:sp>
+      </p:grpSp>
+      <p:sp>
+        <p:nvSpPr>
+          <p:cNvPr id="11" name="Rectangle 10">
+            <a:extLst>
+              <a:ext uri="{FF2B5EF4-FFF2-40B4-BE49-F238E27FC236}">
+                <a16:creationId xmlns:a16="http://schemas.microsoft.com/office/drawing/2014/main" id="{4027607E-169A-4276-B49F-20A57A472D4D}"/>
+              </a:ext>
+            </a:extLst>
+          </p:cNvPr>
+          <p:cNvSpPr/>
+          <p:nvPr/>
+        </p:nvSpPr>
+        <p:spPr>
+          <a:xfrm>
+            <a:off x="9459176" y="6581362"/>
+            <a:ext cx="231244" cy="192923"/>
+          </a:xfrm>
+          <a:prstGeom prst="rect">
+            <a:avLst/>
+          </a:prstGeom>
+          <a:ln w="38100">
+            <a:solidFill>
+              <a:schemeClr val="accent1"/>
+            </a:solidFill>
+          </a:ln>
+        </p:spPr>
+        <p:style>
+          <a:lnRef idx="2">
+            <a:schemeClr val="dk1"/>
+          </a:lnRef>
+          <a:fillRef idx="1">
+            <a:schemeClr val="lt1"/>
+          </a:fillRef>
+          <a:effectRef idx="0">
+            <a:schemeClr val="dk1"/>
+          </a:effectRef>
+          <a:fontRef idx="minor">
+            <a:schemeClr val="dk1"/>
+          </a:fontRef>
+        </p:style>
+        <p:txBody>
+          <a:bodyPr rtlCol="0" anchor="ctr"/>
+          <a:lstStyle/>
+          <a:p>
+            <a:pPr algn="ctr"/>
+            <a:endParaRPr lang="en-US"/>
+          </a:p>
+        </p:txBody>
+      </p:sp>
+      <p:sp>
+        <p:nvSpPr>
+          <p:cNvPr id="12" name="TextBox 11">
+            <a:extLst>
+              <a:ext uri="{FF2B5EF4-FFF2-40B4-BE49-F238E27FC236}">
+                <a16:creationId xmlns:a16="http://schemas.microsoft.com/office/drawing/2014/main" id="{7D0D6A55-AB6C-4AE5-B228-2BCD7400B98A}"/>
+              </a:ext>
+            </a:extLst>
+          </p:cNvPr>
+          <p:cNvSpPr txBox="1"/>
+          <p:nvPr/>
+        </p:nvSpPr>
+        <p:spPr>
+          <a:xfrm>
+            <a:off x="9642812" y="6535022"/>
+            <a:ext cx="728982" cy="307777"/>
+          </a:xfrm>
+          <a:prstGeom prst="rect">
+            <a:avLst/>
+          </a:prstGeom>
+          <a:noFill/>
+        </p:spPr>
+        <p:txBody>
+          <a:bodyPr wrap="none" rtlCol="0">
+            <a:spAutoFit/>
+          </a:bodyPr>
+          <a:lstStyle/>
+          <a:p>
+            <a:r>
+              <a:rPr lang="en-US" sz="1400" b="1" dirty="0" err="1">
+                <a:solidFill>
+                  <a:schemeClr val="accent1"/>
+                </a:solidFill>
+              </a:rPr>
+              <a:t>Opt</a:t>
+            </a:r>
+            <a:r>
+              <a:rPr lang="en-US" sz="1400" b="1" dirty="0">
+                <a:solidFill>
+                  <a:schemeClr val="accent1"/>
+                </a:solidFill>
+              </a:rPr>
+              <a:t> in?</a:t>
+            </a:r>
+          </a:p>
+        </p:txBody>
+      </p:sp>
+      <p:grpSp>
+        <p:nvGrpSpPr>
+          <p:cNvPr id="19" name="Group 18">
+            <a:extLst>
+              <a:ext uri="{FF2B5EF4-FFF2-40B4-BE49-F238E27FC236}">
+                <a16:creationId xmlns:a16="http://schemas.microsoft.com/office/drawing/2014/main" id="{EE0B282C-0A45-46A8-9D40-F4E635630FD3}"/>
+              </a:ext>
+            </a:extLst>
+          </p:cNvPr>
+          <p:cNvGrpSpPr/>
+          <p:nvPr/>
+        </p:nvGrpSpPr>
+        <p:grpSpPr>
+          <a:xfrm>
+            <a:off x="9459176" y="6529945"/>
+            <a:ext cx="259300" cy="257695"/>
+            <a:chOff x="3928866" y="6074398"/>
+            <a:chExt cx="259300" cy="257695"/>
+          </a:xfrm>
+        </p:grpSpPr>
+        <p:cxnSp>
+          <p:nvCxnSpPr>
+            <p:cNvPr id="14" name="Straight Connector 13">
+              <a:extLst>
+                <a:ext uri="{FF2B5EF4-FFF2-40B4-BE49-F238E27FC236}">
+                  <a16:creationId xmlns:a16="http://schemas.microsoft.com/office/drawing/2014/main" id="{41675D59-D72B-4DEA-ADE6-AF7618C7CBC7}"/>
+                </a:ext>
+              </a:extLst>
+            </p:cNvPr>
+            <p:cNvCxnSpPr>
+              <a:cxnSpLocks/>
+              <a:stCxn id="11" idx="1"/>
+            </p:cNvCxnSpPr>
+            <p:nvPr/>
+          </p:nvCxnSpPr>
+          <p:spPr>
+            <a:xfrm>
+              <a:off x="3928866" y="6222277"/>
+              <a:ext cx="81615" cy="96461"/>
+            </a:xfrm>
+            <a:prstGeom prst="line">
+              <a:avLst/>
+            </a:prstGeom>
+            <a:ln w="38100"/>
+          </p:spPr>
+          <p:style>
+            <a:lnRef idx="3">
+              <a:schemeClr val="accent6"/>
+            </a:lnRef>
+            <a:fillRef idx="0">
+              <a:schemeClr val="accent6"/>
+            </a:fillRef>
+            <a:effectRef idx="2">
+              <a:schemeClr val="accent6"/>
+            </a:effectRef>
+            <a:fontRef idx="minor">
+              <a:schemeClr val="tx1"/>
+            </a:fontRef>
+          </p:style>
+        </p:cxnSp>
+        <p:cxnSp>
+          <p:nvCxnSpPr>
+            <p:cNvPr id="16" name="Straight Connector 15">
+              <a:extLst>
+                <a:ext uri="{FF2B5EF4-FFF2-40B4-BE49-F238E27FC236}">
+                  <a16:creationId xmlns:a16="http://schemas.microsoft.com/office/drawing/2014/main" id="{0A582BD8-FEC7-4C24-AE85-9468420CB9D3}"/>
+                </a:ext>
+              </a:extLst>
+            </p:cNvPr>
+            <p:cNvCxnSpPr>
+              <a:cxnSpLocks/>
+            </p:cNvCxnSpPr>
+            <p:nvPr/>
+          </p:nvCxnSpPr>
+          <p:spPr>
+            <a:xfrm flipH="1">
+              <a:off x="3997666" y="6074398"/>
+              <a:ext cx="190500" cy="257695"/>
+            </a:xfrm>
+            <a:prstGeom prst="line">
+              <a:avLst/>
+            </a:prstGeom>
+            <a:ln w="38100"/>
+          </p:spPr>
+          <p:style>
+            <a:lnRef idx="3">
+              <a:schemeClr val="accent6"/>
+            </a:lnRef>
+            <a:fillRef idx="0">
+              <a:schemeClr val="accent6"/>
+            </a:fillRef>
+            <a:effectRef idx="2">
+              <a:schemeClr val="accent6"/>
+            </a:effectRef>
+            <a:fontRef idx="minor">
+              <a:schemeClr val="tx1"/>
+            </a:fontRef>
+          </p:style>
+        </p:cxnSp>
+      </p:grpSp>
+      <p:sp>
+        <p:nvSpPr>
+          <p:cNvPr id="20" name="TextBox 19">
+            <a:extLst>
+              <a:ext uri="{FF2B5EF4-FFF2-40B4-BE49-F238E27FC236}">
+                <a16:creationId xmlns:a16="http://schemas.microsoft.com/office/drawing/2014/main" id="{5F12513A-CE4F-4BDC-8486-C5D75BE4851F}"/>
+              </a:ext>
+            </a:extLst>
+          </p:cNvPr>
+          <p:cNvSpPr txBox="1"/>
+          <p:nvPr/>
+        </p:nvSpPr>
+        <p:spPr>
+          <a:xfrm>
+            <a:off x="9463742" y="4456104"/>
+            <a:ext cx="1925527" cy="523220"/>
+          </a:xfrm>
+          <a:prstGeom prst="rect">
+            <a:avLst/>
+          </a:prstGeom>
+          <a:noFill/>
+        </p:spPr>
+        <p:txBody>
+          <a:bodyPr wrap="none" rtlCol="0">
+            <a:spAutoFit/>
+          </a:bodyPr>
+          <a:lstStyle/>
+          <a:p>
+            <a:r>
+              <a:rPr lang="en-US" sz="2800" b="1" dirty="0">
+                <a:solidFill>
+                  <a:srgbClr val="FF0000"/>
+                </a:solidFill>
+              </a:rPr>
+              <a:t>Mobile App</a:t>
+            </a:r>
+          </a:p>
+        </p:txBody>
+      </p:sp>
+      <p:sp>
+        <p:nvSpPr>
+          <p:cNvPr id="21" name="Rectangle 20">
+            <a:extLst>
+              <a:ext uri="{FF2B5EF4-FFF2-40B4-BE49-F238E27FC236}">
+                <a16:creationId xmlns:a16="http://schemas.microsoft.com/office/drawing/2014/main" id="{E4C68821-DABB-4E6B-B7F7-C96016B43C3E}"/>
+              </a:ext>
+            </a:extLst>
+          </p:cNvPr>
+          <p:cNvSpPr/>
+          <p:nvPr/>
+        </p:nvSpPr>
+        <p:spPr>
+          <a:xfrm>
+            <a:off x="9463743" y="5419898"/>
+            <a:ext cx="1925526" cy="874488"/>
+          </a:xfrm>
+          <a:prstGeom prst="rect">
+            <a:avLst/>
+          </a:prstGeom>
+          <a:solidFill>
+            <a:schemeClr val="accent1">
+              <a:lumMod val="20000"/>
+              <a:lumOff val="80000"/>
+            </a:schemeClr>
+          </a:solidFill>
+        </p:spPr>
+        <p:style>
+          <a:lnRef idx="2">
+            <a:schemeClr val="dk1"/>
+          </a:lnRef>
+          <a:fillRef idx="1">
+            <a:schemeClr val="lt1"/>
+          </a:fillRef>
+          <a:effectRef idx="0">
+            <a:schemeClr val="dk1"/>
+          </a:effectRef>
+          <a:fontRef idx="minor">
+            <a:schemeClr val="dk1"/>
+          </a:fontRef>
+        </p:style>
+        <p:txBody>
+          <a:bodyPr rtlCol="0" anchor="ctr"/>
+          <a:lstStyle/>
+          <a:p>
+            <a:pPr algn="ctr"/>
+            <a:endParaRPr lang="en-US"/>
+          </a:p>
+        </p:txBody>
+      </p:sp>
+      <p:sp>
+        <p:nvSpPr>
+          <p:cNvPr id="22" name="TextBox 21">
+            <a:extLst>
+              <a:ext uri="{FF2B5EF4-FFF2-40B4-BE49-F238E27FC236}">
+                <a16:creationId xmlns:a16="http://schemas.microsoft.com/office/drawing/2014/main" id="{2589ACCF-5A52-40E4-8278-6F2FD8E65089}"/>
+              </a:ext>
+            </a:extLst>
+          </p:cNvPr>
+          <p:cNvSpPr txBox="1"/>
+          <p:nvPr/>
+        </p:nvSpPr>
+        <p:spPr>
+          <a:xfrm>
+            <a:off x="9362476" y="5058396"/>
+            <a:ext cx="2137380" cy="369332"/>
+          </a:xfrm>
+          <a:prstGeom prst="rect">
+            <a:avLst/>
+          </a:prstGeom>
+          <a:noFill/>
+        </p:spPr>
+        <p:txBody>
+          <a:bodyPr wrap="none" rtlCol="0">
+            <a:spAutoFit/>
+          </a:bodyPr>
+          <a:lstStyle/>
+          <a:p>
+            <a:r>
+              <a:rPr lang="en-US" b="1" dirty="0">
+                <a:solidFill>
+                  <a:schemeClr val="accent1"/>
+                </a:solidFill>
+              </a:rPr>
+              <a:t>Welcome, John Doe.</a:t>
+            </a:r>
+          </a:p>
+        </p:txBody>
+      </p:sp>
+      <p:grpSp>
+        <p:nvGrpSpPr>
+          <p:cNvPr id="54" name="Group 53">
+            <a:extLst>
+              <a:ext uri="{FF2B5EF4-FFF2-40B4-BE49-F238E27FC236}">
+                <a16:creationId xmlns:a16="http://schemas.microsoft.com/office/drawing/2014/main" id="{6DE4658E-1FA1-4670-97ED-30A43D8AC24E}"/>
+              </a:ext>
+            </a:extLst>
+          </p:cNvPr>
+          <p:cNvGrpSpPr/>
+          <p:nvPr/>
+        </p:nvGrpSpPr>
+        <p:grpSpPr>
+          <a:xfrm>
+            <a:off x="10039647" y="5418615"/>
+            <a:ext cx="773715" cy="867085"/>
+            <a:chOff x="1278900" y="3993399"/>
+            <a:chExt cx="533275" cy="542406"/>
           </a:xfrm>
         </p:grpSpPr>
         <p:grpSp>
           <p:nvGrpSpPr>
-            <p:cNvPr id="7" name="Group 6">
+            <p:cNvPr id="52" name="Group 51">
               <a:extLst>
                 <a:ext uri="{FF2B5EF4-FFF2-40B4-BE49-F238E27FC236}">
-                  <a16:creationId xmlns:a16="http://schemas.microsoft.com/office/drawing/2014/main" id="{64DAE7F7-026C-4E0F-8894-7384B4BC9F31}"/>
+                  <a16:creationId xmlns:a16="http://schemas.microsoft.com/office/drawing/2014/main" id="{E3697FC4-AB6F-4307-9D3A-1D69E39FEF68}"/>
                 </a:ext>
               </a:extLst>
             </p:cNvPr>
@@ -5061,18 +5695,18 @@
           </p:nvGrpSpPr>
           <p:grpSpPr>
             <a:xfrm>
-              <a:off x="7298575" y="4896195"/>
-              <a:ext cx="2901142" cy="1961805"/>
-              <a:chOff x="7306887" y="5353396"/>
-              <a:chExt cx="2901142" cy="1504605"/>
+              <a:off x="1278900" y="3993399"/>
+              <a:ext cx="533275" cy="462705"/>
+              <a:chOff x="1278900" y="3993399"/>
+              <a:chExt cx="533275" cy="462705"/>
             </a:xfrm>
           </p:grpSpPr>
           <p:sp>
             <p:nvSpPr>
-              <p:cNvPr id="5" name="Rectangle: Rounded Corners 4">
+              <p:cNvPr id="23" name="Oval 22">
                 <a:extLst>
                   <a:ext uri="{FF2B5EF4-FFF2-40B4-BE49-F238E27FC236}">
-                    <a16:creationId xmlns:a16="http://schemas.microsoft.com/office/drawing/2014/main" id="{064E4FDB-89D5-4751-B8F8-CA8267AD6D5D}"/>
+                    <a16:creationId xmlns:a16="http://schemas.microsoft.com/office/drawing/2014/main" id="{9AC62B8A-5AAF-4908-8F17-CB4134F97044}"/>
                   </a:ext>
                 </a:extLst>
               </p:cNvPr>
@@ -5081,24 +5715,33 @@
             </p:nvSpPr>
             <p:spPr>
               <a:xfrm>
-                <a:off x="7306887" y="5353396"/>
-                <a:ext cx="2901142" cy="1504605"/>
+                <a:off x="1288473" y="4015047"/>
+                <a:ext cx="523702" cy="441057"/>
               </a:xfrm>
-              <a:prstGeom prst="roundRect">
+              <a:prstGeom prst="ellipse">
                 <a:avLst/>
               </a:prstGeom>
+              <a:solidFill>
+                <a:schemeClr val="accent4">
+                  <a:lumMod val="40000"/>
+                  <a:lumOff val="60000"/>
+                </a:schemeClr>
+              </a:solidFill>
+              <a:ln>
+                <a:noFill/>
+              </a:ln>
             </p:spPr>
             <p:style>
               <a:lnRef idx="2">
-                <a:schemeClr val="dk1">
+                <a:schemeClr val="accent4">
                   <a:shade val="50000"/>
                 </a:schemeClr>
               </a:lnRef>
               <a:fillRef idx="1">
-                <a:schemeClr val="dk1"/>
+                <a:schemeClr val="accent4"/>
               </a:fillRef>
               <a:effectRef idx="0">
-                <a:schemeClr val="dk1"/>
+                <a:schemeClr val="accent4"/>
               </a:effectRef>
               <a:fontRef idx="minor">
                 <a:schemeClr val="lt1"/>
@@ -5115,10 +5758,10 @@
           </p:sp>
           <p:sp>
             <p:nvSpPr>
-              <p:cNvPr id="6" name="Rectangle 5">
+              <p:cNvPr id="24" name="Isosceles Triangle 23">
                 <a:extLst>
                   <a:ext uri="{FF2B5EF4-FFF2-40B4-BE49-F238E27FC236}">
-                    <a16:creationId xmlns:a16="http://schemas.microsoft.com/office/drawing/2014/main" id="{DC84F6F4-533F-472E-9336-F1F4556BB8B2}"/>
+                    <a16:creationId xmlns:a16="http://schemas.microsoft.com/office/drawing/2014/main" id="{722537D7-4265-4FEC-824B-C052D9FD9DEF}"/>
                   </a:ext>
                 </a:extLst>
               </p:cNvPr>
@@ -5127,1440 +5770,14 @@
             </p:nvSpPr>
             <p:spPr>
               <a:xfrm>
-                <a:off x="7306887" y="6425738"/>
-                <a:ext cx="2901142" cy="432262"/>
+                <a:off x="1288473" y="3993399"/>
+                <a:ext cx="523702" cy="99753"/>
               </a:xfrm>
-              <a:prstGeom prst="rect">
-                <a:avLst/>
-              </a:prstGeom>
-            </p:spPr>
-            <p:style>
-              <a:lnRef idx="2">
-                <a:schemeClr val="dk1">
-                  <a:shade val="50000"/>
-                </a:schemeClr>
-              </a:lnRef>
-              <a:fillRef idx="1">
-                <a:schemeClr val="dk1"/>
-              </a:fillRef>
-              <a:effectRef idx="0">
-                <a:schemeClr val="dk1"/>
-              </a:effectRef>
-              <a:fontRef idx="minor">
-                <a:schemeClr val="lt1"/>
-              </a:fontRef>
-            </p:style>
-            <p:txBody>
-              <a:bodyPr rtlCol="0" anchor="ctr"/>
-              <a:lstStyle/>
-              <a:p>
-                <a:pPr algn="ctr"/>
-                <a:endParaRPr lang="en-US"/>
-              </a:p>
-            </p:txBody>
-          </p:sp>
-        </p:grpSp>
-        <p:grpSp>
-          <p:nvGrpSpPr>
-            <p:cNvPr id="10" name="Group 9">
-              <a:extLst>
-                <a:ext uri="{FF2B5EF4-FFF2-40B4-BE49-F238E27FC236}">
-                  <a16:creationId xmlns:a16="http://schemas.microsoft.com/office/drawing/2014/main" id="{AD1AD7B5-28FB-470E-A0E5-151FCBB4C8E5}"/>
-                </a:ext>
-              </a:extLst>
-            </p:cNvPr>
-            <p:cNvGrpSpPr/>
-            <p:nvPr/>
-          </p:nvGrpSpPr>
-          <p:grpSpPr>
-            <a:xfrm>
-              <a:off x="7489767" y="5087389"/>
-              <a:ext cx="2510444" cy="1770611"/>
-              <a:chOff x="7489767" y="5087389"/>
-              <a:chExt cx="2510444" cy="1770611"/>
-            </a:xfrm>
-          </p:grpSpPr>
-          <p:sp>
-            <p:nvSpPr>
-              <p:cNvPr id="8" name="Rectangle: Rounded Corners 7">
-                <a:extLst>
-                  <a:ext uri="{FF2B5EF4-FFF2-40B4-BE49-F238E27FC236}">
-                    <a16:creationId xmlns:a16="http://schemas.microsoft.com/office/drawing/2014/main" id="{491AA18E-EEDB-40E5-BB24-1360AA63AC7A}"/>
-                  </a:ext>
-                </a:extLst>
-              </p:cNvPr>
-              <p:cNvSpPr/>
-              <p:nvPr/>
-            </p:nvSpPr>
-            <p:spPr>
-              <a:xfrm>
-                <a:off x="7489767" y="5087389"/>
-                <a:ext cx="2510444" cy="1770611"/>
-              </a:xfrm>
-              <a:prstGeom prst="roundRect">
+              <a:prstGeom prst="triangle">
                 <a:avLst/>
               </a:prstGeom>
               <a:solidFill>
-                <a:schemeClr val="bg1"/>
-              </a:solidFill>
-              <a:ln>
-                <a:solidFill>
-                  <a:schemeClr val="bg1"/>
-                </a:solidFill>
-              </a:ln>
-            </p:spPr>
-            <p:style>
-              <a:lnRef idx="2">
-                <a:schemeClr val="accent1">
-                  <a:shade val="50000"/>
-                </a:schemeClr>
-              </a:lnRef>
-              <a:fillRef idx="1">
-                <a:schemeClr val="accent1"/>
-              </a:fillRef>
-              <a:effectRef idx="0">
-                <a:schemeClr val="accent1"/>
-              </a:effectRef>
-              <a:fontRef idx="minor">
-                <a:schemeClr val="lt1"/>
-              </a:fontRef>
-            </p:style>
-            <p:txBody>
-              <a:bodyPr rtlCol="0" anchor="ctr"/>
-              <a:lstStyle/>
-              <a:p>
-                <a:pPr algn="ctr"/>
-                <a:endParaRPr lang="en-US" dirty="0"/>
-              </a:p>
-            </p:txBody>
-          </p:sp>
-          <p:sp>
-            <p:nvSpPr>
-              <p:cNvPr id="9" name="Rectangle 8">
-                <a:extLst>
-                  <a:ext uri="{FF2B5EF4-FFF2-40B4-BE49-F238E27FC236}">
-                    <a16:creationId xmlns:a16="http://schemas.microsoft.com/office/drawing/2014/main" id="{3ED8E54D-AAC4-4129-80BB-71F0586964A8}"/>
-                  </a:ext>
-                </a:extLst>
-              </p:cNvPr>
-              <p:cNvSpPr/>
-              <p:nvPr/>
-            </p:nvSpPr>
-            <p:spPr>
-              <a:xfrm>
-                <a:off x="7489767" y="6492240"/>
-                <a:ext cx="2510444" cy="365758"/>
-              </a:xfrm>
-              <a:prstGeom prst="rect">
-                <a:avLst/>
-              </a:prstGeom>
-              <a:solidFill>
-                <a:schemeClr val="bg1"/>
-              </a:solidFill>
-              <a:ln>
-                <a:solidFill>
-                  <a:schemeClr val="bg1"/>
-                </a:solidFill>
-              </a:ln>
-            </p:spPr>
-            <p:style>
-              <a:lnRef idx="2">
-                <a:schemeClr val="accent1">
-                  <a:shade val="50000"/>
-                </a:schemeClr>
-              </a:lnRef>
-              <a:fillRef idx="1">
-                <a:schemeClr val="accent1"/>
-              </a:fillRef>
-              <a:effectRef idx="0">
-                <a:schemeClr val="accent1"/>
-              </a:effectRef>
-              <a:fontRef idx="minor">
-                <a:schemeClr val="lt1"/>
-              </a:fontRef>
-            </p:style>
-            <p:txBody>
-              <a:bodyPr rtlCol="0" anchor="ctr"/>
-              <a:lstStyle/>
-              <a:p>
-                <a:pPr algn="ctr"/>
-                <a:endParaRPr lang="en-US" dirty="0"/>
-              </a:p>
-            </p:txBody>
-          </p:sp>
-        </p:grpSp>
-        <p:sp>
-          <p:nvSpPr>
-            <p:cNvPr id="11" name="Rectangle 10">
-              <a:extLst>
-                <a:ext uri="{FF2B5EF4-FFF2-40B4-BE49-F238E27FC236}">
-                  <a16:creationId xmlns:a16="http://schemas.microsoft.com/office/drawing/2014/main" id="{4027607E-169A-4276-B49F-20A57A472D4D}"/>
-                </a:ext>
-              </a:extLst>
-            </p:cNvPr>
-            <p:cNvSpPr/>
-            <p:nvPr/>
-          </p:nvSpPr>
-          <p:spPr>
-            <a:xfrm>
-              <a:off x="7777659" y="6581362"/>
-              <a:ext cx="231244" cy="192923"/>
-            </a:xfrm>
-            <a:prstGeom prst="rect">
-              <a:avLst/>
-            </a:prstGeom>
-            <a:ln w="38100">
-              <a:solidFill>
-                <a:schemeClr val="accent1"/>
-              </a:solidFill>
-            </a:ln>
-          </p:spPr>
-          <p:style>
-            <a:lnRef idx="2">
-              <a:schemeClr val="dk1"/>
-            </a:lnRef>
-            <a:fillRef idx="1">
-              <a:schemeClr val="lt1"/>
-            </a:fillRef>
-            <a:effectRef idx="0">
-              <a:schemeClr val="dk1"/>
-            </a:effectRef>
-            <a:fontRef idx="minor">
-              <a:schemeClr val="dk1"/>
-            </a:fontRef>
-          </p:style>
-          <p:txBody>
-            <a:bodyPr rtlCol="0" anchor="ctr"/>
-            <a:lstStyle/>
-            <a:p>
-              <a:pPr algn="ctr"/>
-              <a:endParaRPr lang="en-US"/>
-            </a:p>
-          </p:txBody>
-        </p:sp>
-        <p:sp>
-          <p:nvSpPr>
-            <p:cNvPr id="12" name="TextBox 11">
-              <a:extLst>
-                <a:ext uri="{FF2B5EF4-FFF2-40B4-BE49-F238E27FC236}">
-                  <a16:creationId xmlns:a16="http://schemas.microsoft.com/office/drawing/2014/main" id="{7D0D6A55-AB6C-4AE5-B228-2BCD7400B98A}"/>
-                </a:ext>
-              </a:extLst>
-            </p:cNvPr>
-            <p:cNvSpPr txBox="1"/>
-            <p:nvPr/>
-          </p:nvSpPr>
-          <p:spPr>
-            <a:xfrm>
-              <a:off x="7961295" y="6535022"/>
-              <a:ext cx="728982" cy="307777"/>
-            </a:xfrm>
-            <a:prstGeom prst="rect">
-              <a:avLst/>
-            </a:prstGeom>
-            <a:noFill/>
-          </p:spPr>
-          <p:txBody>
-            <a:bodyPr wrap="none" rtlCol="0">
-              <a:spAutoFit/>
-            </a:bodyPr>
-            <a:lstStyle/>
-            <a:p>
-              <a:r>
-                <a:rPr lang="en-US" sz="1400" b="1" dirty="0" err="1">
-                  <a:solidFill>
-                    <a:schemeClr val="accent1"/>
-                  </a:solidFill>
-                </a:rPr>
-                <a:t>Opt</a:t>
-              </a:r>
-              <a:r>
-                <a:rPr lang="en-US" sz="1400" b="1" dirty="0">
-                  <a:solidFill>
-                    <a:schemeClr val="accent1"/>
-                  </a:solidFill>
-                </a:rPr>
-                <a:t> in?</a:t>
-              </a:r>
-            </a:p>
-          </p:txBody>
-        </p:sp>
-        <p:grpSp>
-          <p:nvGrpSpPr>
-            <p:cNvPr id="19" name="Group 18">
-              <a:extLst>
-                <a:ext uri="{FF2B5EF4-FFF2-40B4-BE49-F238E27FC236}">
-                  <a16:creationId xmlns:a16="http://schemas.microsoft.com/office/drawing/2014/main" id="{EE0B282C-0A45-46A8-9D40-F4E635630FD3}"/>
-                </a:ext>
-              </a:extLst>
-            </p:cNvPr>
-            <p:cNvGrpSpPr/>
-            <p:nvPr/>
-          </p:nvGrpSpPr>
-          <p:grpSpPr>
-            <a:xfrm>
-              <a:off x="7777659" y="6529945"/>
-              <a:ext cx="259300" cy="257695"/>
-              <a:chOff x="3928866" y="6074398"/>
-              <a:chExt cx="259300" cy="257695"/>
-            </a:xfrm>
-          </p:grpSpPr>
-          <p:cxnSp>
-            <p:nvCxnSpPr>
-              <p:cNvPr id="14" name="Straight Connector 13">
-                <a:extLst>
-                  <a:ext uri="{FF2B5EF4-FFF2-40B4-BE49-F238E27FC236}">
-                    <a16:creationId xmlns:a16="http://schemas.microsoft.com/office/drawing/2014/main" id="{41675D59-D72B-4DEA-ADE6-AF7618C7CBC7}"/>
-                  </a:ext>
-                </a:extLst>
-              </p:cNvPr>
-              <p:cNvCxnSpPr>
-                <a:cxnSpLocks/>
-                <a:stCxn id="11" idx="1"/>
-              </p:cNvCxnSpPr>
-              <p:nvPr/>
-            </p:nvCxnSpPr>
-            <p:spPr>
-              <a:xfrm>
-                <a:off x="3928866" y="6222277"/>
-                <a:ext cx="81615" cy="96461"/>
-              </a:xfrm>
-              <a:prstGeom prst="line">
-                <a:avLst/>
-              </a:prstGeom>
-              <a:ln w="38100"/>
-            </p:spPr>
-            <p:style>
-              <a:lnRef idx="3">
-                <a:schemeClr val="accent6"/>
-              </a:lnRef>
-              <a:fillRef idx="0">
-                <a:schemeClr val="accent6"/>
-              </a:fillRef>
-              <a:effectRef idx="2">
-                <a:schemeClr val="accent6"/>
-              </a:effectRef>
-              <a:fontRef idx="minor">
-                <a:schemeClr val="tx1"/>
-              </a:fontRef>
-            </p:style>
-          </p:cxnSp>
-          <p:cxnSp>
-            <p:nvCxnSpPr>
-              <p:cNvPr id="16" name="Straight Connector 15">
-                <a:extLst>
-                  <a:ext uri="{FF2B5EF4-FFF2-40B4-BE49-F238E27FC236}">
-                    <a16:creationId xmlns:a16="http://schemas.microsoft.com/office/drawing/2014/main" id="{0A582BD8-FEC7-4C24-AE85-9468420CB9D3}"/>
-                  </a:ext>
-                </a:extLst>
-              </p:cNvPr>
-              <p:cNvCxnSpPr>
-                <a:cxnSpLocks/>
-              </p:cNvCxnSpPr>
-              <p:nvPr/>
-            </p:nvCxnSpPr>
-            <p:spPr>
-              <a:xfrm flipH="1">
-                <a:off x="3997666" y="6074398"/>
-                <a:ext cx="190500" cy="257695"/>
-              </a:xfrm>
-              <a:prstGeom prst="line">
-                <a:avLst/>
-              </a:prstGeom>
-              <a:ln w="38100"/>
-            </p:spPr>
-            <p:style>
-              <a:lnRef idx="3">
-                <a:schemeClr val="accent6"/>
-              </a:lnRef>
-              <a:fillRef idx="0">
-                <a:schemeClr val="accent6"/>
-              </a:fillRef>
-              <a:effectRef idx="2">
-                <a:schemeClr val="accent6"/>
-              </a:effectRef>
-              <a:fontRef idx="minor">
-                <a:schemeClr val="tx1"/>
-              </a:fontRef>
-            </p:style>
-          </p:cxnSp>
-        </p:grpSp>
-        <p:sp>
-          <p:nvSpPr>
-            <p:cNvPr id="20" name="TextBox 19">
-              <a:extLst>
-                <a:ext uri="{FF2B5EF4-FFF2-40B4-BE49-F238E27FC236}">
-                  <a16:creationId xmlns:a16="http://schemas.microsoft.com/office/drawing/2014/main" id="{5F12513A-CE4F-4BDC-8486-C5D75BE4851F}"/>
-                </a:ext>
-              </a:extLst>
-            </p:cNvPr>
-            <p:cNvSpPr txBox="1"/>
-            <p:nvPr/>
-          </p:nvSpPr>
-          <p:spPr>
-            <a:xfrm>
-              <a:off x="7782225" y="4456104"/>
-              <a:ext cx="1925527" cy="523220"/>
-            </a:xfrm>
-            <a:prstGeom prst="rect">
-              <a:avLst/>
-            </a:prstGeom>
-            <a:noFill/>
-          </p:spPr>
-          <p:txBody>
-            <a:bodyPr wrap="none" rtlCol="0">
-              <a:spAutoFit/>
-            </a:bodyPr>
-            <a:lstStyle/>
-            <a:p>
-              <a:r>
-                <a:rPr lang="en-US" sz="2800" b="1" dirty="0">
-                  <a:solidFill>
-                    <a:srgbClr val="FF0000"/>
-                  </a:solidFill>
-                </a:rPr>
-                <a:t>Mobile App</a:t>
-              </a:r>
-            </a:p>
-          </p:txBody>
-        </p:sp>
-        <p:sp>
-          <p:nvSpPr>
-            <p:cNvPr id="21" name="Rectangle 20">
-              <a:extLst>
-                <a:ext uri="{FF2B5EF4-FFF2-40B4-BE49-F238E27FC236}">
-                  <a16:creationId xmlns:a16="http://schemas.microsoft.com/office/drawing/2014/main" id="{E4C68821-DABB-4E6B-B7F7-C96016B43C3E}"/>
-                </a:ext>
-              </a:extLst>
-            </p:cNvPr>
-            <p:cNvSpPr/>
-            <p:nvPr/>
-          </p:nvSpPr>
-          <p:spPr>
-            <a:xfrm>
-              <a:off x="7782226" y="5419898"/>
-              <a:ext cx="1925526" cy="874488"/>
-            </a:xfrm>
-            <a:prstGeom prst="rect">
-              <a:avLst/>
-            </a:prstGeom>
-            <a:solidFill>
-              <a:schemeClr val="accent1">
-                <a:lumMod val="20000"/>
-                <a:lumOff val="80000"/>
-              </a:schemeClr>
-            </a:solidFill>
-          </p:spPr>
-          <p:style>
-            <a:lnRef idx="2">
-              <a:schemeClr val="dk1"/>
-            </a:lnRef>
-            <a:fillRef idx="1">
-              <a:schemeClr val="lt1"/>
-            </a:fillRef>
-            <a:effectRef idx="0">
-              <a:schemeClr val="dk1"/>
-            </a:effectRef>
-            <a:fontRef idx="minor">
-              <a:schemeClr val="dk1"/>
-            </a:fontRef>
-          </p:style>
-          <p:txBody>
-            <a:bodyPr rtlCol="0" anchor="ctr"/>
-            <a:lstStyle/>
-            <a:p>
-              <a:pPr algn="ctr"/>
-              <a:endParaRPr lang="en-US"/>
-            </a:p>
-          </p:txBody>
-        </p:sp>
-        <p:sp>
-          <p:nvSpPr>
-            <p:cNvPr id="22" name="TextBox 21">
-              <a:extLst>
-                <a:ext uri="{FF2B5EF4-FFF2-40B4-BE49-F238E27FC236}">
-                  <a16:creationId xmlns:a16="http://schemas.microsoft.com/office/drawing/2014/main" id="{2589ACCF-5A52-40E4-8278-6F2FD8E65089}"/>
-                </a:ext>
-              </a:extLst>
-            </p:cNvPr>
-            <p:cNvSpPr txBox="1"/>
-            <p:nvPr/>
-          </p:nvSpPr>
-          <p:spPr>
-            <a:xfrm>
-              <a:off x="7680959" y="5058396"/>
-              <a:ext cx="2137380" cy="369332"/>
-            </a:xfrm>
-            <a:prstGeom prst="rect">
-              <a:avLst/>
-            </a:prstGeom>
-            <a:noFill/>
-          </p:spPr>
-          <p:txBody>
-            <a:bodyPr wrap="none" rtlCol="0">
-              <a:spAutoFit/>
-            </a:bodyPr>
-            <a:lstStyle/>
-            <a:p>
-              <a:r>
-                <a:rPr lang="en-US" b="1" dirty="0">
-                  <a:solidFill>
-                    <a:schemeClr val="accent1"/>
-                  </a:solidFill>
-                </a:rPr>
-                <a:t>Welcome, John Doe.</a:t>
-              </a:r>
-            </a:p>
-          </p:txBody>
-        </p:sp>
-        <p:grpSp>
-          <p:nvGrpSpPr>
-            <p:cNvPr id="54" name="Group 53">
-              <a:extLst>
-                <a:ext uri="{FF2B5EF4-FFF2-40B4-BE49-F238E27FC236}">
-                  <a16:creationId xmlns:a16="http://schemas.microsoft.com/office/drawing/2014/main" id="{6DE4658E-1FA1-4670-97ED-30A43D8AC24E}"/>
-                </a:ext>
-              </a:extLst>
-            </p:cNvPr>
-            <p:cNvGrpSpPr/>
-            <p:nvPr/>
-          </p:nvGrpSpPr>
-          <p:grpSpPr>
-            <a:xfrm>
-              <a:off x="8358130" y="5418615"/>
-              <a:ext cx="773715" cy="867085"/>
-              <a:chOff x="1278900" y="3993399"/>
-              <a:chExt cx="533275" cy="542406"/>
-            </a:xfrm>
-          </p:grpSpPr>
-          <p:grpSp>
-            <p:nvGrpSpPr>
-              <p:cNvPr id="52" name="Group 51">
-                <a:extLst>
-                  <a:ext uri="{FF2B5EF4-FFF2-40B4-BE49-F238E27FC236}">
-                    <a16:creationId xmlns:a16="http://schemas.microsoft.com/office/drawing/2014/main" id="{E3697FC4-AB6F-4307-9D3A-1D69E39FEF68}"/>
-                  </a:ext>
-                </a:extLst>
-              </p:cNvPr>
-              <p:cNvGrpSpPr/>
-              <p:nvPr/>
-            </p:nvGrpSpPr>
-            <p:grpSpPr>
-              <a:xfrm>
-                <a:off x="1278900" y="3993399"/>
-                <a:ext cx="533275" cy="462705"/>
-                <a:chOff x="1278900" y="3993399"/>
-                <a:chExt cx="533275" cy="462705"/>
-              </a:xfrm>
-            </p:grpSpPr>
-            <p:sp>
-              <p:nvSpPr>
-                <p:cNvPr id="23" name="Oval 22">
-                  <a:extLst>
-                    <a:ext uri="{FF2B5EF4-FFF2-40B4-BE49-F238E27FC236}">
-                      <a16:creationId xmlns:a16="http://schemas.microsoft.com/office/drawing/2014/main" id="{9AC62B8A-5AAF-4908-8F17-CB4134F97044}"/>
-                    </a:ext>
-                  </a:extLst>
-                </p:cNvPr>
-                <p:cNvSpPr/>
-                <p:nvPr/>
-              </p:nvSpPr>
-              <p:spPr>
-                <a:xfrm>
-                  <a:off x="1288473" y="4015047"/>
-                  <a:ext cx="523702" cy="441057"/>
-                </a:xfrm>
-                <a:prstGeom prst="ellipse">
-                  <a:avLst/>
-                </a:prstGeom>
-                <a:solidFill>
-                  <a:schemeClr val="accent4">
-                    <a:lumMod val="40000"/>
-                    <a:lumOff val="60000"/>
-                  </a:schemeClr>
-                </a:solidFill>
-                <a:ln>
-                  <a:noFill/>
-                </a:ln>
-              </p:spPr>
-              <p:style>
-                <a:lnRef idx="2">
-                  <a:schemeClr val="accent4">
-                    <a:shade val="50000"/>
-                  </a:schemeClr>
-                </a:lnRef>
-                <a:fillRef idx="1">
-                  <a:schemeClr val="accent4"/>
-                </a:fillRef>
-                <a:effectRef idx="0">
-                  <a:schemeClr val="accent4"/>
-                </a:effectRef>
-                <a:fontRef idx="minor">
-                  <a:schemeClr val="lt1"/>
-                </a:fontRef>
-              </p:style>
-              <p:txBody>
-                <a:bodyPr rtlCol="0" anchor="ctr"/>
-                <a:lstStyle/>
-                <a:p>
-                  <a:pPr algn="ctr"/>
-                  <a:endParaRPr lang="en-US"/>
-                </a:p>
-              </p:txBody>
-            </p:sp>
-            <p:sp>
-              <p:nvSpPr>
-                <p:cNvPr id="24" name="Isosceles Triangle 23">
-                  <a:extLst>
-                    <a:ext uri="{FF2B5EF4-FFF2-40B4-BE49-F238E27FC236}">
-                      <a16:creationId xmlns:a16="http://schemas.microsoft.com/office/drawing/2014/main" id="{722537D7-4265-4FEC-824B-C052D9FD9DEF}"/>
-                    </a:ext>
-                  </a:extLst>
-                </p:cNvPr>
-                <p:cNvSpPr/>
-                <p:nvPr/>
-              </p:nvSpPr>
-              <p:spPr>
-                <a:xfrm>
-                  <a:off x="1288473" y="3993399"/>
-                  <a:ext cx="523702" cy="99753"/>
-                </a:xfrm>
-                <a:prstGeom prst="triangle">
-                  <a:avLst/>
-                </a:prstGeom>
-                <a:solidFill>
-                  <a:srgbClr val="B08058"/>
-                </a:solidFill>
-                <a:ln>
-                  <a:noFill/>
-                </a:ln>
-              </p:spPr>
-              <p:style>
-                <a:lnRef idx="2">
-                  <a:schemeClr val="accent1">
-                    <a:shade val="50000"/>
-                  </a:schemeClr>
-                </a:lnRef>
-                <a:fillRef idx="1">
-                  <a:schemeClr val="accent1"/>
-                </a:fillRef>
-                <a:effectRef idx="0">
-                  <a:schemeClr val="accent1"/>
-                </a:effectRef>
-                <a:fontRef idx="minor">
-                  <a:schemeClr val="lt1"/>
-                </a:fontRef>
-              </p:style>
-              <p:txBody>
-                <a:bodyPr rtlCol="0" anchor="ctr"/>
-                <a:lstStyle/>
-                <a:p>
-                  <a:pPr algn="ctr"/>
-                  <a:endParaRPr lang="en-US"/>
-                </a:p>
-              </p:txBody>
-            </p:sp>
-            <p:sp>
-              <p:nvSpPr>
-                <p:cNvPr id="26" name="Rectangle 25">
-                  <a:extLst>
-                    <a:ext uri="{FF2B5EF4-FFF2-40B4-BE49-F238E27FC236}">
-                      <a16:creationId xmlns:a16="http://schemas.microsoft.com/office/drawing/2014/main" id="{8AC5A729-091C-4E25-A9E6-9BDF5EBB4CFA}"/>
-                    </a:ext>
-                  </a:extLst>
-                </p:cNvPr>
-                <p:cNvSpPr/>
-                <p:nvPr/>
-              </p:nvSpPr>
-              <p:spPr>
-                <a:xfrm rot="490814">
-                  <a:off x="1278900" y="4087749"/>
-                  <a:ext cx="62226" cy="191800"/>
-                </a:xfrm>
-                <a:prstGeom prst="rect">
-                  <a:avLst/>
-                </a:prstGeom>
-                <a:solidFill>
-                  <a:srgbClr val="B08058"/>
-                </a:solidFill>
-                <a:ln>
-                  <a:noFill/>
-                </a:ln>
-              </p:spPr>
-              <p:style>
-                <a:lnRef idx="2">
-                  <a:schemeClr val="accent1">
-                    <a:shade val="50000"/>
-                  </a:schemeClr>
-                </a:lnRef>
-                <a:fillRef idx="1">
-                  <a:schemeClr val="accent1"/>
-                </a:fillRef>
-                <a:effectRef idx="0">
-                  <a:schemeClr val="accent1"/>
-                </a:effectRef>
-                <a:fontRef idx="minor">
-                  <a:schemeClr val="lt1"/>
-                </a:fontRef>
-              </p:style>
-              <p:txBody>
-                <a:bodyPr rtlCol="0" anchor="ctr"/>
-                <a:lstStyle/>
-                <a:p>
-                  <a:pPr algn="ctr"/>
-                  <a:endParaRPr lang="en-US"/>
-                </a:p>
-              </p:txBody>
-            </p:sp>
-            <p:sp>
-              <p:nvSpPr>
-                <p:cNvPr id="29" name="Rectangle 28">
-                  <a:extLst>
-                    <a:ext uri="{FF2B5EF4-FFF2-40B4-BE49-F238E27FC236}">
-                      <a16:creationId xmlns:a16="http://schemas.microsoft.com/office/drawing/2014/main" id="{F5B34ECA-2C94-4B30-91F3-CABA96105221}"/>
-                    </a:ext>
-                  </a:extLst>
-                </p:cNvPr>
-                <p:cNvSpPr/>
-                <p:nvPr/>
-              </p:nvSpPr>
-              <p:spPr>
-                <a:xfrm rot="9411357">
-                  <a:off x="1430276" y="4037760"/>
-                  <a:ext cx="214316" cy="109813"/>
-                </a:xfrm>
-                <a:prstGeom prst="rect">
-                  <a:avLst/>
-                </a:prstGeom>
-                <a:solidFill>
-                  <a:srgbClr val="B08058"/>
-                </a:solidFill>
-                <a:ln>
-                  <a:noFill/>
-                </a:ln>
-              </p:spPr>
-              <p:style>
-                <a:lnRef idx="2">
-                  <a:schemeClr val="accent1">
-                    <a:shade val="50000"/>
-                  </a:schemeClr>
-                </a:lnRef>
-                <a:fillRef idx="1">
-                  <a:schemeClr val="accent1"/>
-                </a:fillRef>
-                <a:effectRef idx="0">
-                  <a:schemeClr val="accent1"/>
-                </a:effectRef>
-                <a:fontRef idx="minor">
-                  <a:schemeClr val="lt1"/>
-                </a:fontRef>
-              </p:style>
-              <p:txBody>
-                <a:bodyPr rtlCol="0" anchor="ctr"/>
-                <a:lstStyle/>
-                <a:p>
-                  <a:pPr algn="ctr"/>
-                  <a:endParaRPr lang="en-US"/>
-                </a:p>
-              </p:txBody>
-            </p:sp>
-            <p:sp>
-              <p:nvSpPr>
-                <p:cNvPr id="30" name="Rectangle 29">
-                  <a:extLst>
-                    <a:ext uri="{FF2B5EF4-FFF2-40B4-BE49-F238E27FC236}">
-                      <a16:creationId xmlns:a16="http://schemas.microsoft.com/office/drawing/2014/main" id="{F3E77771-11D4-4B99-883A-4912FC181F9F}"/>
-                    </a:ext>
-                  </a:extLst>
-                </p:cNvPr>
-                <p:cNvSpPr/>
-                <p:nvPr/>
-              </p:nvSpPr>
-              <p:spPr>
-                <a:xfrm rot="13303060">
-                  <a:off x="1479071" y="4064247"/>
-                  <a:ext cx="221002" cy="73723"/>
-                </a:xfrm>
-                <a:prstGeom prst="rect">
-                  <a:avLst/>
-                </a:prstGeom>
-                <a:solidFill>
-                  <a:srgbClr val="B08058"/>
-                </a:solidFill>
-                <a:ln>
-                  <a:noFill/>
-                </a:ln>
-              </p:spPr>
-              <p:style>
-                <a:lnRef idx="2">
-                  <a:schemeClr val="accent1">
-                    <a:shade val="50000"/>
-                  </a:schemeClr>
-                </a:lnRef>
-                <a:fillRef idx="1">
-                  <a:schemeClr val="accent1"/>
-                </a:fillRef>
-                <a:effectRef idx="0">
-                  <a:schemeClr val="accent1"/>
-                </a:effectRef>
-                <a:fontRef idx="minor">
-                  <a:schemeClr val="lt1"/>
-                </a:fontRef>
-              </p:style>
-              <p:txBody>
-                <a:bodyPr rtlCol="0" anchor="ctr"/>
-                <a:lstStyle/>
-                <a:p>
-                  <a:pPr algn="ctr"/>
-                  <a:endParaRPr lang="en-US"/>
-                </a:p>
-              </p:txBody>
-            </p:sp>
-            <p:sp>
-              <p:nvSpPr>
-                <p:cNvPr id="31" name="Rectangle 30">
-                  <a:extLst>
-                    <a:ext uri="{FF2B5EF4-FFF2-40B4-BE49-F238E27FC236}">
-                      <a16:creationId xmlns:a16="http://schemas.microsoft.com/office/drawing/2014/main" id="{028836A6-7FC9-4C73-9A34-EAECD63EB675}"/>
-                    </a:ext>
-                  </a:extLst>
-                </p:cNvPr>
-                <p:cNvSpPr/>
-                <p:nvPr/>
-              </p:nvSpPr>
-              <p:spPr>
-                <a:xfrm rot="10800000">
-                  <a:off x="1334225" y="4037758"/>
-                  <a:ext cx="427899" cy="109813"/>
-                </a:xfrm>
-                <a:prstGeom prst="rect">
-                  <a:avLst/>
-                </a:prstGeom>
-                <a:solidFill>
-                  <a:srgbClr val="B08058"/>
-                </a:solidFill>
-                <a:ln>
-                  <a:noFill/>
-                </a:ln>
-              </p:spPr>
-              <p:style>
-                <a:lnRef idx="2">
-                  <a:schemeClr val="accent1">
-                    <a:shade val="50000"/>
-                  </a:schemeClr>
-                </a:lnRef>
-                <a:fillRef idx="1">
-                  <a:schemeClr val="accent1"/>
-                </a:fillRef>
-                <a:effectRef idx="0">
-                  <a:schemeClr val="accent1"/>
-                </a:effectRef>
-                <a:fontRef idx="minor">
-                  <a:schemeClr val="lt1"/>
-                </a:fontRef>
-              </p:style>
-              <p:txBody>
-                <a:bodyPr rtlCol="0" anchor="ctr"/>
-                <a:lstStyle/>
-                <a:p>
-                  <a:pPr algn="ctr"/>
-                  <a:endParaRPr lang="en-US"/>
-                </a:p>
-              </p:txBody>
-            </p:sp>
-            <p:sp>
-              <p:nvSpPr>
-                <p:cNvPr id="32" name="Rectangle 31">
-                  <a:extLst>
-                    <a:ext uri="{FF2B5EF4-FFF2-40B4-BE49-F238E27FC236}">
-                      <a16:creationId xmlns:a16="http://schemas.microsoft.com/office/drawing/2014/main" id="{4F82A60A-7C54-4247-A80A-8F321BEC5F32}"/>
-                    </a:ext>
-                  </a:extLst>
-                </p:cNvPr>
-                <p:cNvSpPr/>
-                <p:nvPr/>
-              </p:nvSpPr>
-              <p:spPr>
-                <a:xfrm rot="9221647">
-                  <a:off x="1727564" y="4039477"/>
-                  <a:ext cx="62226" cy="233086"/>
-                </a:xfrm>
-                <a:prstGeom prst="rect">
-                  <a:avLst/>
-                </a:prstGeom>
-                <a:solidFill>
-                  <a:srgbClr val="B08058"/>
-                </a:solidFill>
-                <a:ln>
-                  <a:noFill/>
-                </a:ln>
-              </p:spPr>
-              <p:style>
-                <a:lnRef idx="2">
-                  <a:schemeClr val="accent1">
-                    <a:shade val="50000"/>
-                  </a:schemeClr>
-                </a:lnRef>
-                <a:fillRef idx="1">
-                  <a:schemeClr val="accent1"/>
-                </a:fillRef>
-                <a:effectRef idx="0">
-                  <a:schemeClr val="accent1"/>
-                </a:effectRef>
-                <a:fontRef idx="minor">
-                  <a:schemeClr val="lt1"/>
-                </a:fontRef>
-              </p:style>
-              <p:txBody>
-                <a:bodyPr rtlCol="0" anchor="ctr"/>
-                <a:lstStyle/>
-                <a:p>
-                  <a:pPr algn="ctr"/>
-                  <a:endParaRPr lang="en-US"/>
-                </a:p>
-              </p:txBody>
-            </p:sp>
-            <p:sp>
-              <p:nvSpPr>
-                <p:cNvPr id="28" name="Arc 27">
-                  <a:extLst>
-                    <a:ext uri="{FF2B5EF4-FFF2-40B4-BE49-F238E27FC236}">
-                      <a16:creationId xmlns:a16="http://schemas.microsoft.com/office/drawing/2014/main" id="{F2A80048-2EA3-4DD3-8C5D-F101DA25DB0A}"/>
-                    </a:ext>
-                  </a:extLst>
-                </p:cNvPr>
-                <p:cNvSpPr/>
-                <p:nvPr/>
-              </p:nvSpPr>
-              <p:spPr>
-                <a:xfrm>
-                  <a:off x="1524676" y="4202565"/>
-                  <a:ext cx="194310" cy="45719"/>
-                </a:xfrm>
-                <a:prstGeom prst="arc">
-                  <a:avLst/>
-                </a:prstGeom>
-              </p:spPr>
-              <p:style>
-                <a:lnRef idx="3">
-                  <a:schemeClr val="dk1"/>
-                </a:lnRef>
-                <a:fillRef idx="0">
-                  <a:schemeClr val="dk1"/>
-                </a:fillRef>
-                <a:effectRef idx="2">
-                  <a:schemeClr val="dk1"/>
-                </a:effectRef>
-                <a:fontRef idx="minor">
-                  <a:schemeClr val="tx1"/>
-                </a:fontRef>
-              </p:style>
-              <p:txBody>
-                <a:bodyPr rtlCol="0" anchor="ctr"/>
-                <a:lstStyle/>
-                <a:p>
-                  <a:pPr algn="ctr"/>
-                  <a:endParaRPr lang="en-US"/>
-                </a:p>
-              </p:txBody>
-            </p:sp>
-            <p:sp>
-              <p:nvSpPr>
-                <p:cNvPr id="37" name="Arc 36">
-                  <a:extLst>
-                    <a:ext uri="{FF2B5EF4-FFF2-40B4-BE49-F238E27FC236}">
-                      <a16:creationId xmlns:a16="http://schemas.microsoft.com/office/drawing/2014/main" id="{4CA4B2B2-5566-4D1B-A1F5-4BE67BFB5736}"/>
-                    </a:ext>
-                  </a:extLst>
-                </p:cNvPr>
-                <p:cNvSpPr/>
-                <p:nvPr/>
-              </p:nvSpPr>
-              <p:spPr>
-                <a:xfrm flipH="1">
-                  <a:off x="1396571" y="4200258"/>
-                  <a:ext cx="194516" cy="45719"/>
-                </a:xfrm>
-                <a:prstGeom prst="arc">
-                  <a:avLst/>
-                </a:prstGeom>
-              </p:spPr>
-              <p:style>
-                <a:lnRef idx="3">
-                  <a:schemeClr val="dk1"/>
-                </a:lnRef>
-                <a:fillRef idx="0">
-                  <a:schemeClr val="dk1"/>
-                </a:fillRef>
-                <a:effectRef idx="2">
-                  <a:schemeClr val="dk1"/>
-                </a:effectRef>
-                <a:fontRef idx="minor">
-                  <a:schemeClr val="tx1"/>
-                </a:fontRef>
-              </p:style>
-              <p:txBody>
-                <a:bodyPr rtlCol="0" anchor="ctr"/>
-                <a:lstStyle/>
-                <a:p>
-                  <a:pPr algn="ctr"/>
-                  <a:endParaRPr lang="en-US"/>
-                </a:p>
-              </p:txBody>
-            </p:sp>
-            <p:sp>
-              <p:nvSpPr>
-                <p:cNvPr id="36" name="Oval 35">
-                  <a:extLst>
-                    <a:ext uri="{FF2B5EF4-FFF2-40B4-BE49-F238E27FC236}">
-                      <a16:creationId xmlns:a16="http://schemas.microsoft.com/office/drawing/2014/main" id="{7ED49598-4DFF-4A0D-9DF6-50EE736E8843}"/>
-                    </a:ext>
-                  </a:extLst>
-                </p:cNvPr>
-                <p:cNvSpPr/>
-                <p:nvPr/>
-              </p:nvSpPr>
-              <p:spPr>
-                <a:xfrm>
-                  <a:off x="1404609" y="4221757"/>
-                  <a:ext cx="112030" cy="45719"/>
-                </a:xfrm>
-                <a:prstGeom prst="ellipse">
-                  <a:avLst/>
-                </a:prstGeom>
-                <a:solidFill>
-                  <a:schemeClr val="bg1"/>
-                </a:solidFill>
-                <a:ln>
-                  <a:noFill/>
-                </a:ln>
-              </p:spPr>
-              <p:style>
-                <a:lnRef idx="2">
-                  <a:schemeClr val="accent1">
-                    <a:shade val="50000"/>
-                  </a:schemeClr>
-                </a:lnRef>
-                <a:fillRef idx="1">
-                  <a:schemeClr val="accent1"/>
-                </a:fillRef>
-                <a:effectRef idx="0">
-                  <a:schemeClr val="accent1"/>
-                </a:effectRef>
-                <a:fontRef idx="minor">
-                  <a:schemeClr val="lt1"/>
-                </a:fontRef>
-              </p:style>
-              <p:txBody>
-                <a:bodyPr rtlCol="0" anchor="ctr"/>
-                <a:lstStyle/>
-                <a:p>
-                  <a:pPr algn="ctr"/>
-                  <a:endParaRPr lang="en-US"/>
-                </a:p>
-              </p:txBody>
-            </p:sp>
-            <p:sp>
-              <p:nvSpPr>
-                <p:cNvPr id="39" name="Oval 38">
-                  <a:extLst>
-                    <a:ext uri="{FF2B5EF4-FFF2-40B4-BE49-F238E27FC236}">
-                      <a16:creationId xmlns:a16="http://schemas.microsoft.com/office/drawing/2014/main" id="{62163438-0646-4D75-B8D8-8CD0E2C8F5F0}"/>
-                    </a:ext>
-                  </a:extLst>
-                </p:cNvPr>
-                <p:cNvSpPr/>
-                <p:nvPr/>
-              </p:nvSpPr>
-              <p:spPr>
-                <a:xfrm>
-                  <a:off x="1594402" y="4223117"/>
-                  <a:ext cx="112030" cy="45719"/>
-                </a:xfrm>
-                <a:prstGeom prst="ellipse">
-                  <a:avLst/>
-                </a:prstGeom>
-                <a:solidFill>
-                  <a:schemeClr val="bg1"/>
-                </a:solidFill>
-                <a:ln>
-                  <a:noFill/>
-                </a:ln>
-              </p:spPr>
-              <p:style>
-                <a:lnRef idx="2">
-                  <a:schemeClr val="accent1">
-                    <a:shade val="50000"/>
-                  </a:schemeClr>
-                </a:lnRef>
-                <a:fillRef idx="1">
-                  <a:schemeClr val="accent1"/>
-                </a:fillRef>
-                <a:effectRef idx="0">
-                  <a:schemeClr val="accent1"/>
-                </a:effectRef>
-                <a:fontRef idx="minor">
-                  <a:schemeClr val="lt1"/>
-                </a:fontRef>
-              </p:style>
-              <p:txBody>
-                <a:bodyPr rtlCol="0" anchor="ctr"/>
-                <a:lstStyle/>
-                <a:p>
-                  <a:pPr algn="ctr"/>
-                  <a:endParaRPr lang="en-US"/>
-                </a:p>
-              </p:txBody>
-            </p:sp>
-            <p:cxnSp>
-              <p:nvCxnSpPr>
-                <p:cNvPr id="40" name="Straight Connector 39">
-                  <a:extLst>
-                    <a:ext uri="{FF2B5EF4-FFF2-40B4-BE49-F238E27FC236}">
-                      <a16:creationId xmlns:a16="http://schemas.microsoft.com/office/drawing/2014/main" id="{4463F552-601A-4EBF-8CC4-CD2D0425E403}"/>
-                    </a:ext>
-                  </a:extLst>
-                </p:cNvPr>
-                <p:cNvCxnSpPr/>
-                <p:nvPr/>
-              </p:nvCxnSpPr>
-              <p:spPr>
-                <a:xfrm flipH="1">
-                  <a:off x="1537434" y="4244616"/>
-                  <a:ext cx="10740" cy="68304"/>
-                </a:xfrm>
-                <a:prstGeom prst="line">
-                  <a:avLst/>
-                </a:prstGeom>
-              </p:spPr>
-              <p:style>
-                <a:lnRef idx="1">
-                  <a:schemeClr val="dk1"/>
-                </a:lnRef>
-                <a:fillRef idx="0">
-                  <a:schemeClr val="dk1"/>
-                </a:fillRef>
-                <a:effectRef idx="0">
-                  <a:schemeClr val="dk1"/>
-                </a:effectRef>
-                <a:fontRef idx="minor">
-                  <a:schemeClr val="tx1"/>
-                </a:fontRef>
-              </p:style>
-            </p:cxnSp>
-            <p:cxnSp>
-              <p:nvCxnSpPr>
-                <p:cNvPr id="42" name="Straight Connector 41">
-                  <a:extLst>
-                    <a:ext uri="{FF2B5EF4-FFF2-40B4-BE49-F238E27FC236}">
-                      <a16:creationId xmlns:a16="http://schemas.microsoft.com/office/drawing/2014/main" id="{E7CF3264-4197-4FA4-9F1C-52575068D15C}"/>
-                    </a:ext>
-                  </a:extLst>
-                </p:cNvPr>
-                <p:cNvCxnSpPr>
-                  <a:cxnSpLocks/>
-                </p:cNvCxnSpPr>
-                <p:nvPr/>
-              </p:nvCxnSpPr>
-              <p:spPr>
-                <a:xfrm flipH="1">
-                  <a:off x="1541043" y="4310887"/>
-                  <a:ext cx="27926" cy="1"/>
-                </a:xfrm>
-                <a:prstGeom prst="line">
-                  <a:avLst/>
-                </a:prstGeom>
-              </p:spPr>
-              <p:style>
-                <a:lnRef idx="1">
-                  <a:schemeClr val="dk1"/>
-                </a:lnRef>
-                <a:fillRef idx="0">
-                  <a:schemeClr val="dk1"/>
-                </a:fillRef>
-                <a:effectRef idx="0">
-                  <a:schemeClr val="dk1"/>
-                </a:effectRef>
-                <a:fontRef idx="minor">
-                  <a:schemeClr val="tx1"/>
-                </a:fontRef>
-              </p:style>
-            </p:cxnSp>
-            <p:sp>
-              <p:nvSpPr>
-                <p:cNvPr id="44" name="Arc 43">
-                  <a:extLst>
-                    <a:ext uri="{FF2B5EF4-FFF2-40B4-BE49-F238E27FC236}">
-                      <a16:creationId xmlns:a16="http://schemas.microsoft.com/office/drawing/2014/main" id="{122C27DF-DD61-46B5-87DD-FBC0FA2C8DD1}"/>
-                    </a:ext>
-                  </a:extLst>
-                </p:cNvPr>
-                <p:cNvSpPr/>
-                <p:nvPr/>
-              </p:nvSpPr>
-              <p:spPr>
-                <a:xfrm rot="7767881">
-                  <a:off x="1451426" y="4188268"/>
-                  <a:ext cx="163720" cy="205740"/>
-                </a:xfrm>
-                <a:prstGeom prst="arc">
-                  <a:avLst/>
-                </a:prstGeom>
-                <a:ln>
-                  <a:solidFill>
-                    <a:srgbClr val="C00000"/>
-                  </a:solidFill>
-                </a:ln>
-              </p:spPr>
-              <p:style>
-                <a:lnRef idx="1">
-                  <a:schemeClr val="accent1"/>
-                </a:lnRef>
-                <a:fillRef idx="0">
-                  <a:schemeClr val="accent1"/>
-                </a:fillRef>
-                <a:effectRef idx="0">
-                  <a:schemeClr val="accent1"/>
-                </a:effectRef>
-                <a:fontRef idx="minor">
-                  <a:schemeClr val="tx1"/>
-                </a:fontRef>
-              </p:style>
-              <p:txBody>
-                <a:bodyPr rtlCol="0" anchor="ctr"/>
-                <a:lstStyle/>
-                <a:p>
-                  <a:pPr algn="ctr"/>
-                  <a:endParaRPr lang="en-US"/>
-                </a:p>
-              </p:txBody>
-            </p:sp>
-            <p:sp>
-              <p:nvSpPr>
-                <p:cNvPr id="45" name="Oval 44">
-                  <a:extLst>
-                    <a:ext uri="{FF2B5EF4-FFF2-40B4-BE49-F238E27FC236}">
-                      <a16:creationId xmlns:a16="http://schemas.microsoft.com/office/drawing/2014/main" id="{F8BC9B64-27F0-4102-9D06-E202750CF609}"/>
-                    </a:ext>
-                  </a:extLst>
-                </p:cNvPr>
-                <p:cNvSpPr/>
-                <p:nvPr/>
-              </p:nvSpPr>
-              <p:spPr>
-                <a:xfrm flipV="1">
-                  <a:off x="1437058" y="4223833"/>
-                  <a:ext cx="45719" cy="45719"/>
-                </a:xfrm>
-                <a:prstGeom prst="ellipse">
-                  <a:avLst/>
-                </a:prstGeom>
-                <a:ln>
-                  <a:noFill/>
-                </a:ln>
-              </p:spPr>
-              <p:style>
-                <a:lnRef idx="2">
-                  <a:schemeClr val="accent1">
-                    <a:shade val="50000"/>
-                  </a:schemeClr>
-                </a:lnRef>
-                <a:fillRef idx="1">
-                  <a:schemeClr val="accent1"/>
-                </a:fillRef>
-                <a:effectRef idx="0">
-                  <a:schemeClr val="accent1"/>
-                </a:effectRef>
-                <a:fontRef idx="minor">
-                  <a:schemeClr val="lt1"/>
-                </a:fontRef>
-              </p:style>
-              <p:txBody>
-                <a:bodyPr rtlCol="0" anchor="ctr"/>
-                <a:lstStyle/>
-                <a:p>
-                  <a:pPr algn="ctr"/>
-                  <a:endParaRPr lang="en-US"/>
-                </a:p>
-              </p:txBody>
-            </p:sp>
-            <p:sp>
-              <p:nvSpPr>
-                <p:cNvPr id="48" name="Oval 47">
-                  <a:extLst>
-                    <a:ext uri="{FF2B5EF4-FFF2-40B4-BE49-F238E27FC236}">
-                      <a16:creationId xmlns:a16="http://schemas.microsoft.com/office/drawing/2014/main" id="{867966B4-1887-4030-9BD7-4C08C4FAF2C5}"/>
-                    </a:ext>
-                  </a:extLst>
-                </p:cNvPr>
-                <p:cNvSpPr/>
-                <p:nvPr/>
-              </p:nvSpPr>
-              <p:spPr>
-                <a:xfrm flipV="1">
-                  <a:off x="1632986" y="4224754"/>
-                  <a:ext cx="45719" cy="45719"/>
-                </a:xfrm>
-                <a:prstGeom prst="ellipse">
-                  <a:avLst/>
-                </a:prstGeom>
-                <a:ln>
-                  <a:noFill/>
-                </a:ln>
-              </p:spPr>
-              <p:style>
-                <a:lnRef idx="2">
-                  <a:schemeClr val="accent1">
-                    <a:shade val="50000"/>
-                  </a:schemeClr>
-                </a:lnRef>
-                <a:fillRef idx="1">
-                  <a:schemeClr val="accent1"/>
-                </a:fillRef>
-                <a:effectRef idx="0">
-                  <a:schemeClr val="accent1"/>
-                </a:effectRef>
-                <a:fontRef idx="minor">
-                  <a:schemeClr val="lt1"/>
-                </a:fontRef>
-              </p:style>
-              <p:txBody>
-                <a:bodyPr rtlCol="0" anchor="ctr"/>
-                <a:lstStyle/>
-                <a:p>
-                  <a:pPr algn="ctr"/>
-                  <a:endParaRPr lang="en-US"/>
-                </a:p>
-              </p:txBody>
-            </p:sp>
-            <mc:AlternateContent xmlns:mc="http://schemas.openxmlformats.org/markup-compatibility/2006" xmlns:p14="http://schemas.microsoft.com/office/powerpoint/2010/main">
-              <mc:Choice Requires="p14">
-                <p:contentPart p14:bwMode="auto" r:id="rId3">
-                  <p14:nvContentPartPr>
-                    <p14:cNvPr id="50" name="Ink 49">
-                      <a:extLst>
-                        <a:ext uri="{FF2B5EF4-FFF2-40B4-BE49-F238E27FC236}">
-                          <a16:creationId xmlns:a16="http://schemas.microsoft.com/office/drawing/2014/main" id="{F3452767-C554-4D1E-8B2C-7E7914127FDD}"/>
-                        </a:ext>
-                      </a:extLst>
-                    </p14:cNvPr>
-                    <p14:cNvContentPartPr/>
-                    <p14:nvPr/>
-                  </p14:nvContentPartPr>
-                  <p14:xfrm>
-                    <a:off x="1459032" y="4244280"/>
-                    <a:ext cx="288" cy="288"/>
-                  </p14:xfrm>
-                </p:contentPart>
-              </mc:Choice>
-              <mc:Fallback xmlns="">
-                <p:pic>
-                  <p:nvPicPr>
-                    <p:cNvPr id="50" name="Ink 49">
-                      <a:extLst>
-                        <a:ext uri="{FF2B5EF4-FFF2-40B4-BE49-F238E27FC236}">
-                          <a16:creationId xmlns:a16="http://schemas.microsoft.com/office/drawing/2014/main" id="{F3452767-C554-4D1E-8B2C-7E7914127FDD}"/>
-                        </a:ext>
-                      </a:extLst>
-                    </p:cNvPr>
-                    <p:cNvPicPr/>
-                    <p:nvPr/>
-                  </p:nvPicPr>
-                  <p:blipFill>
-                    <a:blip r:embed="rId4"/>
-                    <a:stretch>
-                      <a:fillRect/>
-                    </a:stretch>
-                  </p:blipFill>
-                  <p:spPr>
-                    <a:xfrm>
-                      <a:off x="1455000" y="4240248"/>
-                      <a:ext cx="8064" cy="8064"/>
-                    </a:xfrm>
-                    <a:prstGeom prst="rect">
-                      <a:avLst/>
-                    </a:prstGeom>
-                  </p:spPr>
-                </p:pic>
-              </mc:Fallback>
-            </mc:AlternateContent>
-            <mc:AlternateContent xmlns:mc="http://schemas.openxmlformats.org/markup-compatibility/2006" xmlns:p14="http://schemas.microsoft.com/office/powerpoint/2010/main">
-              <mc:Choice Requires="p14">
-                <p:contentPart p14:bwMode="auto" r:id="rId5">
-                  <p14:nvContentPartPr>
-                    <p14:cNvPr id="51" name="Ink 50">
-                      <a:extLst>
-                        <a:ext uri="{FF2B5EF4-FFF2-40B4-BE49-F238E27FC236}">
-                          <a16:creationId xmlns:a16="http://schemas.microsoft.com/office/drawing/2014/main" id="{FC4B981C-6C22-45AD-B930-B883800CB676}"/>
-                        </a:ext>
-                      </a:extLst>
-                    </p14:cNvPr>
-                    <p14:cNvContentPartPr/>
-                    <p14:nvPr/>
-                  </p14:nvContentPartPr>
-                  <p14:xfrm>
-                    <a:off x="1655160" y="4244280"/>
-                    <a:ext cx="288" cy="288"/>
-                  </p14:xfrm>
-                </p:contentPart>
-              </mc:Choice>
-              <mc:Fallback xmlns="">
-                <p:pic>
-                  <p:nvPicPr>
-                    <p:cNvPr id="51" name="Ink 50">
-                      <a:extLst>
-                        <a:ext uri="{FF2B5EF4-FFF2-40B4-BE49-F238E27FC236}">
-                          <a16:creationId xmlns:a16="http://schemas.microsoft.com/office/drawing/2014/main" id="{FC4B981C-6C22-45AD-B930-B883800CB676}"/>
-                        </a:ext>
-                      </a:extLst>
-                    </p:cNvPr>
-                    <p:cNvPicPr/>
-                    <p:nvPr/>
-                  </p:nvPicPr>
-                  <p:blipFill>
-                    <a:blip r:embed="rId4"/>
-                    <a:stretch>
-                      <a:fillRect/>
-                    </a:stretch>
-                  </p:blipFill>
-                  <p:spPr>
-                    <a:xfrm>
-                      <a:off x="1651128" y="4240248"/>
-                      <a:ext cx="8064" cy="8064"/>
-                    </a:xfrm>
-                    <a:prstGeom prst="rect">
-                      <a:avLst/>
-                    </a:prstGeom>
-                  </p:spPr>
-                </p:pic>
-              </mc:Fallback>
-            </mc:AlternateContent>
-          </p:grpSp>
-          <p:sp>
-            <p:nvSpPr>
-              <p:cNvPr id="53" name="Rectangle 52">
-                <a:extLst>
-                  <a:ext uri="{FF2B5EF4-FFF2-40B4-BE49-F238E27FC236}">
-                    <a16:creationId xmlns:a16="http://schemas.microsoft.com/office/drawing/2014/main" id="{AAEB7C4A-AC50-430E-9D26-9BE7D9907C5E}"/>
-                  </a:ext>
-                </a:extLst>
-              </p:cNvPr>
-              <p:cNvSpPr/>
-              <p:nvPr/>
-            </p:nvSpPr>
-            <p:spPr>
-              <a:xfrm>
-                <a:off x="1437058" y="4419720"/>
-                <a:ext cx="227676" cy="116085"/>
-              </a:xfrm>
-              <a:prstGeom prst="rect">
-                <a:avLst/>
-              </a:prstGeom>
-              <a:solidFill>
-                <a:schemeClr val="accent4">
-                  <a:lumMod val="40000"/>
-                  <a:lumOff val="60000"/>
-                </a:schemeClr>
+                <a:srgbClr val="B08058"/>
               </a:solidFill>
               <a:ln>
                 <a:noFill/>
@@ -6591,7 +5808,837 @@
               </a:p>
             </p:txBody>
           </p:sp>
+          <p:sp>
+            <p:nvSpPr>
+              <p:cNvPr id="26" name="Rectangle 25">
+                <a:extLst>
+                  <a:ext uri="{FF2B5EF4-FFF2-40B4-BE49-F238E27FC236}">
+                    <a16:creationId xmlns:a16="http://schemas.microsoft.com/office/drawing/2014/main" id="{8AC5A729-091C-4E25-A9E6-9BDF5EBB4CFA}"/>
+                  </a:ext>
+                </a:extLst>
+              </p:cNvPr>
+              <p:cNvSpPr/>
+              <p:nvPr/>
+            </p:nvSpPr>
+            <p:spPr>
+              <a:xfrm rot="490814">
+                <a:off x="1278900" y="4087749"/>
+                <a:ext cx="62226" cy="191800"/>
+              </a:xfrm>
+              <a:prstGeom prst="rect">
+                <a:avLst/>
+              </a:prstGeom>
+              <a:solidFill>
+                <a:srgbClr val="B08058"/>
+              </a:solidFill>
+              <a:ln>
+                <a:noFill/>
+              </a:ln>
+            </p:spPr>
+            <p:style>
+              <a:lnRef idx="2">
+                <a:schemeClr val="accent1">
+                  <a:shade val="50000"/>
+                </a:schemeClr>
+              </a:lnRef>
+              <a:fillRef idx="1">
+                <a:schemeClr val="accent1"/>
+              </a:fillRef>
+              <a:effectRef idx="0">
+                <a:schemeClr val="accent1"/>
+              </a:effectRef>
+              <a:fontRef idx="minor">
+                <a:schemeClr val="lt1"/>
+              </a:fontRef>
+            </p:style>
+            <p:txBody>
+              <a:bodyPr rtlCol="0" anchor="ctr"/>
+              <a:lstStyle/>
+              <a:p>
+                <a:pPr algn="ctr"/>
+                <a:endParaRPr lang="en-US"/>
+              </a:p>
+            </p:txBody>
+          </p:sp>
+          <p:sp>
+            <p:nvSpPr>
+              <p:cNvPr id="29" name="Rectangle 28">
+                <a:extLst>
+                  <a:ext uri="{FF2B5EF4-FFF2-40B4-BE49-F238E27FC236}">
+                    <a16:creationId xmlns:a16="http://schemas.microsoft.com/office/drawing/2014/main" id="{F5B34ECA-2C94-4B30-91F3-CABA96105221}"/>
+                  </a:ext>
+                </a:extLst>
+              </p:cNvPr>
+              <p:cNvSpPr/>
+              <p:nvPr/>
+            </p:nvSpPr>
+            <p:spPr>
+              <a:xfrm rot="9411357">
+                <a:off x="1430276" y="4037760"/>
+                <a:ext cx="214316" cy="109813"/>
+              </a:xfrm>
+              <a:prstGeom prst="rect">
+                <a:avLst/>
+              </a:prstGeom>
+              <a:solidFill>
+                <a:srgbClr val="B08058"/>
+              </a:solidFill>
+              <a:ln>
+                <a:noFill/>
+              </a:ln>
+            </p:spPr>
+            <p:style>
+              <a:lnRef idx="2">
+                <a:schemeClr val="accent1">
+                  <a:shade val="50000"/>
+                </a:schemeClr>
+              </a:lnRef>
+              <a:fillRef idx="1">
+                <a:schemeClr val="accent1"/>
+              </a:fillRef>
+              <a:effectRef idx="0">
+                <a:schemeClr val="accent1"/>
+              </a:effectRef>
+              <a:fontRef idx="minor">
+                <a:schemeClr val="lt1"/>
+              </a:fontRef>
+            </p:style>
+            <p:txBody>
+              <a:bodyPr rtlCol="0" anchor="ctr"/>
+              <a:lstStyle/>
+              <a:p>
+                <a:pPr algn="ctr"/>
+                <a:endParaRPr lang="en-US"/>
+              </a:p>
+            </p:txBody>
+          </p:sp>
+          <p:sp>
+            <p:nvSpPr>
+              <p:cNvPr id="30" name="Rectangle 29">
+                <a:extLst>
+                  <a:ext uri="{FF2B5EF4-FFF2-40B4-BE49-F238E27FC236}">
+                    <a16:creationId xmlns:a16="http://schemas.microsoft.com/office/drawing/2014/main" id="{F3E77771-11D4-4B99-883A-4912FC181F9F}"/>
+                  </a:ext>
+                </a:extLst>
+              </p:cNvPr>
+              <p:cNvSpPr/>
+              <p:nvPr/>
+            </p:nvSpPr>
+            <p:spPr>
+              <a:xfrm rot="13303060">
+                <a:off x="1479071" y="4064247"/>
+                <a:ext cx="221002" cy="73723"/>
+              </a:xfrm>
+              <a:prstGeom prst="rect">
+                <a:avLst/>
+              </a:prstGeom>
+              <a:solidFill>
+                <a:srgbClr val="B08058"/>
+              </a:solidFill>
+              <a:ln>
+                <a:noFill/>
+              </a:ln>
+            </p:spPr>
+            <p:style>
+              <a:lnRef idx="2">
+                <a:schemeClr val="accent1">
+                  <a:shade val="50000"/>
+                </a:schemeClr>
+              </a:lnRef>
+              <a:fillRef idx="1">
+                <a:schemeClr val="accent1"/>
+              </a:fillRef>
+              <a:effectRef idx="0">
+                <a:schemeClr val="accent1"/>
+              </a:effectRef>
+              <a:fontRef idx="minor">
+                <a:schemeClr val="lt1"/>
+              </a:fontRef>
+            </p:style>
+            <p:txBody>
+              <a:bodyPr rtlCol="0" anchor="ctr"/>
+              <a:lstStyle/>
+              <a:p>
+                <a:pPr algn="ctr"/>
+                <a:endParaRPr lang="en-US"/>
+              </a:p>
+            </p:txBody>
+          </p:sp>
+          <p:sp>
+            <p:nvSpPr>
+              <p:cNvPr id="31" name="Rectangle 30">
+                <a:extLst>
+                  <a:ext uri="{FF2B5EF4-FFF2-40B4-BE49-F238E27FC236}">
+                    <a16:creationId xmlns:a16="http://schemas.microsoft.com/office/drawing/2014/main" id="{028836A6-7FC9-4C73-9A34-EAECD63EB675}"/>
+                  </a:ext>
+                </a:extLst>
+              </p:cNvPr>
+              <p:cNvSpPr/>
+              <p:nvPr/>
+            </p:nvSpPr>
+            <p:spPr>
+              <a:xfrm rot="10800000">
+                <a:off x="1334225" y="4037758"/>
+                <a:ext cx="427899" cy="109813"/>
+              </a:xfrm>
+              <a:prstGeom prst="rect">
+                <a:avLst/>
+              </a:prstGeom>
+              <a:solidFill>
+                <a:srgbClr val="B08058"/>
+              </a:solidFill>
+              <a:ln>
+                <a:noFill/>
+              </a:ln>
+            </p:spPr>
+            <p:style>
+              <a:lnRef idx="2">
+                <a:schemeClr val="accent1">
+                  <a:shade val="50000"/>
+                </a:schemeClr>
+              </a:lnRef>
+              <a:fillRef idx="1">
+                <a:schemeClr val="accent1"/>
+              </a:fillRef>
+              <a:effectRef idx="0">
+                <a:schemeClr val="accent1"/>
+              </a:effectRef>
+              <a:fontRef idx="minor">
+                <a:schemeClr val="lt1"/>
+              </a:fontRef>
+            </p:style>
+            <p:txBody>
+              <a:bodyPr rtlCol="0" anchor="ctr"/>
+              <a:lstStyle/>
+              <a:p>
+                <a:pPr algn="ctr"/>
+                <a:endParaRPr lang="en-US"/>
+              </a:p>
+            </p:txBody>
+          </p:sp>
+          <p:sp>
+            <p:nvSpPr>
+              <p:cNvPr id="32" name="Rectangle 31">
+                <a:extLst>
+                  <a:ext uri="{FF2B5EF4-FFF2-40B4-BE49-F238E27FC236}">
+                    <a16:creationId xmlns:a16="http://schemas.microsoft.com/office/drawing/2014/main" id="{4F82A60A-7C54-4247-A80A-8F321BEC5F32}"/>
+                  </a:ext>
+                </a:extLst>
+              </p:cNvPr>
+              <p:cNvSpPr/>
+              <p:nvPr/>
+            </p:nvSpPr>
+            <p:spPr>
+              <a:xfrm rot="9221647">
+                <a:off x="1727564" y="4039477"/>
+                <a:ext cx="62226" cy="233086"/>
+              </a:xfrm>
+              <a:prstGeom prst="rect">
+                <a:avLst/>
+              </a:prstGeom>
+              <a:solidFill>
+                <a:srgbClr val="B08058"/>
+              </a:solidFill>
+              <a:ln>
+                <a:noFill/>
+              </a:ln>
+            </p:spPr>
+            <p:style>
+              <a:lnRef idx="2">
+                <a:schemeClr val="accent1">
+                  <a:shade val="50000"/>
+                </a:schemeClr>
+              </a:lnRef>
+              <a:fillRef idx="1">
+                <a:schemeClr val="accent1"/>
+              </a:fillRef>
+              <a:effectRef idx="0">
+                <a:schemeClr val="accent1"/>
+              </a:effectRef>
+              <a:fontRef idx="minor">
+                <a:schemeClr val="lt1"/>
+              </a:fontRef>
+            </p:style>
+            <p:txBody>
+              <a:bodyPr rtlCol="0" anchor="ctr"/>
+              <a:lstStyle/>
+              <a:p>
+                <a:pPr algn="ctr"/>
+                <a:endParaRPr lang="en-US"/>
+              </a:p>
+            </p:txBody>
+          </p:sp>
+          <p:sp>
+            <p:nvSpPr>
+              <p:cNvPr id="28" name="Arc 27">
+                <a:extLst>
+                  <a:ext uri="{FF2B5EF4-FFF2-40B4-BE49-F238E27FC236}">
+                    <a16:creationId xmlns:a16="http://schemas.microsoft.com/office/drawing/2014/main" id="{F2A80048-2EA3-4DD3-8C5D-F101DA25DB0A}"/>
+                  </a:ext>
+                </a:extLst>
+              </p:cNvPr>
+              <p:cNvSpPr/>
+              <p:nvPr/>
+            </p:nvSpPr>
+            <p:spPr>
+              <a:xfrm>
+                <a:off x="1524676" y="4202565"/>
+                <a:ext cx="194310" cy="45719"/>
+              </a:xfrm>
+              <a:prstGeom prst="arc">
+                <a:avLst/>
+              </a:prstGeom>
+            </p:spPr>
+            <p:style>
+              <a:lnRef idx="3">
+                <a:schemeClr val="dk1"/>
+              </a:lnRef>
+              <a:fillRef idx="0">
+                <a:schemeClr val="dk1"/>
+              </a:fillRef>
+              <a:effectRef idx="2">
+                <a:schemeClr val="dk1"/>
+              </a:effectRef>
+              <a:fontRef idx="minor">
+                <a:schemeClr val="tx1"/>
+              </a:fontRef>
+            </p:style>
+            <p:txBody>
+              <a:bodyPr rtlCol="0" anchor="ctr"/>
+              <a:lstStyle/>
+              <a:p>
+                <a:pPr algn="ctr"/>
+                <a:endParaRPr lang="en-US"/>
+              </a:p>
+            </p:txBody>
+          </p:sp>
+          <p:sp>
+            <p:nvSpPr>
+              <p:cNvPr id="37" name="Arc 36">
+                <a:extLst>
+                  <a:ext uri="{FF2B5EF4-FFF2-40B4-BE49-F238E27FC236}">
+                    <a16:creationId xmlns:a16="http://schemas.microsoft.com/office/drawing/2014/main" id="{4CA4B2B2-5566-4D1B-A1F5-4BE67BFB5736}"/>
+                  </a:ext>
+                </a:extLst>
+              </p:cNvPr>
+              <p:cNvSpPr/>
+              <p:nvPr/>
+            </p:nvSpPr>
+            <p:spPr>
+              <a:xfrm flipH="1">
+                <a:off x="1396571" y="4200258"/>
+                <a:ext cx="194516" cy="45719"/>
+              </a:xfrm>
+              <a:prstGeom prst="arc">
+                <a:avLst/>
+              </a:prstGeom>
+            </p:spPr>
+            <p:style>
+              <a:lnRef idx="3">
+                <a:schemeClr val="dk1"/>
+              </a:lnRef>
+              <a:fillRef idx="0">
+                <a:schemeClr val="dk1"/>
+              </a:fillRef>
+              <a:effectRef idx="2">
+                <a:schemeClr val="dk1"/>
+              </a:effectRef>
+              <a:fontRef idx="minor">
+                <a:schemeClr val="tx1"/>
+              </a:fontRef>
+            </p:style>
+            <p:txBody>
+              <a:bodyPr rtlCol="0" anchor="ctr"/>
+              <a:lstStyle/>
+              <a:p>
+                <a:pPr algn="ctr"/>
+                <a:endParaRPr lang="en-US"/>
+              </a:p>
+            </p:txBody>
+          </p:sp>
+          <p:sp>
+            <p:nvSpPr>
+              <p:cNvPr id="36" name="Oval 35">
+                <a:extLst>
+                  <a:ext uri="{FF2B5EF4-FFF2-40B4-BE49-F238E27FC236}">
+                    <a16:creationId xmlns:a16="http://schemas.microsoft.com/office/drawing/2014/main" id="{7ED49598-4DFF-4A0D-9DF6-50EE736E8843}"/>
+                  </a:ext>
+                </a:extLst>
+              </p:cNvPr>
+              <p:cNvSpPr/>
+              <p:nvPr/>
+            </p:nvSpPr>
+            <p:spPr>
+              <a:xfrm>
+                <a:off x="1404609" y="4221757"/>
+                <a:ext cx="112030" cy="45719"/>
+              </a:xfrm>
+              <a:prstGeom prst="ellipse">
+                <a:avLst/>
+              </a:prstGeom>
+              <a:solidFill>
+                <a:schemeClr val="bg1"/>
+              </a:solidFill>
+              <a:ln>
+                <a:noFill/>
+              </a:ln>
+            </p:spPr>
+            <p:style>
+              <a:lnRef idx="2">
+                <a:schemeClr val="accent1">
+                  <a:shade val="50000"/>
+                </a:schemeClr>
+              </a:lnRef>
+              <a:fillRef idx="1">
+                <a:schemeClr val="accent1"/>
+              </a:fillRef>
+              <a:effectRef idx="0">
+                <a:schemeClr val="accent1"/>
+              </a:effectRef>
+              <a:fontRef idx="minor">
+                <a:schemeClr val="lt1"/>
+              </a:fontRef>
+            </p:style>
+            <p:txBody>
+              <a:bodyPr rtlCol="0" anchor="ctr"/>
+              <a:lstStyle/>
+              <a:p>
+                <a:pPr algn="ctr"/>
+                <a:endParaRPr lang="en-US"/>
+              </a:p>
+            </p:txBody>
+          </p:sp>
+          <p:sp>
+            <p:nvSpPr>
+              <p:cNvPr id="39" name="Oval 38">
+                <a:extLst>
+                  <a:ext uri="{FF2B5EF4-FFF2-40B4-BE49-F238E27FC236}">
+                    <a16:creationId xmlns:a16="http://schemas.microsoft.com/office/drawing/2014/main" id="{62163438-0646-4D75-B8D8-8CD0E2C8F5F0}"/>
+                  </a:ext>
+                </a:extLst>
+              </p:cNvPr>
+              <p:cNvSpPr/>
+              <p:nvPr/>
+            </p:nvSpPr>
+            <p:spPr>
+              <a:xfrm>
+                <a:off x="1594402" y="4223117"/>
+                <a:ext cx="112030" cy="45719"/>
+              </a:xfrm>
+              <a:prstGeom prst="ellipse">
+                <a:avLst/>
+              </a:prstGeom>
+              <a:solidFill>
+                <a:schemeClr val="bg1"/>
+              </a:solidFill>
+              <a:ln>
+                <a:noFill/>
+              </a:ln>
+            </p:spPr>
+            <p:style>
+              <a:lnRef idx="2">
+                <a:schemeClr val="accent1">
+                  <a:shade val="50000"/>
+                </a:schemeClr>
+              </a:lnRef>
+              <a:fillRef idx="1">
+                <a:schemeClr val="accent1"/>
+              </a:fillRef>
+              <a:effectRef idx="0">
+                <a:schemeClr val="accent1"/>
+              </a:effectRef>
+              <a:fontRef idx="minor">
+                <a:schemeClr val="lt1"/>
+              </a:fontRef>
+            </p:style>
+            <p:txBody>
+              <a:bodyPr rtlCol="0" anchor="ctr"/>
+              <a:lstStyle/>
+              <a:p>
+                <a:pPr algn="ctr"/>
+                <a:endParaRPr lang="en-US"/>
+              </a:p>
+            </p:txBody>
+          </p:sp>
+          <p:cxnSp>
+            <p:nvCxnSpPr>
+              <p:cNvPr id="40" name="Straight Connector 39">
+                <a:extLst>
+                  <a:ext uri="{FF2B5EF4-FFF2-40B4-BE49-F238E27FC236}">
+                    <a16:creationId xmlns:a16="http://schemas.microsoft.com/office/drawing/2014/main" id="{4463F552-601A-4EBF-8CC4-CD2D0425E403}"/>
+                  </a:ext>
+                </a:extLst>
+              </p:cNvPr>
+              <p:cNvCxnSpPr/>
+              <p:nvPr/>
+            </p:nvCxnSpPr>
+            <p:spPr>
+              <a:xfrm flipH="1">
+                <a:off x="1537434" y="4244616"/>
+                <a:ext cx="10740" cy="68304"/>
+              </a:xfrm>
+              <a:prstGeom prst="line">
+                <a:avLst/>
+              </a:prstGeom>
+            </p:spPr>
+            <p:style>
+              <a:lnRef idx="1">
+                <a:schemeClr val="dk1"/>
+              </a:lnRef>
+              <a:fillRef idx="0">
+                <a:schemeClr val="dk1"/>
+              </a:fillRef>
+              <a:effectRef idx="0">
+                <a:schemeClr val="dk1"/>
+              </a:effectRef>
+              <a:fontRef idx="minor">
+                <a:schemeClr val="tx1"/>
+              </a:fontRef>
+            </p:style>
+          </p:cxnSp>
+          <p:cxnSp>
+            <p:nvCxnSpPr>
+              <p:cNvPr id="42" name="Straight Connector 41">
+                <a:extLst>
+                  <a:ext uri="{FF2B5EF4-FFF2-40B4-BE49-F238E27FC236}">
+                    <a16:creationId xmlns:a16="http://schemas.microsoft.com/office/drawing/2014/main" id="{E7CF3264-4197-4FA4-9F1C-52575068D15C}"/>
+                  </a:ext>
+                </a:extLst>
+              </p:cNvPr>
+              <p:cNvCxnSpPr>
+                <a:cxnSpLocks/>
+              </p:cNvCxnSpPr>
+              <p:nvPr/>
+            </p:nvCxnSpPr>
+            <p:spPr>
+              <a:xfrm flipH="1">
+                <a:off x="1541043" y="4310887"/>
+                <a:ext cx="27926" cy="1"/>
+              </a:xfrm>
+              <a:prstGeom prst="line">
+                <a:avLst/>
+              </a:prstGeom>
+            </p:spPr>
+            <p:style>
+              <a:lnRef idx="1">
+                <a:schemeClr val="dk1"/>
+              </a:lnRef>
+              <a:fillRef idx="0">
+                <a:schemeClr val="dk1"/>
+              </a:fillRef>
+              <a:effectRef idx="0">
+                <a:schemeClr val="dk1"/>
+              </a:effectRef>
+              <a:fontRef idx="minor">
+                <a:schemeClr val="tx1"/>
+              </a:fontRef>
+            </p:style>
+          </p:cxnSp>
+          <p:sp>
+            <p:nvSpPr>
+              <p:cNvPr id="44" name="Arc 43">
+                <a:extLst>
+                  <a:ext uri="{FF2B5EF4-FFF2-40B4-BE49-F238E27FC236}">
+                    <a16:creationId xmlns:a16="http://schemas.microsoft.com/office/drawing/2014/main" id="{122C27DF-DD61-46B5-87DD-FBC0FA2C8DD1}"/>
+                  </a:ext>
+                </a:extLst>
+              </p:cNvPr>
+              <p:cNvSpPr/>
+              <p:nvPr/>
+            </p:nvSpPr>
+            <p:spPr>
+              <a:xfrm rot="7767881">
+                <a:off x="1451426" y="4188268"/>
+                <a:ext cx="163720" cy="205740"/>
+              </a:xfrm>
+              <a:prstGeom prst="arc">
+                <a:avLst/>
+              </a:prstGeom>
+              <a:ln>
+                <a:solidFill>
+                  <a:srgbClr val="C00000"/>
+                </a:solidFill>
+              </a:ln>
+            </p:spPr>
+            <p:style>
+              <a:lnRef idx="1">
+                <a:schemeClr val="accent1"/>
+              </a:lnRef>
+              <a:fillRef idx="0">
+                <a:schemeClr val="accent1"/>
+              </a:fillRef>
+              <a:effectRef idx="0">
+                <a:schemeClr val="accent1"/>
+              </a:effectRef>
+              <a:fontRef idx="minor">
+                <a:schemeClr val="tx1"/>
+              </a:fontRef>
+            </p:style>
+            <p:txBody>
+              <a:bodyPr rtlCol="0" anchor="ctr"/>
+              <a:lstStyle/>
+              <a:p>
+                <a:pPr algn="ctr"/>
+                <a:endParaRPr lang="en-US"/>
+              </a:p>
+            </p:txBody>
+          </p:sp>
+          <p:sp>
+            <p:nvSpPr>
+              <p:cNvPr id="45" name="Oval 44">
+                <a:extLst>
+                  <a:ext uri="{FF2B5EF4-FFF2-40B4-BE49-F238E27FC236}">
+                    <a16:creationId xmlns:a16="http://schemas.microsoft.com/office/drawing/2014/main" id="{F8BC9B64-27F0-4102-9D06-E202750CF609}"/>
+                  </a:ext>
+                </a:extLst>
+              </p:cNvPr>
+              <p:cNvSpPr/>
+              <p:nvPr/>
+            </p:nvSpPr>
+            <p:spPr>
+              <a:xfrm flipV="1">
+                <a:off x="1437058" y="4223833"/>
+                <a:ext cx="45719" cy="45719"/>
+              </a:xfrm>
+              <a:prstGeom prst="ellipse">
+                <a:avLst/>
+              </a:prstGeom>
+              <a:ln>
+                <a:noFill/>
+              </a:ln>
+            </p:spPr>
+            <p:style>
+              <a:lnRef idx="2">
+                <a:schemeClr val="accent1">
+                  <a:shade val="50000"/>
+                </a:schemeClr>
+              </a:lnRef>
+              <a:fillRef idx="1">
+                <a:schemeClr val="accent1"/>
+              </a:fillRef>
+              <a:effectRef idx="0">
+                <a:schemeClr val="accent1"/>
+              </a:effectRef>
+              <a:fontRef idx="minor">
+                <a:schemeClr val="lt1"/>
+              </a:fontRef>
+            </p:style>
+            <p:txBody>
+              <a:bodyPr rtlCol="0" anchor="ctr"/>
+              <a:lstStyle/>
+              <a:p>
+                <a:pPr algn="ctr"/>
+                <a:endParaRPr lang="en-US"/>
+              </a:p>
+            </p:txBody>
+          </p:sp>
+          <p:sp>
+            <p:nvSpPr>
+              <p:cNvPr id="48" name="Oval 47">
+                <a:extLst>
+                  <a:ext uri="{FF2B5EF4-FFF2-40B4-BE49-F238E27FC236}">
+                    <a16:creationId xmlns:a16="http://schemas.microsoft.com/office/drawing/2014/main" id="{867966B4-1887-4030-9BD7-4C08C4FAF2C5}"/>
+                  </a:ext>
+                </a:extLst>
+              </p:cNvPr>
+              <p:cNvSpPr/>
+              <p:nvPr/>
+            </p:nvSpPr>
+            <p:spPr>
+              <a:xfrm flipV="1">
+                <a:off x="1632986" y="4224754"/>
+                <a:ext cx="45719" cy="45719"/>
+              </a:xfrm>
+              <a:prstGeom prst="ellipse">
+                <a:avLst/>
+              </a:prstGeom>
+              <a:ln>
+                <a:noFill/>
+              </a:ln>
+            </p:spPr>
+            <p:style>
+              <a:lnRef idx="2">
+                <a:schemeClr val="accent1">
+                  <a:shade val="50000"/>
+                </a:schemeClr>
+              </a:lnRef>
+              <a:fillRef idx="1">
+                <a:schemeClr val="accent1"/>
+              </a:fillRef>
+              <a:effectRef idx="0">
+                <a:schemeClr val="accent1"/>
+              </a:effectRef>
+              <a:fontRef idx="minor">
+                <a:schemeClr val="lt1"/>
+              </a:fontRef>
+            </p:style>
+            <p:txBody>
+              <a:bodyPr rtlCol="0" anchor="ctr"/>
+              <a:lstStyle/>
+              <a:p>
+                <a:pPr algn="ctr"/>
+                <a:endParaRPr lang="en-US"/>
+              </a:p>
+            </p:txBody>
+          </p:sp>
+          <mc:AlternateContent xmlns:mc="http://schemas.openxmlformats.org/markup-compatibility/2006" xmlns:p14="http://schemas.microsoft.com/office/powerpoint/2010/main">
+            <mc:Choice Requires="p14">
+              <p:contentPart p14:bwMode="auto" r:id="rId2">
+                <p14:nvContentPartPr>
+                  <p14:cNvPr id="50" name="Ink 49">
+                    <a:extLst>
+                      <a:ext uri="{FF2B5EF4-FFF2-40B4-BE49-F238E27FC236}">
+                        <a16:creationId xmlns:a16="http://schemas.microsoft.com/office/drawing/2014/main" id="{F3452767-C554-4D1E-8B2C-7E7914127FDD}"/>
+                      </a:ext>
+                    </a:extLst>
+                  </p14:cNvPr>
+                  <p14:cNvContentPartPr/>
+                  <p14:nvPr/>
+                </p14:nvContentPartPr>
+                <p14:xfrm>
+                  <a:off x="1459032" y="4244280"/>
+                  <a:ext cx="288" cy="288"/>
+                </p14:xfrm>
+              </p:contentPart>
+            </mc:Choice>
+            <mc:Fallback xmlns="">
+              <p:pic>
+                <p:nvPicPr>
+                  <p:cNvPr id="50" name="Ink 49">
+                    <a:extLst>
+                      <a:ext uri="{FF2B5EF4-FFF2-40B4-BE49-F238E27FC236}">
+                        <a16:creationId xmlns:a16="http://schemas.microsoft.com/office/drawing/2014/main" id="{F3452767-C554-4D1E-8B2C-7E7914127FDD}"/>
+                      </a:ext>
+                    </a:extLst>
+                  </p:cNvPr>
+                  <p:cNvPicPr/>
+                  <p:nvPr/>
+                </p:nvPicPr>
+                <p:blipFill>
+                  <a:blip r:embed="rId4"/>
+                  <a:stretch>
+                    <a:fillRect/>
+                  </a:stretch>
+                </p:blipFill>
+                <p:spPr>
+                  <a:xfrm>
+                    <a:off x="1455000" y="4240248"/>
+                    <a:ext cx="8064" cy="8064"/>
+                  </a:xfrm>
+                  <a:prstGeom prst="rect">
+                    <a:avLst/>
+                  </a:prstGeom>
+                </p:spPr>
+              </p:pic>
+            </mc:Fallback>
+          </mc:AlternateContent>
+          <mc:AlternateContent xmlns:mc="http://schemas.openxmlformats.org/markup-compatibility/2006" xmlns:p14="http://schemas.microsoft.com/office/powerpoint/2010/main">
+            <mc:Choice Requires="p14">
+              <p:contentPart p14:bwMode="auto" r:id="rId5">
+                <p14:nvContentPartPr>
+                  <p14:cNvPr id="51" name="Ink 50">
+                    <a:extLst>
+                      <a:ext uri="{FF2B5EF4-FFF2-40B4-BE49-F238E27FC236}">
+                        <a16:creationId xmlns:a16="http://schemas.microsoft.com/office/drawing/2014/main" id="{FC4B981C-6C22-45AD-B930-B883800CB676}"/>
+                      </a:ext>
+                    </a:extLst>
+                  </p14:cNvPr>
+                  <p14:cNvContentPartPr/>
+                  <p14:nvPr/>
+                </p14:nvContentPartPr>
+                <p14:xfrm>
+                  <a:off x="1655160" y="4244280"/>
+                  <a:ext cx="288" cy="288"/>
+                </p14:xfrm>
+              </p:contentPart>
+            </mc:Choice>
+            <mc:Fallback xmlns="">
+              <p:pic>
+                <p:nvPicPr>
+                  <p:cNvPr id="51" name="Ink 50">
+                    <a:extLst>
+                      <a:ext uri="{FF2B5EF4-FFF2-40B4-BE49-F238E27FC236}">
+                        <a16:creationId xmlns:a16="http://schemas.microsoft.com/office/drawing/2014/main" id="{FC4B981C-6C22-45AD-B930-B883800CB676}"/>
+                      </a:ext>
+                    </a:extLst>
+                  </p:cNvPr>
+                  <p:cNvPicPr/>
+                  <p:nvPr/>
+                </p:nvPicPr>
+                <p:blipFill>
+                  <a:blip r:embed="rId4"/>
+                  <a:stretch>
+                    <a:fillRect/>
+                  </a:stretch>
+                </p:blipFill>
+                <p:spPr>
+                  <a:xfrm>
+                    <a:off x="1651128" y="4240248"/>
+                    <a:ext cx="8064" cy="8064"/>
+                  </a:xfrm>
+                  <a:prstGeom prst="rect">
+                    <a:avLst/>
+                  </a:prstGeom>
+                </p:spPr>
+              </p:pic>
+            </mc:Fallback>
+          </mc:AlternateContent>
         </p:grpSp>
+        <p:sp>
+          <p:nvSpPr>
+            <p:cNvPr id="53" name="Rectangle 52">
+              <a:extLst>
+                <a:ext uri="{FF2B5EF4-FFF2-40B4-BE49-F238E27FC236}">
+                  <a16:creationId xmlns:a16="http://schemas.microsoft.com/office/drawing/2014/main" id="{AAEB7C4A-AC50-430E-9D26-9BE7D9907C5E}"/>
+                </a:ext>
+              </a:extLst>
+            </p:cNvPr>
+            <p:cNvSpPr/>
+            <p:nvPr/>
+          </p:nvSpPr>
+          <p:spPr>
+            <a:xfrm>
+              <a:off x="1437058" y="4419720"/>
+              <a:ext cx="227676" cy="116085"/>
+            </a:xfrm>
+            <a:prstGeom prst="rect">
+              <a:avLst/>
+            </a:prstGeom>
+            <a:solidFill>
+              <a:schemeClr val="accent4">
+                <a:lumMod val="40000"/>
+                <a:lumOff val="60000"/>
+              </a:schemeClr>
+            </a:solidFill>
+            <a:ln>
+              <a:noFill/>
+            </a:ln>
+          </p:spPr>
+          <p:style>
+            <a:lnRef idx="2">
+              <a:schemeClr val="accent1">
+                <a:shade val="50000"/>
+              </a:schemeClr>
+            </a:lnRef>
+            <a:fillRef idx="1">
+              <a:schemeClr val="accent1"/>
+            </a:fillRef>
+            <a:effectRef idx="0">
+              <a:schemeClr val="accent1"/>
+            </a:effectRef>
+            <a:fontRef idx="minor">
+              <a:schemeClr val="lt1"/>
+            </a:fontRef>
+          </p:style>
+          <p:txBody>
+            <a:bodyPr rtlCol="0" anchor="ctr"/>
+            <a:lstStyle/>
+            <a:p>
+              <a:pPr algn="ctr"/>
+              <a:endParaRPr lang="en-US"/>
+            </a:p>
+          </p:txBody>
+        </p:sp>
       </p:grpSp>
       <p:sp>
         <p:nvSpPr>
@@ -7826,328 +7873,3501 @@
           </a:p>
         </p:txBody>
       </p:sp>
-      <p:sp>
-        <p:nvSpPr>
-          <p:cNvPr id="83" name="Rectangle 82">
+      <p:grpSp>
+        <p:nvGrpSpPr>
+          <p:cNvPr id="2" name="Group 1">
             <a:extLst>
               <a:ext uri="{FF2B5EF4-FFF2-40B4-BE49-F238E27FC236}">
-                <a16:creationId xmlns:a16="http://schemas.microsoft.com/office/drawing/2014/main" id="{BC9A5952-E891-4D88-991F-A14C7538862B}"/>
+                <a16:creationId xmlns:a16="http://schemas.microsoft.com/office/drawing/2014/main" id="{42220E4A-A31C-4C0E-8A66-09D7CDEA42AF}"/>
               </a:ext>
             </a:extLst>
           </p:cNvPr>
-          <p:cNvSpPr/>
+          <p:cNvGrpSpPr/>
           <p:nvPr/>
-        </p:nvSpPr>
-        <p:spPr>
+        </p:nvGrpSpPr>
+        <p:grpSpPr>
           <a:xfrm>
-            <a:off x="2502502" y="730055"/>
-            <a:ext cx="2170425" cy="1366571"/>
+            <a:off x="525293" y="565162"/>
+            <a:ext cx="4147634" cy="2143125"/>
+            <a:chOff x="525293" y="565162"/>
+            <a:chExt cx="4147634" cy="2143125"/>
           </a:xfrm>
-          <a:prstGeom prst="rect">
-            <a:avLst/>
-          </a:prstGeom>
-          <a:solidFill>
-            <a:schemeClr val="tx1">
-              <a:lumMod val="75000"/>
-              <a:lumOff val="25000"/>
-            </a:schemeClr>
-          </a:solidFill>
-          <a:ln w="76200"/>
-        </p:spPr>
-        <p:style>
-          <a:lnRef idx="2">
-            <a:schemeClr val="dk1"/>
-          </a:lnRef>
-          <a:fillRef idx="1">
-            <a:schemeClr val="lt1"/>
-          </a:fillRef>
-          <a:effectRef idx="0">
-            <a:schemeClr val="dk1"/>
-          </a:effectRef>
-          <a:fontRef idx="minor">
-            <a:schemeClr val="dk1"/>
-          </a:fontRef>
-        </p:style>
-        <p:txBody>
-          <a:bodyPr rtlCol="0" anchor="ctr"/>
-          <a:lstStyle/>
-          <a:p>
-            <a:pPr algn="ctr"/>
-            <a:endParaRPr lang="en-US" dirty="0"/>
-          </a:p>
-        </p:txBody>
-      </p:sp>
-      <p:sp>
-        <p:nvSpPr>
-          <p:cNvPr id="84" name="TextBox 83">
+        </p:grpSpPr>
+        <p:pic>
+          <p:nvPicPr>
+            <p:cNvPr id="4" name="Picture 3">
+              <a:extLst>
+                <a:ext uri="{FF2B5EF4-FFF2-40B4-BE49-F238E27FC236}">
+                  <a16:creationId xmlns:a16="http://schemas.microsoft.com/office/drawing/2014/main" id="{7DE62163-94EE-485C-BB8D-1F6C971A6D37}"/>
+                </a:ext>
+              </a:extLst>
+            </p:cNvPr>
+            <p:cNvPicPr>
+              <a:picLocks noChangeAspect="1"/>
+            </p:cNvPicPr>
+            <p:nvPr/>
+          </p:nvPicPr>
+          <p:blipFill>
+            <a:blip r:embed="rId6">
+              <a:extLst>
+                <a:ext uri="{28A0092B-C50C-407E-A947-70E740481C1C}">
+                  <a14:useLocalDpi xmlns:a14="http://schemas.microsoft.com/office/drawing/2010/main" val="0"/>
+                </a:ext>
+              </a:extLst>
+            </a:blip>
+            <a:stretch>
+              <a:fillRect/>
+            </a:stretch>
+          </p:blipFill>
+          <p:spPr>
+            <a:xfrm>
+              <a:off x="525293" y="565162"/>
+              <a:ext cx="2143125" cy="2143125"/>
+            </a:xfrm>
+            <a:prstGeom prst="rect">
+              <a:avLst/>
+            </a:prstGeom>
+          </p:spPr>
+        </p:pic>
+        <p:sp>
+          <p:nvSpPr>
+            <p:cNvPr id="83" name="Rectangle 82">
+              <a:extLst>
+                <a:ext uri="{FF2B5EF4-FFF2-40B4-BE49-F238E27FC236}">
+                  <a16:creationId xmlns:a16="http://schemas.microsoft.com/office/drawing/2014/main" id="{BC9A5952-E891-4D88-991F-A14C7538862B}"/>
+                </a:ext>
+              </a:extLst>
+            </p:cNvPr>
+            <p:cNvSpPr/>
+            <p:nvPr/>
+          </p:nvSpPr>
+          <p:spPr>
+            <a:xfrm>
+              <a:off x="2502502" y="730055"/>
+              <a:ext cx="2170425" cy="1366571"/>
+            </a:xfrm>
+            <a:prstGeom prst="rect">
+              <a:avLst/>
+            </a:prstGeom>
+            <a:solidFill>
+              <a:schemeClr val="tx1">
+                <a:lumMod val="75000"/>
+                <a:lumOff val="25000"/>
+              </a:schemeClr>
+            </a:solidFill>
+            <a:ln w="76200"/>
+          </p:spPr>
+          <p:style>
+            <a:lnRef idx="2">
+              <a:schemeClr val="dk1"/>
+            </a:lnRef>
+            <a:fillRef idx="1">
+              <a:schemeClr val="lt1"/>
+            </a:fillRef>
+            <a:effectRef idx="0">
+              <a:schemeClr val="dk1"/>
+            </a:effectRef>
+            <a:fontRef idx="minor">
+              <a:schemeClr val="dk1"/>
+            </a:fontRef>
+          </p:style>
+          <p:txBody>
+            <a:bodyPr rtlCol="0" anchor="ctr"/>
+            <a:lstStyle/>
+            <a:p>
+              <a:pPr algn="ctr"/>
+              <a:endParaRPr lang="en-US" dirty="0"/>
+            </a:p>
+          </p:txBody>
+        </p:sp>
+        <p:sp>
+          <p:nvSpPr>
+            <p:cNvPr id="84" name="TextBox 83">
+              <a:extLst>
+                <a:ext uri="{FF2B5EF4-FFF2-40B4-BE49-F238E27FC236}">
+                  <a16:creationId xmlns:a16="http://schemas.microsoft.com/office/drawing/2014/main" id="{F6F1E32B-FD3D-48B3-80D4-89A835CF24F2}"/>
+                </a:ext>
+              </a:extLst>
+            </p:cNvPr>
+            <p:cNvSpPr txBox="1"/>
+            <p:nvPr/>
+          </p:nvSpPr>
+          <p:spPr>
+            <a:xfrm>
+              <a:off x="2547365" y="748506"/>
+              <a:ext cx="1724896" cy="369332"/>
+            </a:xfrm>
+            <a:prstGeom prst="rect">
+              <a:avLst/>
+            </a:prstGeom>
+            <a:noFill/>
+          </p:spPr>
+          <p:txBody>
+            <a:bodyPr wrap="none" rtlCol="0">
+              <a:spAutoFit/>
+            </a:bodyPr>
+            <a:lstStyle/>
+            <a:p>
+              <a:r>
+                <a:rPr lang="en-US" b="1" i="1" dirty="0">
+                  <a:solidFill>
+                    <a:schemeClr val="bg1"/>
+                  </a:solidFill>
+                </a:rPr>
+                <a:t>Hello, John Doe.</a:t>
+              </a:r>
+            </a:p>
+          </p:txBody>
+        </p:sp>
+        <p:sp>
+          <p:nvSpPr>
+            <p:cNvPr id="85" name="Action Button: Go Back or Previous 84">
+              <a:hlinkClick r:id="" action="ppaction://hlinkshowjump?jump=previousslide" highlightClick="1"/>
+              <a:extLst>
+                <a:ext uri="{FF2B5EF4-FFF2-40B4-BE49-F238E27FC236}">
+                  <a16:creationId xmlns:a16="http://schemas.microsoft.com/office/drawing/2014/main" id="{C28F15FE-6EAF-44D8-B02E-19576414647B}"/>
+                </a:ext>
+              </a:extLst>
+            </p:cNvPr>
+            <p:cNvSpPr/>
+            <p:nvPr/>
+          </p:nvSpPr>
+          <p:spPr>
+            <a:xfrm>
+              <a:off x="2558712" y="1284666"/>
+              <a:ext cx="193965" cy="514405"/>
+            </a:xfrm>
+            <a:prstGeom prst="actionButtonBackPrevious">
+              <a:avLst/>
+            </a:prstGeom>
+          </p:spPr>
+          <p:style>
+            <a:lnRef idx="1">
+              <a:schemeClr val="dk1"/>
+            </a:lnRef>
+            <a:fillRef idx="2">
+              <a:schemeClr val="dk1"/>
+            </a:fillRef>
+            <a:effectRef idx="1">
+              <a:schemeClr val="dk1"/>
+            </a:effectRef>
+            <a:fontRef idx="minor">
+              <a:schemeClr val="dk1"/>
+            </a:fontRef>
+          </p:style>
+          <p:txBody>
+            <a:bodyPr rtlCol="0" anchor="ctr"/>
+            <a:lstStyle/>
+            <a:p>
+              <a:pPr algn="ctr"/>
+              <a:endParaRPr lang="en-US"/>
+            </a:p>
+          </p:txBody>
+        </p:sp>
+        <p:sp>
+          <p:nvSpPr>
+            <p:cNvPr id="94" name="Action Button: Go Back or Previous 93">
+              <a:hlinkClick r:id="" action="ppaction://hlinkshowjump?jump=previousslide" highlightClick="1"/>
+              <a:extLst>
+                <a:ext uri="{FF2B5EF4-FFF2-40B4-BE49-F238E27FC236}">
+                  <a16:creationId xmlns:a16="http://schemas.microsoft.com/office/drawing/2014/main" id="{68EA9758-B69C-4D1B-9420-F3D7F443BC42}"/>
+                </a:ext>
+              </a:extLst>
+            </p:cNvPr>
+            <p:cNvSpPr/>
+            <p:nvPr/>
+          </p:nvSpPr>
+          <p:spPr>
+            <a:xfrm rot="10800000">
+              <a:off x="4417059" y="1286075"/>
+              <a:ext cx="193965" cy="514405"/>
+            </a:xfrm>
+            <a:prstGeom prst="actionButtonBackPrevious">
+              <a:avLst/>
+            </a:prstGeom>
+          </p:spPr>
+          <p:style>
+            <a:lnRef idx="1">
+              <a:schemeClr val="dk1"/>
+            </a:lnRef>
+            <a:fillRef idx="2">
+              <a:schemeClr val="dk1"/>
+            </a:fillRef>
+            <a:effectRef idx="1">
+              <a:schemeClr val="dk1"/>
+            </a:effectRef>
+            <a:fontRef idx="minor">
+              <a:schemeClr val="dk1"/>
+            </a:fontRef>
+          </p:style>
+          <p:txBody>
+            <a:bodyPr rtlCol="0" anchor="ctr"/>
+            <a:lstStyle/>
+            <a:p>
+              <a:pPr algn="ctr"/>
+              <a:endParaRPr lang="en-US"/>
+            </a:p>
+          </p:txBody>
+        </p:sp>
+        <p:sp>
+          <p:nvSpPr>
+            <p:cNvPr id="88" name="Rectangle 87">
+              <a:extLst>
+                <a:ext uri="{FF2B5EF4-FFF2-40B4-BE49-F238E27FC236}">
+                  <a16:creationId xmlns:a16="http://schemas.microsoft.com/office/drawing/2014/main" id="{F2E9E2F4-7852-4CEC-AFFB-46C4B64209F6}"/>
+                </a:ext>
+              </a:extLst>
+            </p:cNvPr>
+            <p:cNvSpPr/>
+            <p:nvPr/>
+          </p:nvSpPr>
+          <p:spPr>
+            <a:xfrm>
+              <a:off x="2782359" y="1109525"/>
+              <a:ext cx="1609761" cy="924561"/>
+            </a:xfrm>
+            <a:prstGeom prst="rect">
+              <a:avLst/>
+            </a:prstGeom>
+            <a:solidFill>
+              <a:schemeClr val="accent2"/>
+            </a:solidFill>
+          </p:spPr>
+          <p:style>
+            <a:lnRef idx="2">
+              <a:schemeClr val="dk1"/>
+            </a:lnRef>
+            <a:fillRef idx="1">
+              <a:schemeClr val="lt1"/>
+            </a:fillRef>
+            <a:effectRef idx="0">
+              <a:schemeClr val="dk1"/>
+            </a:effectRef>
+            <a:fontRef idx="minor">
+              <a:schemeClr val="dk1"/>
+            </a:fontRef>
+          </p:style>
+          <p:txBody>
+            <a:bodyPr rtlCol="0" anchor="ctr"/>
+            <a:lstStyle/>
+            <a:p>
+              <a:pPr algn="ctr"/>
+              <a:endParaRPr lang="en-US" dirty="0"/>
+            </a:p>
+          </p:txBody>
+        </p:sp>
+        <p:sp>
+          <p:nvSpPr>
+            <p:cNvPr id="89" name="TextBox 88">
+              <a:extLst>
+                <a:ext uri="{FF2B5EF4-FFF2-40B4-BE49-F238E27FC236}">
+                  <a16:creationId xmlns:a16="http://schemas.microsoft.com/office/drawing/2014/main" id="{828EE234-B53C-4546-A12A-5BEB04DCADB5}"/>
+                </a:ext>
+              </a:extLst>
+            </p:cNvPr>
+            <p:cNvSpPr txBox="1"/>
+            <p:nvPr/>
+          </p:nvSpPr>
+          <p:spPr>
+            <a:xfrm>
+              <a:off x="2756929" y="1088658"/>
+              <a:ext cx="1664495" cy="369332"/>
+            </a:xfrm>
+            <a:prstGeom prst="rect">
+              <a:avLst/>
+            </a:prstGeom>
+            <a:noFill/>
+          </p:spPr>
+          <p:txBody>
+            <a:bodyPr wrap="none" rtlCol="0">
+              <a:spAutoFit/>
+            </a:bodyPr>
+            <a:lstStyle/>
+            <a:p>
+              <a:r>
+                <a:rPr lang="en-US" b="1" dirty="0" err="1">
+                  <a:solidFill>
+                    <a:schemeClr val="accent4">
+                      <a:lumMod val="60000"/>
+                      <a:lumOff val="40000"/>
+                    </a:schemeClr>
+                  </a:solidFill>
+                </a:rPr>
+                <a:t>Wana</a:t>
+              </a:r>
+              <a:r>
+                <a:rPr lang="en-US" b="1" dirty="0">
+                  <a:solidFill>
+                    <a:schemeClr val="accent4">
+                      <a:lumMod val="60000"/>
+                      <a:lumOff val="40000"/>
+                    </a:schemeClr>
+                  </a:solidFill>
+                </a:rPr>
+                <a:t> burn fat?</a:t>
+              </a:r>
+            </a:p>
+          </p:txBody>
+        </p:sp>
+        <p:sp>
+          <p:nvSpPr>
+            <p:cNvPr id="90" name="TextBox 89">
+              <a:extLst>
+                <a:ext uri="{FF2B5EF4-FFF2-40B4-BE49-F238E27FC236}">
+                  <a16:creationId xmlns:a16="http://schemas.microsoft.com/office/drawing/2014/main" id="{01FDA610-E2EA-497F-938C-5529CA255E61}"/>
+                </a:ext>
+              </a:extLst>
+            </p:cNvPr>
+            <p:cNvSpPr txBox="1"/>
+            <p:nvPr/>
+          </p:nvSpPr>
+          <p:spPr>
+            <a:xfrm>
+              <a:off x="2943491" y="1640397"/>
+              <a:ext cx="1485535" cy="369332"/>
+            </a:xfrm>
+            <a:prstGeom prst="rect">
+              <a:avLst/>
+            </a:prstGeom>
+            <a:noFill/>
+          </p:spPr>
+          <p:txBody>
+            <a:bodyPr wrap="none" rtlCol="0">
+              <a:spAutoFit/>
+            </a:bodyPr>
+            <a:lstStyle/>
+            <a:p>
+              <a:r>
+                <a:rPr lang="en-US" b="1" dirty="0">
+                  <a:solidFill>
+                    <a:schemeClr val="accent4">
+                      <a:lumMod val="60000"/>
+                      <a:lumOff val="40000"/>
+                    </a:schemeClr>
+                  </a:solidFill>
+                </a:rPr>
+                <a:t>Try our new…</a:t>
+              </a:r>
+            </a:p>
+          </p:txBody>
+        </p:sp>
+      </p:grpSp>
+      <p:grpSp>
+        <p:nvGrpSpPr>
+          <p:cNvPr id="162" name="Group 161">
             <a:extLst>
               <a:ext uri="{FF2B5EF4-FFF2-40B4-BE49-F238E27FC236}">
-                <a16:creationId xmlns:a16="http://schemas.microsoft.com/office/drawing/2014/main" id="{F6F1E32B-FD3D-48B3-80D4-89A835CF24F2}"/>
+                <a16:creationId xmlns:a16="http://schemas.microsoft.com/office/drawing/2014/main" id="{DE23D4BF-0417-4E67-A965-919143395787}"/>
               </a:ext>
             </a:extLst>
           </p:cNvPr>
-          <p:cNvSpPr txBox="1"/>
+          <p:cNvGrpSpPr/>
           <p:nvPr/>
-        </p:nvSpPr>
-        <p:spPr>
+        </p:nvGrpSpPr>
+        <p:grpSpPr>
           <a:xfrm>
-            <a:off x="2547365" y="748506"/>
-            <a:ext cx="1724896" cy="369332"/>
+            <a:off x="5219164" y="5248568"/>
+            <a:ext cx="2222965" cy="867085"/>
+            <a:chOff x="5219164" y="5248568"/>
+            <a:chExt cx="2222965" cy="867085"/>
           </a:xfrm>
-          <a:prstGeom prst="rect">
-            <a:avLst/>
-          </a:prstGeom>
-          <a:noFill/>
-        </p:spPr>
-        <p:txBody>
-          <a:bodyPr wrap="none" rtlCol="0">
-            <a:spAutoFit/>
-          </a:bodyPr>
-          <a:lstStyle/>
-          <a:p>
-            <a:r>
-              <a:rPr lang="en-US" b="1" i="1" dirty="0">
+        </p:grpSpPr>
+        <p:grpSp>
+          <p:nvGrpSpPr>
+            <p:cNvPr id="156" name="Group 155">
+              <a:extLst>
+                <a:ext uri="{FF2B5EF4-FFF2-40B4-BE49-F238E27FC236}">
+                  <a16:creationId xmlns:a16="http://schemas.microsoft.com/office/drawing/2014/main" id="{0AA98F2A-A438-49DB-B3B1-1673E9CBCB56}"/>
+                </a:ext>
+              </a:extLst>
+            </p:cNvPr>
+            <p:cNvGrpSpPr/>
+            <p:nvPr/>
+          </p:nvGrpSpPr>
+          <p:grpSpPr>
+            <a:xfrm>
+              <a:off x="6663470" y="5248568"/>
+              <a:ext cx="778659" cy="867085"/>
+              <a:chOff x="6008150" y="5453221"/>
+              <a:chExt cx="778659" cy="867085"/>
+            </a:xfrm>
+          </p:grpSpPr>
+          <p:grpSp>
+            <p:nvGrpSpPr>
+              <p:cNvPr id="102" name="Group 101">
+                <a:extLst>
+                  <a:ext uri="{FF2B5EF4-FFF2-40B4-BE49-F238E27FC236}">
+                    <a16:creationId xmlns:a16="http://schemas.microsoft.com/office/drawing/2014/main" id="{A94D9894-D6DD-447F-963D-1BC6197F8166}"/>
+                  </a:ext>
+                </a:extLst>
+              </p:cNvPr>
+              <p:cNvGrpSpPr/>
+              <p:nvPr/>
+            </p:nvGrpSpPr>
+            <p:grpSpPr>
+              <a:xfrm>
+                <a:off x="6008150" y="5453221"/>
+                <a:ext cx="773715" cy="867085"/>
+                <a:chOff x="1278900" y="3993399"/>
+                <a:chExt cx="533275" cy="542406"/>
+              </a:xfrm>
+            </p:grpSpPr>
+            <p:grpSp>
+              <p:nvGrpSpPr>
+                <p:cNvPr id="103" name="Group 102">
+                  <a:extLst>
+                    <a:ext uri="{FF2B5EF4-FFF2-40B4-BE49-F238E27FC236}">
+                      <a16:creationId xmlns:a16="http://schemas.microsoft.com/office/drawing/2014/main" id="{D9465052-C16C-43D7-910F-C0A7D8A676B4}"/>
+                    </a:ext>
+                  </a:extLst>
+                </p:cNvPr>
+                <p:cNvGrpSpPr/>
+                <p:nvPr/>
+              </p:nvGrpSpPr>
+              <p:grpSpPr>
+                <a:xfrm>
+                  <a:off x="1278900" y="3993399"/>
+                  <a:ext cx="533275" cy="462705"/>
+                  <a:chOff x="1278900" y="3993399"/>
+                  <a:chExt cx="533275" cy="462705"/>
+                </a:xfrm>
+              </p:grpSpPr>
+              <p:sp>
+                <p:nvSpPr>
+                  <p:cNvPr id="105" name="Oval 104">
+                    <a:extLst>
+                      <a:ext uri="{FF2B5EF4-FFF2-40B4-BE49-F238E27FC236}">
+                        <a16:creationId xmlns:a16="http://schemas.microsoft.com/office/drawing/2014/main" id="{05FB179D-C9FB-49AA-9E36-C1A6CA24B3E5}"/>
+                      </a:ext>
+                    </a:extLst>
+                  </p:cNvPr>
+                  <p:cNvSpPr/>
+                  <p:nvPr/>
+                </p:nvSpPr>
+                <p:spPr>
+                  <a:xfrm>
+                    <a:off x="1288473" y="4015047"/>
+                    <a:ext cx="523702" cy="441057"/>
+                  </a:xfrm>
+                  <a:prstGeom prst="ellipse">
+                    <a:avLst/>
+                  </a:prstGeom>
+                  <a:solidFill>
+                    <a:schemeClr val="accent4">
+                      <a:lumMod val="40000"/>
+                      <a:lumOff val="60000"/>
+                    </a:schemeClr>
+                  </a:solidFill>
+                  <a:ln>
+                    <a:noFill/>
+                  </a:ln>
+                </p:spPr>
+                <p:style>
+                  <a:lnRef idx="2">
+                    <a:schemeClr val="accent4">
+                      <a:shade val="50000"/>
+                    </a:schemeClr>
+                  </a:lnRef>
+                  <a:fillRef idx="1">
+                    <a:schemeClr val="accent4"/>
+                  </a:fillRef>
+                  <a:effectRef idx="0">
+                    <a:schemeClr val="accent4"/>
+                  </a:effectRef>
+                  <a:fontRef idx="minor">
+                    <a:schemeClr val="lt1"/>
+                  </a:fontRef>
+                </p:style>
+                <p:txBody>
+                  <a:bodyPr rtlCol="0" anchor="ctr"/>
+                  <a:lstStyle/>
+                  <a:p>
+                    <a:pPr algn="ctr"/>
+                    <a:endParaRPr lang="en-US"/>
+                  </a:p>
+                </p:txBody>
+              </p:sp>
+              <p:sp>
+                <p:nvSpPr>
+                  <p:cNvPr id="106" name="Isosceles Triangle 105">
+                    <a:extLst>
+                      <a:ext uri="{FF2B5EF4-FFF2-40B4-BE49-F238E27FC236}">
+                        <a16:creationId xmlns:a16="http://schemas.microsoft.com/office/drawing/2014/main" id="{42280E16-CA6D-489C-8BC0-670D27791C36}"/>
+                      </a:ext>
+                    </a:extLst>
+                  </p:cNvPr>
+                  <p:cNvSpPr/>
+                  <p:nvPr/>
+                </p:nvSpPr>
+                <p:spPr>
+                  <a:xfrm>
+                    <a:off x="1288473" y="3993399"/>
+                    <a:ext cx="523702" cy="99753"/>
+                  </a:xfrm>
+                  <a:prstGeom prst="triangle">
+                    <a:avLst/>
+                  </a:prstGeom>
+                  <a:solidFill>
+                    <a:srgbClr val="B08058"/>
+                  </a:solidFill>
+                  <a:ln>
+                    <a:noFill/>
+                  </a:ln>
+                </p:spPr>
+                <p:style>
+                  <a:lnRef idx="2">
+                    <a:schemeClr val="accent1">
+                      <a:shade val="50000"/>
+                    </a:schemeClr>
+                  </a:lnRef>
+                  <a:fillRef idx="1">
+                    <a:schemeClr val="accent1"/>
+                  </a:fillRef>
+                  <a:effectRef idx="0">
+                    <a:schemeClr val="accent1"/>
+                  </a:effectRef>
+                  <a:fontRef idx="minor">
+                    <a:schemeClr val="lt1"/>
+                  </a:fontRef>
+                </p:style>
+                <p:txBody>
+                  <a:bodyPr rtlCol="0" anchor="ctr"/>
+                  <a:lstStyle/>
+                  <a:p>
+                    <a:pPr algn="ctr"/>
+                    <a:endParaRPr lang="en-US"/>
+                  </a:p>
+                </p:txBody>
+              </p:sp>
+              <p:sp>
+                <p:nvSpPr>
+                  <p:cNvPr id="107" name="Rectangle 106">
+                    <a:extLst>
+                      <a:ext uri="{FF2B5EF4-FFF2-40B4-BE49-F238E27FC236}">
+                        <a16:creationId xmlns:a16="http://schemas.microsoft.com/office/drawing/2014/main" id="{1C5E44A7-96E8-4C83-81C9-515FEFBA6BCB}"/>
+                      </a:ext>
+                    </a:extLst>
+                  </p:cNvPr>
+                  <p:cNvSpPr/>
+                  <p:nvPr/>
+                </p:nvSpPr>
+                <p:spPr>
+                  <a:xfrm rot="490814">
+                    <a:off x="1278900" y="4087749"/>
+                    <a:ext cx="62226" cy="191800"/>
+                  </a:xfrm>
+                  <a:prstGeom prst="rect">
+                    <a:avLst/>
+                  </a:prstGeom>
+                  <a:solidFill>
+                    <a:srgbClr val="B08058"/>
+                  </a:solidFill>
+                  <a:ln>
+                    <a:noFill/>
+                  </a:ln>
+                </p:spPr>
+                <p:style>
+                  <a:lnRef idx="2">
+                    <a:schemeClr val="accent1">
+                      <a:shade val="50000"/>
+                    </a:schemeClr>
+                  </a:lnRef>
+                  <a:fillRef idx="1">
+                    <a:schemeClr val="accent1"/>
+                  </a:fillRef>
+                  <a:effectRef idx="0">
+                    <a:schemeClr val="accent1"/>
+                  </a:effectRef>
+                  <a:fontRef idx="minor">
+                    <a:schemeClr val="lt1"/>
+                  </a:fontRef>
+                </p:style>
+                <p:txBody>
+                  <a:bodyPr rtlCol="0" anchor="ctr"/>
+                  <a:lstStyle/>
+                  <a:p>
+                    <a:pPr algn="ctr"/>
+                    <a:endParaRPr lang="en-US"/>
+                  </a:p>
+                </p:txBody>
+              </p:sp>
+              <p:sp>
+                <p:nvSpPr>
+                  <p:cNvPr id="108" name="Rectangle 107">
+                    <a:extLst>
+                      <a:ext uri="{FF2B5EF4-FFF2-40B4-BE49-F238E27FC236}">
+                        <a16:creationId xmlns:a16="http://schemas.microsoft.com/office/drawing/2014/main" id="{FE09DF94-FA7F-4850-9ED4-92361DD326D0}"/>
+                      </a:ext>
+                    </a:extLst>
+                  </p:cNvPr>
+                  <p:cNvSpPr/>
+                  <p:nvPr/>
+                </p:nvSpPr>
+                <p:spPr>
+                  <a:xfrm rot="9411357">
+                    <a:off x="1430276" y="4037760"/>
+                    <a:ext cx="214316" cy="109813"/>
+                  </a:xfrm>
+                  <a:prstGeom prst="rect">
+                    <a:avLst/>
+                  </a:prstGeom>
+                  <a:solidFill>
+                    <a:srgbClr val="B08058"/>
+                  </a:solidFill>
+                  <a:ln>
+                    <a:noFill/>
+                  </a:ln>
+                </p:spPr>
+                <p:style>
+                  <a:lnRef idx="2">
+                    <a:schemeClr val="accent1">
+                      <a:shade val="50000"/>
+                    </a:schemeClr>
+                  </a:lnRef>
+                  <a:fillRef idx="1">
+                    <a:schemeClr val="accent1"/>
+                  </a:fillRef>
+                  <a:effectRef idx="0">
+                    <a:schemeClr val="accent1"/>
+                  </a:effectRef>
+                  <a:fontRef idx="minor">
+                    <a:schemeClr val="lt1"/>
+                  </a:fontRef>
+                </p:style>
+                <p:txBody>
+                  <a:bodyPr rtlCol="0" anchor="ctr"/>
+                  <a:lstStyle/>
+                  <a:p>
+                    <a:pPr algn="ctr"/>
+                    <a:endParaRPr lang="en-US"/>
+                  </a:p>
+                </p:txBody>
+              </p:sp>
+              <p:sp>
+                <p:nvSpPr>
+                  <p:cNvPr id="109" name="Rectangle 108">
+                    <a:extLst>
+                      <a:ext uri="{FF2B5EF4-FFF2-40B4-BE49-F238E27FC236}">
+                        <a16:creationId xmlns:a16="http://schemas.microsoft.com/office/drawing/2014/main" id="{D11FDDAE-EACF-4D3C-A858-FB70BFC1A691}"/>
+                      </a:ext>
+                    </a:extLst>
+                  </p:cNvPr>
+                  <p:cNvSpPr/>
+                  <p:nvPr/>
+                </p:nvSpPr>
+                <p:spPr>
+                  <a:xfrm rot="13303060">
+                    <a:off x="1479071" y="4064247"/>
+                    <a:ext cx="221002" cy="73723"/>
+                  </a:xfrm>
+                  <a:prstGeom prst="rect">
+                    <a:avLst/>
+                  </a:prstGeom>
+                  <a:solidFill>
+                    <a:srgbClr val="B08058"/>
+                  </a:solidFill>
+                  <a:ln>
+                    <a:noFill/>
+                  </a:ln>
+                </p:spPr>
+                <p:style>
+                  <a:lnRef idx="2">
+                    <a:schemeClr val="accent1">
+                      <a:shade val="50000"/>
+                    </a:schemeClr>
+                  </a:lnRef>
+                  <a:fillRef idx="1">
+                    <a:schemeClr val="accent1"/>
+                  </a:fillRef>
+                  <a:effectRef idx="0">
+                    <a:schemeClr val="accent1"/>
+                  </a:effectRef>
+                  <a:fontRef idx="minor">
+                    <a:schemeClr val="lt1"/>
+                  </a:fontRef>
+                </p:style>
+                <p:txBody>
+                  <a:bodyPr rtlCol="0" anchor="ctr"/>
+                  <a:lstStyle/>
+                  <a:p>
+                    <a:pPr algn="ctr"/>
+                    <a:endParaRPr lang="en-US"/>
+                  </a:p>
+                </p:txBody>
+              </p:sp>
+              <p:sp>
+                <p:nvSpPr>
+                  <p:cNvPr id="110" name="Rectangle 109">
+                    <a:extLst>
+                      <a:ext uri="{FF2B5EF4-FFF2-40B4-BE49-F238E27FC236}">
+                        <a16:creationId xmlns:a16="http://schemas.microsoft.com/office/drawing/2014/main" id="{E780DF00-BBB9-4C4B-9CF6-AA50E13D83ED}"/>
+                      </a:ext>
+                    </a:extLst>
+                  </p:cNvPr>
+                  <p:cNvSpPr/>
+                  <p:nvPr/>
+                </p:nvSpPr>
+                <p:spPr>
+                  <a:xfrm rot="10800000">
+                    <a:off x="1334225" y="4037758"/>
+                    <a:ext cx="427899" cy="109813"/>
+                  </a:xfrm>
+                  <a:prstGeom prst="rect">
+                    <a:avLst/>
+                  </a:prstGeom>
+                  <a:solidFill>
+                    <a:srgbClr val="B08058"/>
+                  </a:solidFill>
+                  <a:ln>
+                    <a:noFill/>
+                  </a:ln>
+                </p:spPr>
+                <p:style>
+                  <a:lnRef idx="2">
+                    <a:schemeClr val="accent1">
+                      <a:shade val="50000"/>
+                    </a:schemeClr>
+                  </a:lnRef>
+                  <a:fillRef idx="1">
+                    <a:schemeClr val="accent1"/>
+                  </a:fillRef>
+                  <a:effectRef idx="0">
+                    <a:schemeClr val="accent1"/>
+                  </a:effectRef>
+                  <a:fontRef idx="minor">
+                    <a:schemeClr val="lt1"/>
+                  </a:fontRef>
+                </p:style>
+                <p:txBody>
+                  <a:bodyPr rtlCol="0" anchor="ctr"/>
+                  <a:lstStyle/>
+                  <a:p>
+                    <a:pPr algn="ctr"/>
+                    <a:endParaRPr lang="en-US"/>
+                  </a:p>
+                </p:txBody>
+              </p:sp>
+              <p:sp>
+                <p:nvSpPr>
+                  <p:cNvPr id="111" name="Rectangle 110">
+                    <a:extLst>
+                      <a:ext uri="{FF2B5EF4-FFF2-40B4-BE49-F238E27FC236}">
+                        <a16:creationId xmlns:a16="http://schemas.microsoft.com/office/drawing/2014/main" id="{A8336634-6337-4C2A-991B-323C0AAF889A}"/>
+                      </a:ext>
+                    </a:extLst>
+                  </p:cNvPr>
+                  <p:cNvSpPr/>
+                  <p:nvPr/>
+                </p:nvSpPr>
+                <p:spPr>
+                  <a:xfrm rot="9221647">
+                    <a:off x="1727564" y="4039477"/>
+                    <a:ext cx="62226" cy="233086"/>
+                  </a:xfrm>
+                  <a:prstGeom prst="rect">
+                    <a:avLst/>
+                  </a:prstGeom>
+                  <a:solidFill>
+                    <a:srgbClr val="B08058"/>
+                  </a:solidFill>
+                  <a:ln>
+                    <a:noFill/>
+                  </a:ln>
+                </p:spPr>
+                <p:style>
+                  <a:lnRef idx="2">
+                    <a:schemeClr val="accent1">
+                      <a:shade val="50000"/>
+                    </a:schemeClr>
+                  </a:lnRef>
+                  <a:fillRef idx="1">
+                    <a:schemeClr val="accent1"/>
+                  </a:fillRef>
+                  <a:effectRef idx="0">
+                    <a:schemeClr val="accent1"/>
+                  </a:effectRef>
+                  <a:fontRef idx="minor">
+                    <a:schemeClr val="lt1"/>
+                  </a:fontRef>
+                </p:style>
+                <p:txBody>
+                  <a:bodyPr rtlCol="0" anchor="ctr"/>
+                  <a:lstStyle/>
+                  <a:p>
+                    <a:pPr algn="ctr"/>
+                    <a:endParaRPr lang="en-US"/>
+                  </a:p>
+                </p:txBody>
+              </p:sp>
+              <p:sp>
+                <p:nvSpPr>
+                  <p:cNvPr id="112" name="Arc 111">
+                    <a:extLst>
+                      <a:ext uri="{FF2B5EF4-FFF2-40B4-BE49-F238E27FC236}">
+                        <a16:creationId xmlns:a16="http://schemas.microsoft.com/office/drawing/2014/main" id="{D85CD1F1-895B-4C43-A187-6A16FE764C5A}"/>
+                      </a:ext>
+                    </a:extLst>
+                  </p:cNvPr>
+                  <p:cNvSpPr/>
+                  <p:nvPr/>
+                </p:nvSpPr>
+                <p:spPr>
+                  <a:xfrm>
+                    <a:off x="1524676" y="4202565"/>
+                    <a:ext cx="194310" cy="45719"/>
+                  </a:xfrm>
+                  <a:prstGeom prst="arc">
+                    <a:avLst/>
+                  </a:prstGeom>
+                </p:spPr>
+                <p:style>
+                  <a:lnRef idx="3">
+                    <a:schemeClr val="dk1"/>
+                  </a:lnRef>
+                  <a:fillRef idx="0">
+                    <a:schemeClr val="dk1"/>
+                  </a:fillRef>
+                  <a:effectRef idx="2">
+                    <a:schemeClr val="dk1"/>
+                  </a:effectRef>
+                  <a:fontRef idx="minor">
+                    <a:schemeClr val="tx1"/>
+                  </a:fontRef>
+                </p:style>
+                <p:txBody>
+                  <a:bodyPr rtlCol="0" anchor="ctr"/>
+                  <a:lstStyle/>
+                  <a:p>
+                    <a:pPr algn="ctr"/>
+                    <a:endParaRPr lang="en-US"/>
+                  </a:p>
+                </p:txBody>
+              </p:sp>
+              <p:sp>
+                <p:nvSpPr>
+                  <p:cNvPr id="113" name="Arc 112">
+                    <a:extLst>
+                      <a:ext uri="{FF2B5EF4-FFF2-40B4-BE49-F238E27FC236}">
+                        <a16:creationId xmlns:a16="http://schemas.microsoft.com/office/drawing/2014/main" id="{2CE412DA-4FF9-49AB-9D69-DBE18A90BB37}"/>
+                      </a:ext>
+                    </a:extLst>
+                  </p:cNvPr>
+                  <p:cNvSpPr/>
+                  <p:nvPr/>
+                </p:nvSpPr>
+                <p:spPr>
+                  <a:xfrm flipH="1">
+                    <a:off x="1396571" y="4200258"/>
+                    <a:ext cx="194516" cy="45719"/>
+                  </a:xfrm>
+                  <a:prstGeom prst="arc">
+                    <a:avLst/>
+                  </a:prstGeom>
+                </p:spPr>
+                <p:style>
+                  <a:lnRef idx="3">
+                    <a:schemeClr val="dk1"/>
+                  </a:lnRef>
+                  <a:fillRef idx="0">
+                    <a:schemeClr val="dk1"/>
+                  </a:fillRef>
+                  <a:effectRef idx="2">
+                    <a:schemeClr val="dk1"/>
+                  </a:effectRef>
+                  <a:fontRef idx="minor">
+                    <a:schemeClr val="tx1"/>
+                  </a:fontRef>
+                </p:style>
+                <p:txBody>
+                  <a:bodyPr rtlCol="0" anchor="ctr"/>
+                  <a:lstStyle/>
+                  <a:p>
+                    <a:pPr algn="ctr"/>
+                    <a:endParaRPr lang="en-US"/>
+                  </a:p>
+                </p:txBody>
+              </p:sp>
+              <p:sp>
+                <p:nvSpPr>
+                  <p:cNvPr id="114" name="Oval 113">
+                    <a:extLst>
+                      <a:ext uri="{FF2B5EF4-FFF2-40B4-BE49-F238E27FC236}">
+                        <a16:creationId xmlns:a16="http://schemas.microsoft.com/office/drawing/2014/main" id="{54C49E4C-B29C-4D5C-AD69-EFA904ABDE71}"/>
+                      </a:ext>
+                    </a:extLst>
+                  </p:cNvPr>
+                  <p:cNvSpPr/>
+                  <p:nvPr/>
+                </p:nvSpPr>
+                <p:spPr>
+                  <a:xfrm>
+                    <a:off x="1404609" y="4221757"/>
+                    <a:ext cx="112030" cy="45719"/>
+                  </a:xfrm>
+                  <a:prstGeom prst="ellipse">
+                    <a:avLst/>
+                  </a:prstGeom>
+                  <a:solidFill>
+                    <a:schemeClr val="bg1"/>
+                  </a:solidFill>
+                  <a:ln>
+                    <a:noFill/>
+                  </a:ln>
+                </p:spPr>
+                <p:style>
+                  <a:lnRef idx="2">
+                    <a:schemeClr val="accent1">
+                      <a:shade val="50000"/>
+                    </a:schemeClr>
+                  </a:lnRef>
+                  <a:fillRef idx="1">
+                    <a:schemeClr val="accent1"/>
+                  </a:fillRef>
+                  <a:effectRef idx="0">
+                    <a:schemeClr val="accent1"/>
+                  </a:effectRef>
+                  <a:fontRef idx="minor">
+                    <a:schemeClr val="lt1"/>
+                  </a:fontRef>
+                </p:style>
+                <p:txBody>
+                  <a:bodyPr rtlCol="0" anchor="ctr"/>
+                  <a:lstStyle/>
+                  <a:p>
+                    <a:pPr algn="ctr"/>
+                    <a:endParaRPr lang="en-US"/>
+                  </a:p>
+                </p:txBody>
+              </p:sp>
+              <p:sp>
+                <p:nvSpPr>
+                  <p:cNvPr id="115" name="Oval 114">
+                    <a:extLst>
+                      <a:ext uri="{FF2B5EF4-FFF2-40B4-BE49-F238E27FC236}">
+                        <a16:creationId xmlns:a16="http://schemas.microsoft.com/office/drawing/2014/main" id="{4FD98EE2-9246-4173-B95E-241EA1B216BE}"/>
+                      </a:ext>
+                    </a:extLst>
+                  </p:cNvPr>
+                  <p:cNvSpPr/>
+                  <p:nvPr/>
+                </p:nvSpPr>
+                <p:spPr>
+                  <a:xfrm>
+                    <a:off x="1594402" y="4223117"/>
+                    <a:ext cx="112030" cy="45719"/>
+                  </a:xfrm>
+                  <a:prstGeom prst="ellipse">
+                    <a:avLst/>
+                  </a:prstGeom>
+                  <a:solidFill>
+                    <a:schemeClr val="bg1"/>
+                  </a:solidFill>
+                  <a:ln>
+                    <a:noFill/>
+                  </a:ln>
+                </p:spPr>
+                <p:style>
+                  <a:lnRef idx="2">
+                    <a:schemeClr val="accent1">
+                      <a:shade val="50000"/>
+                    </a:schemeClr>
+                  </a:lnRef>
+                  <a:fillRef idx="1">
+                    <a:schemeClr val="accent1"/>
+                  </a:fillRef>
+                  <a:effectRef idx="0">
+                    <a:schemeClr val="accent1"/>
+                  </a:effectRef>
+                  <a:fontRef idx="minor">
+                    <a:schemeClr val="lt1"/>
+                  </a:fontRef>
+                </p:style>
+                <p:txBody>
+                  <a:bodyPr rtlCol="0" anchor="ctr"/>
+                  <a:lstStyle/>
+                  <a:p>
+                    <a:pPr algn="ctr"/>
+                    <a:endParaRPr lang="en-US"/>
+                  </a:p>
+                </p:txBody>
+              </p:sp>
+              <p:cxnSp>
+                <p:nvCxnSpPr>
+                  <p:cNvPr id="116" name="Straight Connector 115">
+                    <a:extLst>
+                      <a:ext uri="{FF2B5EF4-FFF2-40B4-BE49-F238E27FC236}">
+                        <a16:creationId xmlns:a16="http://schemas.microsoft.com/office/drawing/2014/main" id="{77CD97E4-9AB6-4EC1-8EA8-2F42C3A18FB7}"/>
+                      </a:ext>
+                    </a:extLst>
+                  </p:cNvPr>
+                  <p:cNvCxnSpPr/>
+                  <p:nvPr/>
+                </p:nvCxnSpPr>
+                <p:spPr>
+                  <a:xfrm flipH="1">
+                    <a:off x="1537434" y="4244616"/>
+                    <a:ext cx="10740" cy="68304"/>
+                  </a:xfrm>
+                  <a:prstGeom prst="line">
+                    <a:avLst/>
+                  </a:prstGeom>
+                </p:spPr>
+                <p:style>
+                  <a:lnRef idx="1">
+                    <a:schemeClr val="dk1"/>
+                  </a:lnRef>
+                  <a:fillRef idx="0">
+                    <a:schemeClr val="dk1"/>
+                  </a:fillRef>
+                  <a:effectRef idx="0">
+                    <a:schemeClr val="dk1"/>
+                  </a:effectRef>
+                  <a:fontRef idx="minor">
+                    <a:schemeClr val="tx1"/>
+                  </a:fontRef>
+                </p:style>
+              </p:cxnSp>
+              <p:cxnSp>
+                <p:nvCxnSpPr>
+                  <p:cNvPr id="117" name="Straight Connector 116">
+                    <a:extLst>
+                      <a:ext uri="{FF2B5EF4-FFF2-40B4-BE49-F238E27FC236}">
+                        <a16:creationId xmlns:a16="http://schemas.microsoft.com/office/drawing/2014/main" id="{681C59FA-4E04-4B9A-BBCA-A15A0E79CD90}"/>
+                      </a:ext>
+                    </a:extLst>
+                  </p:cNvPr>
+                  <p:cNvCxnSpPr>
+                    <a:cxnSpLocks/>
+                  </p:cNvCxnSpPr>
+                  <p:nvPr/>
+                </p:nvCxnSpPr>
+                <p:spPr>
+                  <a:xfrm flipH="1">
+                    <a:off x="1541043" y="4310887"/>
+                    <a:ext cx="27926" cy="1"/>
+                  </a:xfrm>
+                  <a:prstGeom prst="line">
+                    <a:avLst/>
+                  </a:prstGeom>
+                </p:spPr>
+                <p:style>
+                  <a:lnRef idx="1">
+                    <a:schemeClr val="dk1"/>
+                  </a:lnRef>
+                  <a:fillRef idx="0">
+                    <a:schemeClr val="dk1"/>
+                  </a:fillRef>
+                  <a:effectRef idx="0">
+                    <a:schemeClr val="dk1"/>
+                  </a:effectRef>
+                  <a:fontRef idx="minor">
+                    <a:schemeClr val="tx1"/>
+                  </a:fontRef>
+                </p:style>
+              </p:cxnSp>
+              <p:sp>
+                <p:nvSpPr>
+                  <p:cNvPr id="118" name="Arc 117">
+                    <a:extLst>
+                      <a:ext uri="{FF2B5EF4-FFF2-40B4-BE49-F238E27FC236}">
+                        <a16:creationId xmlns:a16="http://schemas.microsoft.com/office/drawing/2014/main" id="{E3DA8901-0ECB-4BFF-8593-E4780802F509}"/>
+                      </a:ext>
+                    </a:extLst>
+                  </p:cNvPr>
+                  <p:cNvSpPr/>
+                  <p:nvPr/>
+                </p:nvSpPr>
+                <p:spPr>
+                  <a:xfrm rot="7767881">
+                    <a:off x="1451426" y="4188268"/>
+                    <a:ext cx="163720" cy="205740"/>
+                  </a:xfrm>
+                  <a:prstGeom prst="arc">
+                    <a:avLst/>
+                  </a:prstGeom>
+                  <a:ln>
+                    <a:solidFill>
+                      <a:srgbClr val="C00000"/>
+                    </a:solidFill>
+                  </a:ln>
+                </p:spPr>
+                <p:style>
+                  <a:lnRef idx="1">
+                    <a:schemeClr val="accent1"/>
+                  </a:lnRef>
+                  <a:fillRef idx="0">
+                    <a:schemeClr val="accent1"/>
+                  </a:fillRef>
+                  <a:effectRef idx="0">
+                    <a:schemeClr val="accent1"/>
+                  </a:effectRef>
+                  <a:fontRef idx="minor">
+                    <a:schemeClr val="tx1"/>
+                  </a:fontRef>
+                </p:style>
+                <p:txBody>
+                  <a:bodyPr rtlCol="0" anchor="ctr"/>
+                  <a:lstStyle/>
+                  <a:p>
+                    <a:pPr algn="ctr"/>
+                    <a:endParaRPr lang="en-US"/>
+                  </a:p>
+                </p:txBody>
+              </p:sp>
+              <p:sp>
+                <p:nvSpPr>
+                  <p:cNvPr id="119" name="Oval 118">
+                    <a:extLst>
+                      <a:ext uri="{FF2B5EF4-FFF2-40B4-BE49-F238E27FC236}">
+                        <a16:creationId xmlns:a16="http://schemas.microsoft.com/office/drawing/2014/main" id="{FE32AD6D-B503-47EB-9AF4-13DA9EAD5E03}"/>
+                      </a:ext>
+                    </a:extLst>
+                  </p:cNvPr>
+                  <p:cNvSpPr/>
+                  <p:nvPr/>
+                </p:nvSpPr>
+                <p:spPr>
+                  <a:xfrm flipV="1">
+                    <a:off x="1437058" y="4223833"/>
+                    <a:ext cx="45719" cy="45719"/>
+                  </a:xfrm>
+                  <a:prstGeom prst="ellipse">
+                    <a:avLst/>
+                  </a:prstGeom>
+                  <a:ln>
+                    <a:noFill/>
+                  </a:ln>
+                </p:spPr>
+                <p:style>
+                  <a:lnRef idx="2">
+                    <a:schemeClr val="accent1">
+                      <a:shade val="50000"/>
+                    </a:schemeClr>
+                  </a:lnRef>
+                  <a:fillRef idx="1">
+                    <a:schemeClr val="accent1"/>
+                  </a:fillRef>
+                  <a:effectRef idx="0">
+                    <a:schemeClr val="accent1"/>
+                  </a:effectRef>
+                  <a:fontRef idx="minor">
+                    <a:schemeClr val="lt1"/>
+                  </a:fontRef>
+                </p:style>
+                <p:txBody>
+                  <a:bodyPr rtlCol="0" anchor="ctr"/>
+                  <a:lstStyle/>
+                  <a:p>
+                    <a:pPr algn="ctr"/>
+                    <a:endParaRPr lang="en-US"/>
+                  </a:p>
+                </p:txBody>
+              </p:sp>
+              <p:sp>
+                <p:nvSpPr>
+                  <p:cNvPr id="120" name="Oval 119">
+                    <a:extLst>
+                      <a:ext uri="{FF2B5EF4-FFF2-40B4-BE49-F238E27FC236}">
+                        <a16:creationId xmlns:a16="http://schemas.microsoft.com/office/drawing/2014/main" id="{2B697D41-8133-4F9F-B9A0-9F65E5E35222}"/>
+                      </a:ext>
+                    </a:extLst>
+                  </p:cNvPr>
+                  <p:cNvSpPr/>
+                  <p:nvPr/>
+                </p:nvSpPr>
+                <p:spPr>
+                  <a:xfrm flipV="1">
+                    <a:off x="1632986" y="4224754"/>
+                    <a:ext cx="45719" cy="45719"/>
+                  </a:xfrm>
+                  <a:prstGeom prst="ellipse">
+                    <a:avLst/>
+                  </a:prstGeom>
+                  <a:ln>
+                    <a:noFill/>
+                  </a:ln>
+                </p:spPr>
+                <p:style>
+                  <a:lnRef idx="2">
+                    <a:schemeClr val="accent1">
+                      <a:shade val="50000"/>
+                    </a:schemeClr>
+                  </a:lnRef>
+                  <a:fillRef idx="1">
+                    <a:schemeClr val="accent1"/>
+                  </a:fillRef>
+                  <a:effectRef idx="0">
+                    <a:schemeClr val="accent1"/>
+                  </a:effectRef>
+                  <a:fontRef idx="minor">
+                    <a:schemeClr val="lt1"/>
+                  </a:fontRef>
+                </p:style>
+                <p:txBody>
+                  <a:bodyPr rtlCol="0" anchor="ctr"/>
+                  <a:lstStyle/>
+                  <a:p>
+                    <a:pPr algn="ctr"/>
+                    <a:endParaRPr lang="en-US"/>
+                  </a:p>
+                </p:txBody>
+              </p:sp>
+              <mc:AlternateContent xmlns:mc="http://schemas.openxmlformats.org/markup-compatibility/2006" xmlns:p14="http://schemas.microsoft.com/office/powerpoint/2010/main">
+                <mc:Choice Requires="p14">
+                  <p:contentPart p14:bwMode="auto" r:id="rId7">
+                    <p14:nvContentPartPr>
+                      <p14:cNvPr id="121" name="Ink 120">
+                        <a:extLst>
+                          <a:ext uri="{FF2B5EF4-FFF2-40B4-BE49-F238E27FC236}">
+                            <a16:creationId xmlns:a16="http://schemas.microsoft.com/office/drawing/2014/main" id="{9A633037-792A-4324-A5B3-3D622D045940}"/>
+                          </a:ext>
+                        </a:extLst>
+                      </p14:cNvPr>
+                      <p14:cNvContentPartPr/>
+                      <p14:nvPr/>
+                    </p14:nvContentPartPr>
+                    <p14:xfrm>
+                      <a:off x="1459032" y="4244280"/>
+                      <a:ext cx="288" cy="288"/>
+                    </p14:xfrm>
+                  </p:contentPart>
+                </mc:Choice>
+                <mc:Fallback xmlns="">
+                  <p:pic>
+                    <p:nvPicPr>
+                      <p:cNvPr id="50" name="Ink 49">
+                        <a:extLst>
+                          <a:ext uri="{FF2B5EF4-FFF2-40B4-BE49-F238E27FC236}">
+                            <a16:creationId xmlns:a16="http://schemas.microsoft.com/office/drawing/2014/main" id="{F3452767-C554-4D1E-8B2C-7E7914127FDD}"/>
+                          </a:ext>
+                        </a:extLst>
+                      </p:cNvPr>
+                      <p:cNvPicPr/>
+                      <p:nvPr/>
+                    </p:nvPicPr>
+                    <p:blipFill>
+                      <a:blip r:embed="rId4"/>
+                      <a:stretch>
+                        <a:fillRect/>
+                      </a:stretch>
+                    </p:blipFill>
+                    <p:spPr>
+                      <a:xfrm>
+                        <a:off x="1455000" y="4240248"/>
+                        <a:ext cx="8064" cy="8064"/>
+                      </a:xfrm>
+                      <a:prstGeom prst="rect">
+                        <a:avLst/>
+                      </a:prstGeom>
+                    </p:spPr>
+                  </p:pic>
+                </mc:Fallback>
+              </mc:AlternateContent>
+              <mc:AlternateContent xmlns:mc="http://schemas.openxmlformats.org/markup-compatibility/2006" xmlns:p14="http://schemas.microsoft.com/office/powerpoint/2010/main">
+                <mc:Choice Requires="p14">
+                  <p:contentPart p14:bwMode="auto" r:id="rId8">
+                    <p14:nvContentPartPr>
+                      <p14:cNvPr id="122" name="Ink 121">
+                        <a:extLst>
+                          <a:ext uri="{FF2B5EF4-FFF2-40B4-BE49-F238E27FC236}">
+                            <a16:creationId xmlns:a16="http://schemas.microsoft.com/office/drawing/2014/main" id="{2A8DC315-C6E9-4E40-BB02-D53E92CD101C}"/>
+                          </a:ext>
+                        </a:extLst>
+                      </p14:cNvPr>
+                      <p14:cNvContentPartPr/>
+                      <p14:nvPr/>
+                    </p14:nvContentPartPr>
+                    <p14:xfrm>
+                      <a:off x="1655160" y="4244280"/>
+                      <a:ext cx="288" cy="288"/>
+                    </p14:xfrm>
+                  </p:contentPart>
+                </mc:Choice>
+                <mc:Fallback xmlns="">
+                  <p:pic>
+                    <p:nvPicPr>
+                      <p:cNvPr id="51" name="Ink 50">
+                        <a:extLst>
+                          <a:ext uri="{FF2B5EF4-FFF2-40B4-BE49-F238E27FC236}">
+                            <a16:creationId xmlns:a16="http://schemas.microsoft.com/office/drawing/2014/main" id="{FC4B981C-6C22-45AD-B930-B883800CB676}"/>
+                          </a:ext>
+                        </a:extLst>
+                      </p:cNvPr>
+                      <p:cNvPicPr/>
+                      <p:nvPr/>
+                    </p:nvPicPr>
+                    <p:blipFill>
+                      <a:blip r:embed="rId4"/>
+                      <a:stretch>
+                        <a:fillRect/>
+                      </a:stretch>
+                    </p:blipFill>
+                    <p:spPr>
+                      <a:xfrm>
+                        <a:off x="1651128" y="4240248"/>
+                        <a:ext cx="8064" cy="8064"/>
+                      </a:xfrm>
+                      <a:prstGeom prst="rect">
+                        <a:avLst/>
+                      </a:prstGeom>
+                    </p:spPr>
+                  </p:pic>
+                </mc:Fallback>
+              </mc:AlternateContent>
+            </p:grpSp>
+            <p:sp>
+              <p:nvSpPr>
+                <p:cNvPr id="104" name="Rectangle 103">
+                  <a:extLst>
+                    <a:ext uri="{FF2B5EF4-FFF2-40B4-BE49-F238E27FC236}">
+                      <a16:creationId xmlns:a16="http://schemas.microsoft.com/office/drawing/2014/main" id="{0DC5A78F-39C3-4187-82D8-3C7F20403FDC}"/>
+                    </a:ext>
+                  </a:extLst>
+                </p:cNvPr>
+                <p:cNvSpPr/>
+                <p:nvPr/>
+              </p:nvSpPr>
+              <p:spPr>
+                <a:xfrm>
+                  <a:off x="1437058" y="4419720"/>
+                  <a:ext cx="227676" cy="116085"/>
+                </a:xfrm>
+                <a:prstGeom prst="rect">
+                  <a:avLst/>
+                </a:prstGeom>
+                <a:solidFill>
+                  <a:schemeClr val="accent4">
+                    <a:lumMod val="40000"/>
+                    <a:lumOff val="60000"/>
+                  </a:schemeClr>
+                </a:solidFill>
+                <a:ln>
+                  <a:noFill/>
+                </a:ln>
+              </p:spPr>
+              <p:style>
+                <a:lnRef idx="2">
+                  <a:schemeClr val="accent1">
+                    <a:shade val="50000"/>
+                  </a:schemeClr>
+                </a:lnRef>
+                <a:fillRef idx="1">
+                  <a:schemeClr val="accent1"/>
+                </a:fillRef>
+                <a:effectRef idx="0">
+                  <a:schemeClr val="accent1"/>
+                </a:effectRef>
+                <a:fontRef idx="minor">
+                  <a:schemeClr val="lt1"/>
+                </a:fontRef>
+              </p:style>
+              <p:txBody>
+                <a:bodyPr rtlCol="0" anchor="ctr"/>
+                <a:lstStyle/>
+                <a:p>
+                  <a:pPr algn="ctr"/>
+                  <a:endParaRPr lang="en-US"/>
+                </a:p>
+              </p:txBody>
+            </p:sp>
+          </p:grpSp>
+          <p:cxnSp>
+            <p:nvCxnSpPr>
+              <p:cNvPr id="13" name="Straight Connector 12">
+                <a:extLst>
+                  <a:ext uri="{FF2B5EF4-FFF2-40B4-BE49-F238E27FC236}">
+                    <a16:creationId xmlns:a16="http://schemas.microsoft.com/office/drawing/2014/main" id="{08BD67DA-05A6-4BB5-A225-85EB4AF060D9}"/>
+                  </a:ext>
+                </a:extLst>
+              </p:cNvPr>
+              <p:cNvCxnSpPr>
+                <a:cxnSpLocks/>
+                <a:stCxn id="105" idx="3"/>
+                <a:endCxn id="107" idx="2"/>
+              </p:cNvCxnSpPr>
+              <p:nvPr/>
+            </p:nvCxnSpPr>
+            <p:spPr>
+              <a:xfrm flipH="1" flipV="1">
+                <a:off x="6031478" y="5909098"/>
+                <a:ext cx="101835" cy="180544"/>
+              </a:xfrm>
+              <a:prstGeom prst="line">
+                <a:avLst/>
+              </a:prstGeom>
+            </p:spPr>
+            <p:style>
+              <a:lnRef idx="1">
+                <a:schemeClr val="accent1"/>
+              </a:lnRef>
+              <a:fillRef idx="0">
+                <a:schemeClr val="accent1"/>
+              </a:fillRef>
+              <a:effectRef idx="0">
+                <a:schemeClr val="accent1"/>
+              </a:effectRef>
+              <a:fontRef idx="minor">
+                <a:schemeClr val="tx1"/>
+              </a:fontRef>
+            </p:style>
+          </p:cxnSp>
+          <p:cxnSp>
+            <p:nvCxnSpPr>
+              <p:cNvPr id="123" name="Straight Connector 122">
+                <a:extLst>
+                  <a:ext uri="{FF2B5EF4-FFF2-40B4-BE49-F238E27FC236}">
+                    <a16:creationId xmlns:a16="http://schemas.microsoft.com/office/drawing/2014/main" id="{49DA070B-448B-485F-8B96-16166CEEC9A0}"/>
+                  </a:ext>
+                </a:extLst>
+              </p:cNvPr>
+              <p:cNvCxnSpPr>
+                <a:cxnSpLocks/>
+                <a:stCxn id="104" idx="0"/>
+                <a:endCxn id="105" idx="3"/>
+              </p:cNvCxnSpPr>
+              <p:nvPr/>
+            </p:nvCxnSpPr>
+            <p:spPr>
+              <a:xfrm flipH="1" flipV="1">
+                <a:off x="6133313" y="6089642"/>
+                <a:ext cx="269469" cy="45092"/>
+              </a:xfrm>
+              <a:prstGeom prst="line">
+                <a:avLst/>
+              </a:prstGeom>
+            </p:spPr>
+            <p:style>
+              <a:lnRef idx="1">
+                <a:schemeClr val="accent1"/>
+              </a:lnRef>
+              <a:fillRef idx="0">
+                <a:schemeClr val="accent1"/>
+              </a:fillRef>
+              <a:effectRef idx="0">
+                <a:schemeClr val="accent1"/>
+              </a:effectRef>
+              <a:fontRef idx="minor">
+                <a:schemeClr val="tx1"/>
+              </a:fontRef>
+            </p:style>
+          </p:cxnSp>
+          <p:cxnSp>
+            <p:nvCxnSpPr>
+              <p:cNvPr id="124" name="Straight Connector 123">
+                <a:extLst>
+                  <a:ext uri="{FF2B5EF4-FFF2-40B4-BE49-F238E27FC236}">
+                    <a16:creationId xmlns:a16="http://schemas.microsoft.com/office/drawing/2014/main" id="{B5DEE484-6FCA-477E-BE6E-EE666682CECD}"/>
+                  </a:ext>
+                </a:extLst>
+              </p:cNvPr>
+              <p:cNvCxnSpPr>
+                <a:cxnSpLocks/>
+                <a:stCxn id="104" idx="0"/>
+                <a:endCxn id="105" idx="5"/>
+              </p:cNvCxnSpPr>
+              <p:nvPr/>
+            </p:nvCxnSpPr>
+            <p:spPr>
+              <a:xfrm flipV="1">
+                <a:off x="6402782" y="6089642"/>
+                <a:ext cx="267809" cy="45092"/>
+              </a:xfrm>
+              <a:prstGeom prst="line">
+                <a:avLst/>
+              </a:prstGeom>
+            </p:spPr>
+            <p:style>
+              <a:lnRef idx="1">
+                <a:schemeClr val="accent1"/>
+              </a:lnRef>
+              <a:fillRef idx="0">
+                <a:schemeClr val="accent1"/>
+              </a:fillRef>
+              <a:effectRef idx="0">
+                <a:schemeClr val="accent1"/>
+              </a:effectRef>
+              <a:fontRef idx="minor">
+                <a:schemeClr val="tx1"/>
+              </a:fontRef>
+            </p:style>
+          </p:cxnSp>
+          <p:cxnSp>
+            <p:nvCxnSpPr>
+              <p:cNvPr id="125" name="Straight Connector 124">
+                <a:extLst>
+                  <a:ext uri="{FF2B5EF4-FFF2-40B4-BE49-F238E27FC236}">
+                    <a16:creationId xmlns:a16="http://schemas.microsoft.com/office/drawing/2014/main" id="{2A4EDD70-0D67-481A-8B65-C140A75EDE3F}"/>
+                  </a:ext>
+                </a:extLst>
+              </p:cNvPr>
+              <p:cNvCxnSpPr>
+                <a:cxnSpLocks/>
+                <a:stCxn id="105" idx="5"/>
+                <a:endCxn id="111" idx="0"/>
+              </p:cNvCxnSpPr>
+              <p:nvPr/>
+            </p:nvCxnSpPr>
+            <p:spPr>
+              <a:xfrm flipV="1">
+                <a:off x="6670591" y="5880196"/>
+                <a:ext cx="116218" cy="209446"/>
+              </a:xfrm>
+              <a:prstGeom prst="line">
+                <a:avLst/>
+              </a:prstGeom>
+            </p:spPr>
+            <p:style>
+              <a:lnRef idx="1">
+                <a:schemeClr val="accent1"/>
+              </a:lnRef>
+              <a:fillRef idx="0">
+                <a:schemeClr val="accent1"/>
+              </a:fillRef>
+              <a:effectRef idx="0">
+                <a:schemeClr val="accent1"/>
+              </a:effectRef>
+              <a:fontRef idx="minor">
+                <a:schemeClr val="tx1"/>
+              </a:fontRef>
+            </p:style>
+          </p:cxnSp>
+          <p:cxnSp>
+            <p:nvCxnSpPr>
+              <p:cNvPr id="126" name="Straight Connector 125">
+                <a:extLst>
+                  <a:ext uri="{FF2B5EF4-FFF2-40B4-BE49-F238E27FC236}">
+                    <a16:creationId xmlns:a16="http://schemas.microsoft.com/office/drawing/2014/main" id="{21A9608F-C260-4A16-A908-5DC368D43554}"/>
+                  </a:ext>
+                </a:extLst>
+              </p:cNvPr>
+              <p:cNvCxnSpPr>
+                <a:cxnSpLocks/>
+                <a:endCxn id="107" idx="2"/>
+              </p:cNvCxnSpPr>
+              <p:nvPr/>
+            </p:nvCxnSpPr>
+            <p:spPr>
+              <a:xfrm flipH="1">
+                <a:off x="6031478" y="5719120"/>
+                <a:ext cx="109310" cy="189978"/>
+              </a:xfrm>
+              <a:prstGeom prst="line">
+                <a:avLst/>
+              </a:prstGeom>
+            </p:spPr>
+            <p:style>
+              <a:lnRef idx="1">
+                <a:schemeClr val="accent1"/>
+              </a:lnRef>
+              <a:fillRef idx="0">
+                <a:schemeClr val="accent1"/>
+              </a:fillRef>
+              <a:effectRef idx="0">
+                <a:schemeClr val="accent1"/>
+              </a:effectRef>
+              <a:fontRef idx="minor">
+                <a:schemeClr val="tx1"/>
+              </a:fontRef>
+            </p:style>
+          </p:cxnSp>
+          <p:cxnSp>
+            <p:nvCxnSpPr>
+              <p:cNvPr id="127" name="Straight Connector 126">
+                <a:extLst>
+                  <a:ext uri="{FF2B5EF4-FFF2-40B4-BE49-F238E27FC236}">
+                    <a16:creationId xmlns:a16="http://schemas.microsoft.com/office/drawing/2014/main" id="{F60E21B3-6C3F-4D76-9B75-875A44BB1373}"/>
+                  </a:ext>
+                </a:extLst>
+              </p:cNvPr>
+              <p:cNvCxnSpPr>
+                <a:cxnSpLocks/>
+                <a:stCxn id="111" idx="0"/>
+                <a:endCxn id="111" idx="3"/>
+              </p:cNvCxnSpPr>
+              <p:nvPr/>
+            </p:nvCxnSpPr>
+            <p:spPr>
+              <a:xfrm flipH="1" flipV="1">
+                <a:off x="6663780" y="5733190"/>
+                <a:ext cx="123029" cy="147006"/>
+              </a:xfrm>
+              <a:prstGeom prst="line">
+                <a:avLst/>
+              </a:prstGeom>
+            </p:spPr>
+            <p:style>
+              <a:lnRef idx="1">
+                <a:schemeClr val="accent1"/>
+              </a:lnRef>
+              <a:fillRef idx="0">
+                <a:schemeClr val="accent1"/>
+              </a:fillRef>
+              <a:effectRef idx="0">
+                <a:schemeClr val="accent1"/>
+              </a:effectRef>
+              <a:fontRef idx="minor">
+                <a:schemeClr val="tx1"/>
+              </a:fontRef>
+            </p:style>
+          </p:cxnSp>
+          <p:cxnSp>
+            <p:nvCxnSpPr>
+              <p:cNvPr id="128" name="Straight Connector 127">
+                <a:extLst>
+                  <a:ext uri="{FF2B5EF4-FFF2-40B4-BE49-F238E27FC236}">
+                    <a16:creationId xmlns:a16="http://schemas.microsoft.com/office/drawing/2014/main" id="{293D1A7F-AF42-44D5-BEF6-0CA4FF9313A1}"/>
+                  </a:ext>
+                </a:extLst>
+              </p:cNvPr>
+              <p:cNvCxnSpPr>
+                <a:cxnSpLocks/>
+                <a:stCxn id="111" idx="3"/>
+                <a:endCxn id="110" idx="0"/>
+              </p:cNvCxnSpPr>
+              <p:nvPr/>
+            </p:nvCxnSpPr>
+            <p:spPr>
+              <a:xfrm flipH="1" flipV="1">
+                <a:off x="6398834" y="5699679"/>
+                <a:ext cx="264946" cy="33511"/>
+              </a:xfrm>
+              <a:prstGeom prst="line">
+                <a:avLst/>
+              </a:prstGeom>
+            </p:spPr>
+            <p:style>
+              <a:lnRef idx="1">
+                <a:schemeClr val="accent1"/>
+              </a:lnRef>
+              <a:fillRef idx="0">
+                <a:schemeClr val="accent1"/>
+              </a:fillRef>
+              <a:effectRef idx="0">
+                <a:schemeClr val="accent1"/>
+              </a:effectRef>
+              <a:fontRef idx="minor">
+                <a:schemeClr val="tx1"/>
+              </a:fontRef>
+            </p:style>
+          </p:cxnSp>
+          <p:cxnSp>
+            <p:nvCxnSpPr>
+              <p:cNvPr id="131" name="Straight Connector 130">
+                <a:extLst>
+                  <a:ext uri="{FF2B5EF4-FFF2-40B4-BE49-F238E27FC236}">
+                    <a16:creationId xmlns:a16="http://schemas.microsoft.com/office/drawing/2014/main" id="{0FBBD036-AD11-4CF7-80E1-6A17D2B0A299}"/>
+                  </a:ext>
+                </a:extLst>
+              </p:cNvPr>
+              <p:cNvCxnSpPr>
+                <a:cxnSpLocks/>
+                <a:stCxn id="110" idx="0"/>
+              </p:cNvCxnSpPr>
+              <p:nvPr/>
+            </p:nvCxnSpPr>
+            <p:spPr>
+              <a:xfrm flipH="1">
+                <a:off x="6134780" y="5699679"/>
+                <a:ext cx="264054" cy="16755"/>
+              </a:xfrm>
+              <a:prstGeom prst="line">
+                <a:avLst/>
+              </a:prstGeom>
+            </p:spPr>
+            <p:style>
+              <a:lnRef idx="1">
+                <a:schemeClr val="accent1"/>
+              </a:lnRef>
+              <a:fillRef idx="0">
+                <a:schemeClr val="accent1"/>
+              </a:fillRef>
+              <a:effectRef idx="0">
+                <a:schemeClr val="accent1"/>
+              </a:effectRef>
+              <a:fontRef idx="minor">
+                <a:schemeClr val="tx1"/>
+              </a:fontRef>
+            </p:style>
+          </p:cxnSp>
+          <p:cxnSp>
+            <p:nvCxnSpPr>
+              <p:cNvPr id="134" name="Straight Connector 133">
+                <a:extLst>
+                  <a:ext uri="{FF2B5EF4-FFF2-40B4-BE49-F238E27FC236}">
+                    <a16:creationId xmlns:a16="http://schemas.microsoft.com/office/drawing/2014/main" id="{BE6866EB-AA21-4FE6-A559-6E87D2366CFF}"/>
+                  </a:ext>
+                </a:extLst>
+              </p:cNvPr>
+              <p:cNvCxnSpPr>
+                <a:cxnSpLocks/>
+              </p:cNvCxnSpPr>
+              <p:nvPr/>
+            </p:nvCxnSpPr>
+            <p:spPr>
+              <a:xfrm flipH="1">
+                <a:off x="6159878" y="5783639"/>
+                <a:ext cx="40735" cy="91281"/>
+              </a:xfrm>
+              <a:prstGeom prst="line">
+                <a:avLst/>
+              </a:prstGeom>
+            </p:spPr>
+            <p:style>
+              <a:lnRef idx="1">
+                <a:schemeClr val="accent1"/>
+              </a:lnRef>
+              <a:fillRef idx="0">
+                <a:schemeClr val="accent1"/>
+              </a:fillRef>
+              <a:effectRef idx="0">
+                <a:schemeClr val="accent1"/>
+              </a:effectRef>
+              <a:fontRef idx="minor">
+                <a:schemeClr val="tx1"/>
+              </a:fontRef>
+            </p:style>
+          </p:cxnSp>
+          <p:cxnSp>
+            <p:nvCxnSpPr>
+              <p:cNvPr id="137" name="Straight Connector 136">
+                <a:extLst>
+                  <a:ext uri="{FF2B5EF4-FFF2-40B4-BE49-F238E27FC236}">
+                    <a16:creationId xmlns:a16="http://schemas.microsoft.com/office/drawing/2014/main" id="{79146BA7-D708-4C59-B06F-33A1923E906A}"/>
+                  </a:ext>
+                </a:extLst>
+              </p:cNvPr>
+              <p:cNvCxnSpPr>
+                <a:cxnSpLocks/>
+              </p:cNvCxnSpPr>
+              <p:nvPr/>
+            </p:nvCxnSpPr>
+            <p:spPr>
+              <a:xfrm flipV="1">
+                <a:off x="6190541" y="5778984"/>
+                <a:ext cx="476940" cy="1624"/>
+              </a:xfrm>
+              <a:prstGeom prst="line">
+                <a:avLst/>
+              </a:prstGeom>
+            </p:spPr>
+            <p:style>
+              <a:lnRef idx="1">
+                <a:schemeClr val="accent1"/>
+              </a:lnRef>
+              <a:fillRef idx="0">
+                <a:schemeClr val="accent1"/>
+              </a:fillRef>
+              <a:effectRef idx="0">
+                <a:schemeClr val="accent1"/>
+              </a:effectRef>
+              <a:fontRef idx="minor">
+                <a:schemeClr val="tx1"/>
+              </a:fontRef>
+            </p:style>
+          </p:cxnSp>
+          <p:cxnSp>
+            <p:nvCxnSpPr>
+              <p:cNvPr id="143" name="Straight Connector 142">
+                <a:extLst>
+                  <a:ext uri="{FF2B5EF4-FFF2-40B4-BE49-F238E27FC236}">
+                    <a16:creationId xmlns:a16="http://schemas.microsoft.com/office/drawing/2014/main" id="{F38F29EA-7CF6-4F58-945E-253616CE311B}"/>
+                  </a:ext>
+                </a:extLst>
+              </p:cNvPr>
+              <p:cNvCxnSpPr>
+                <a:cxnSpLocks/>
+              </p:cNvCxnSpPr>
+              <p:nvPr/>
+            </p:nvCxnSpPr>
+            <p:spPr>
+              <a:xfrm>
+                <a:off x="6160770" y="5878830"/>
+                <a:ext cx="191766" cy="36692"/>
+              </a:xfrm>
+              <a:prstGeom prst="line">
+                <a:avLst/>
+              </a:prstGeom>
+            </p:spPr>
+            <p:style>
+              <a:lnRef idx="1">
+                <a:schemeClr val="accent1"/>
+              </a:lnRef>
+              <a:fillRef idx="0">
+                <a:schemeClr val="accent1"/>
+              </a:fillRef>
+              <a:effectRef idx="0">
+                <a:schemeClr val="accent1"/>
+              </a:effectRef>
+              <a:fontRef idx="minor">
+                <a:schemeClr val="tx1"/>
+              </a:fontRef>
+            </p:style>
+          </p:cxnSp>
+          <p:cxnSp>
+            <p:nvCxnSpPr>
+              <p:cNvPr id="148" name="Straight Connector 147">
+                <a:extLst>
+                  <a:ext uri="{FF2B5EF4-FFF2-40B4-BE49-F238E27FC236}">
+                    <a16:creationId xmlns:a16="http://schemas.microsoft.com/office/drawing/2014/main" id="{4ED62BCF-3D95-41B7-9370-A582ED6E8BE0}"/>
+                  </a:ext>
+                </a:extLst>
+              </p:cNvPr>
+              <p:cNvCxnSpPr>
+                <a:cxnSpLocks/>
+              </p:cNvCxnSpPr>
+              <p:nvPr/>
+            </p:nvCxnSpPr>
+            <p:spPr>
+              <a:xfrm flipH="1">
+                <a:off x="6348001" y="5847813"/>
+                <a:ext cx="40616" cy="65385"/>
+              </a:xfrm>
+              <a:prstGeom prst="line">
+                <a:avLst/>
+              </a:prstGeom>
+            </p:spPr>
+            <p:style>
+              <a:lnRef idx="1">
+                <a:schemeClr val="accent1"/>
+              </a:lnRef>
+              <a:fillRef idx="0">
+                <a:schemeClr val="accent1"/>
+              </a:fillRef>
+              <a:effectRef idx="0">
+                <a:schemeClr val="accent1"/>
+              </a:effectRef>
+              <a:fontRef idx="minor">
+                <a:schemeClr val="tx1"/>
+              </a:fontRef>
+            </p:style>
+          </p:cxnSp>
+          <p:cxnSp>
+            <p:nvCxnSpPr>
+              <p:cNvPr id="152" name="Straight Connector 151">
+                <a:extLst>
+                  <a:ext uri="{FF2B5EF4-FFF2-40B4-BE49-F238E27FC236}">
+                    <a16:creationId xmlns:a16="http://schemas.microsoft.com/office/drawing/2014/main" id="{A3BF85CA-FD01-4139-A626-417CD1CBD4E5}"/>
+                  </a:ext>
+                </a:extLst>
+              </p:cNvPr>
+              <p:cNvCxnSpPr>
+                <a:cxnSpLocks/>
+              </p:cNvCxnSpPr>
+              <p:nvPr/>
+            </p:nvCxnSpPr>
+            <p:spPr>
+              <a:xfrm flipV="1">
+                <a:off x="6188650" y="5802982"/>
+                <a:ext cx="100307" cy="23090"/>
+              </a:xfrm>
+              <a:prstGeom prst="line">
+                <a:avLst/>
+              </a:prstGeom>
+            </p:spPr>
+            <p:style>
+              <a:lnRef idx="1">
+                <a:schemeClr val="accent1"/>
+              </a:lnRef>
+              <a:fillRef idx="0">
+                <a:schemeClr val="accent1"/>
+              </a:fillRef>
+              <a:effectRef idx="0">
+                <a:schemeClr val="accent1"/>
+              </a:effectRef>
+              <a:fontRef idx="minor">
+                <a:schemeClr val="tx1"/>
+              </a:fontRef>
+            </p:style>
+          </p:cxnSp>
+          <p:cxnSp>
+            <p:nvCxnSpPr>
+              <p:cNvPr id="155" name="Straight Connector 154">
+                <a:extLst>
+                  <a:ext uri="{FF2B5EF4-FFF2-40B4-BE49-F238E27FC236}">
+                    <a16:creationId xmlns:a16="http://schemas.microsoft.com/office/drawing/2014/main" id="{B11A41E5-0601-4674-A90B-875175CABD13}"/>
+                  </a:ext>
+                </a:extLst>
+              </p:cNvPr>
+              <p:cNvCxnSpPr>
+                <a:cxnSpLocks/>
+              </p:cNvCxnSpPr>
+              <p:nvPr/>
+            </p:nvCxnSpPr>
+            <p:spPr>
+              <a:xfrm flipH="1" flipV="1">
+                <a:off x="6284071" y="5802982"/>
+                <a:ext cx="110937" cy="39948"/>
+              </a:xfrm>
+              <a:prstGeom prst="line">
+                <a:avLst/>
+              </a:prstGeom>
+            </p:spPr>
+            <p:style>
+              <a:lnRef idx="1">
+                <a:schemeClr val="accent1"/>
+              </a:lnRef>
+              <a:fillRef idx="0">
+                <a:schemeClr val="accent1"/>
+              </a:fillRef>
+              <a:effectRef idx="0">
+                <a:schemeClr val="accent1"/>
+              </a:effectRef>
+              <a:fontRef idx="minor">
+                <a:schemeClr val="tx1"/>
+              </a:fontRef>
+            </p:style>
+          </p:cxnSp>
+          <p:cxnSp>
+            <p:nvCxnSpPr>
+              <p:cNvPr id="158" name="Straight Connector 157">
+                <a:extLst>
+                  <a:ext uri="{FF2B5EF4-FFF2-40B4-BE49-F238E27FC236}">
+                    <a16:creationId xmlns:a16="http://schemas.microsoft.com/office/drawing/2014/main" id="{591B1AB7-2936-47FC-9B86-31F0BEB8D82C}"/>
+                  </a:ext>
+                </a:extLst>
+              </p:cNvPr>
+              <p:cNvCxnSpPr>
+                <a:cxnSpLocks/>
+              </p:cNvCxnSpPr>
+              <p:nvPr/>
+            </p:nvCxnSpPr>
+            <p:spPr>
+              <a:xfrm flipH="1">
+                <a:off x="6509328" y="5910717"/>
+                <a:ext cx="113122" cy="0"/>
+              </a:xfrm>
+              <a:prstGeom prst="line">
+                <a:avLst/>
+              </a:prstGeom>
+            </p:spPr>
+            <p:style>
+              <a:lnRef idx="1">
+                <a:schemeClr val="accent1"/>
+              </a:lnRef>
+              <a:fillRef idx="0">
+                <a:schemeClr val="accent1"/>
+              </a:fillRef>
+              <a:effectRef idx="0">
+                <a:schemeClr val="accent1"/>
+              </a:effectRef>
+              <a:fontRef idx="minor">
+                <a:schemeClr val="tx1"/>
+              </a:fontRef>
+            </p:style>
+          </p:cxnSp>
+          <p:cxnSp>
+            <p:nvCxnSpPr>
+              <p:cNvPr id="161" name="Straight Connector 160">
+                <a:extLst>
+                  <a:ext uri="{FF2B5EF4-FFF2-40B4-BE49-F238E27FC236}">
+                    <a16:creationId xmlns:a16="http://schemas.microsoft.com/office/drawing/2014/main" id="{068317E1-5D07-43C2-96C0-B2F85095B375}"/>
+                  </a:ext>
+                </a:extLst>
+              </p:cNvPr>
+              <p:cNvCxnSpPr>
+                <a:cxnSpLocks/>
+              </p:cNvCxnSpPr>
+              <p:nvPr/>
+            </p:nvCxnSpPr>
+            <p:spPr>
+              <a:xfrm flipH="1">
+                <a:off x="6617768" y="5839912"/>
+                <a:ext cx="46481" cy="77769"/>
+              </a:xfrm>
+              <a:prstGeom prst="line">
+                <a:avLst/>
+              </a:prstGeom>
+            </p:spPr>
+            <p:style>
+              <a:lnRef idx="1">
+                <a:schemeClr val="accent1"/>
+              </a:lnRef>
+              <a:fillRef idx="0">
+                <a:schemeClr val="accent1"/>
+              </a:fillRef>
+              <a:effectRef idx="0">
+                <a:schemeClr val="accent1"/>
+              </a:effectRef>
+              <a:fontRef idx="minor">
+                <a:schemeClr val="tx1"/>
+              </a:fontRef>
+            </p:style>
+          </p:cxnSp>
+          <p:cxnSp>
+            <p:nvCxnSpPr>
+              <p:cNvPr id="165" name="Straight Connector 164">
+                <a:extLst>
+                  <a:ext uri="{FF2B5EF4-FFF2-40B4-BE49-F238E27FC236}">
+                    <a16:creationId xmlns:a16="http://schemas.microsoft.com/office/drawing/2014/main" id="{104BD5EB-7937-4668-B9C5-780D3D3C7452}"/>
+                  </a:ext>
+                </a:extLst>
+              </p:cNvPr>
+              <p:cNvCxnSpPr>
+                <a:cxnSpLocks/>
+              </p:cNvCxnSpPr>
+              <p:nvPr/>
+            </p:nvCxnSpPr>
+            <p:spPr>
+              <a:xfrm flipH="1" flipV="1">
+                <a:off x="6459243" y="5847813"/>
+                <a:ext cx="49763" cy="58835"/>
+              </a:xfrm>
+              <a:prstGeom prst="line">
+                <a:avLst/>
+              </a:prstGeom>
+            </p:spPr>
+            <p:style>
+              <a:lnRef idx="1">
+                <a:schemeClr val="accent1"/>
+              </a:lnRef>
+              <a:fillRef idx="0">
+                <a:schemeClr val="accent1"/>
+              </a:fillRef>
+              <a:effectRef idx="0">
+                <a:schemeClr val="accent1"/>
+              </a:effectRef>
+              <a:fontRef idx="minor">
+                <a:schemeClr val="tx1"/>
+              </a:fontRef>
+            </p:style>
+          </p:cxnSp>
+          <p:cxnSp>
+            <p:nvCxnSpPr>
+              <p:cNvPr id="169" name="Straight Connector 168">
+                <a:extLst>
+                  <a:ext uri="{FF2B5EF4-FFF2-40B4-BE49-F238E27FC236}">
+                    <a16:creationId xmlns:a16="http://schemas.microsoft.com/office/drawing/2014/main" id="{5E46FFE7-1468-466C-B07A-0C265BC358CC}"/>
+                  </a:ext>
+                </a:extLst>
+              </p:cNvPr>
+              <p:cNvCxnSpPr>
+                <a:cxnSpLocks/>
+              </p:cNvCxnSpPr>
+              <p:nvPr/>
+            </p:nvCxnSpPr>
+            <p:spPr>
+              <a:xfrm flipH="1">
+                <a:off x="6196125" y="5825000"/>
+                <a:ext cx="5047" cy="66358"/>
+              </a:xfrm>
+              <a:prstGeom prst="line">
+                <a:avLst/>
+              </a:prstGeom>
+            </p:spPr>
+            <p:style>
+              <a:lnRef idx="1">
+                <a:schemeClr val="accent1"/>
+              </a:lnRef>
+              <a:fillRef idx="0">
+                <a:schemeClr val="accent1"/>
+              </a:fillRef>
+              <a:effectRef idx="0">
+                <a:schemeClr val="accent1"/>
+              </a:effectRef>
+              <a:fontRef idx="minor">
+                <a:schemeClr val="tx1"/>
+              </a:fontRef>
+            </p:style>
+          </p:cxnSp>
+          <p:cxnSp>
+            <p:nvCxnSpPr>
+              <p:cNvPr id="172" name="Straight Connector 171">
+                <a:extLst>
+                  <a:ext uri="{FF2B5EF4-FFF2-40B4-BE49-F238E27FC236}">
+                    <a16:creationId xmlns:a16="http://schemas.microsoft.com/office/drawing/2014/main" id="{7C7642EC-ADB1-41D4-9472-CE88C2493D9C}"/>
+                  </a:ext>
+                </a:extLst>
+              </p:cNvPr>
+              <p:cNvCxnSpPr>
+                <a:cxnSpLocks/>
+              </p:cNvCxnSpPr>
+              <p:nvPr/>
+            </p:nvCxnSpPr>
+            <p:spPr>
+              <a:xfrm flipH="1">
+                <a:off x="6459935" y="5813404"/>
+                <a:ext cx="61029" cy="46400"/>
+              </a:xfrm>
+              <a:prstGeom prst="line">
+                <a:avLst/>
+              </a:prstGeom>
+            </p:spPr>
+            <p:style>
+              <a:lnRef idx="1">
+                <a:schemeClr val="accent1"/>
+              </a:lnRef>
+              <a:fillRef idx="0">
+                <a:schemeClr val="accent1"/>
+              </a:fillRef>
+              <a:effectRef idx="0">
+                <a:schemeClr val="accent1"/>
+              </a:effectRef>
+              <a:fontRef idx="minor">
+                <a:schemeClr val="tx1"/>
+              </a:fontRef>
+            </p:style>
+          </p:cxnSp>
+          <p:cxnSp>
+            <p:nvCxnSpPr>
+              <p:cNvPr id="174" name="Straight Connector 173">
+                <a:extLst>
+                  <a:ext uri="{FF2B5EF4-FFF2-40B4-BE49-F238E27FC236}">
+                    <a16:creationId xmlns:a16="http://schemas.microsoft.com/office/drawing/2014/main" id="{57F87641-9768-443E-9BD0-5CCEF63F7A4F}"/>
+                  </a:ext>
+                </a:extLst>
+              </p:cNvPr>
+              <p:cNvCxnSpPr>
+                <a:cxnSpLocks/>
+              </p:cNvCxnSpPr>
+              <p:nvPr/>
+            </p:nvCxnSpPr>
+            <p:spPr>
+              <a:xfrm>
+                <a:off x="6520856" y="5811646"/>
+                <a:ext cx="154634" cy="34138"/>
+              </a:xfrm>
+              <a:prstGeom prst="line">
+                <a:avLst/>
+              </a:prstGeom>
+            </p:spPr>
+            <p:style>
+              <a:lnRef idx="1">
+                <a:schemeClr val="accent1"/>
+              </a:lnRef>
+              <a:fillRef idx="0">
+                <a:schemeClr val="accent1"/>
+              </a:fillRef>
+              <a:effectRef idx="0">
+                <a:schemeClr val="accent1"/>
+              </a:effectRef>
+              <a:fontRef idx="minor">
+                <a:schemeClr val="tx1"/>
+              </a:fontRef>
+            </p:style>
+          </p:cxnSp>
+          <p:cxnSp>
+            <p:nvCxnSpPr>
+              <p:cNvPr id="177" name="Straight Connector 176">
+                <a:extLst>
+                  <a:ext uri="{FF2B5EF4-FFF2-40B4-BE49-F238E27FC236}">
+                    <a16:creationId xmlns:a16="http://schemas.microsoft.com/office/drawing/2014/main" id="{E495B06F-C6B3-4C03-BEE1-F2A35B345FC0}"/>
+                  </a:ext>
+                </a:extLst>
+              </p:cNvPr>
+              <p:cNvCxnSpPr>
+                <a:cxnSpLocks/>
+              </p:cNvCxnSpPr>
+              <p:nvPr/>
+            </p:nvCxnSpPr>
+            <p:spPr>
+              <a:xfrm flipH="1" flipV="1">
+                <a:off x="6174996" y="5881961"/>
+                <a:ext cx="516634" cy="22375"/>
+              </a:xfrm>
+              <a:prstGeom prst="line">
+                <a:avLst/>
+              </a:prstGeom>
+            </p:spPr>
+            <p:style>
+              <a:lnRef idx="1">
+                <a:schemeClr val="accent1"/>
+              </a:lnRef>
+              <a:fillRef idx="0">
+                <a:schemeClr val="accent1"/>
+              </a:fillRef>
+              <a:effectRef idx="0">
+                <a:schemeClr val="accent1"/>
+              </a:effectRef>
+              <a:fontRef idx="minor">
+                <a:schemeClr val="tx1"/>
+              </a:fontRef>
+            </p:style>
+          </p:cxnSp>
+          <p:cxnSp>
+            <p:nvCxnSpPr>
+              <p:cNvPr id="182" name="Straight Connector 181">
+                <a:extLst>
+                  <a:ext uri="{FF2B5EF4-FFF2-40B4-BE49-F238E27FC236}">
+                    <a16:creationId xmlns:a16="http://schemas.microsoft.com/office/drawing/2014/main" id="{5E51E157-FBA0-42E0-B745-9C369B2C3036}"/>
+                  </a:ext>
+                </a:extLst>
+              </p:cNvPr>
+              <p:cNvCxnSpPr>
+                <a:cxnSpLocks/>
+              </p:cNvCxnSpPr>
+              <p:nvPr/>
+            </p:nvCxnSpPr>
+            <p:spPr>
+              <a:xfrm>
+                <a:off x="6661638" y="5780215"/>
+                <a:ext cx="41653" cy="132983"/>
+              </a:xfrm>
+              <a:prstGeom prst="line">
+                <a:avLst/>
+              </a:prstGeom>
+            </p:spPr>
+            <p:style>
+              <a:lnRef idx="1">
+                <a:schemeClr val="accent1"/>
+              </a:lnRef>
+              <a:fillRef idx="0">
+                <a:schemeClr val="accent1"/>
+              </a:fillRef>
+              <a:effectRef idx="0">
+                <a:schemeClr val="accent1"/>
+              </a:effectRef>
+              <a:fontRef idx="minor">
+                <a:schemeClr val="tx1"/>
+              </a:fontRef>
+            </p:style>
+          </p:cxnSp>
+          <p:cxnSp>
+            <p:nvCxnSpPr>
+              <p:cNvPr id="184" name="Straight Connector 183">
+                <a:extLst>
+                  <a:ext uri="{FF2B5EF4-FFF2-40B4-BE49-F238E27FC236}">
+                    <a16:creationId xmlns:a16="http://schemas.microsoft.com/office/drawing/2014/main" id="{6E4AB269-4830-4F95-9A76-DF23085F115A}"/>
+                  </a:ext>
+                </a:extLst>
+              </p:cNvPr>
+              <p:cNvCxnSpPr>
+                <a:cxnSpLocks/>
+              </p:cNvCxnSpPr>
+              <p:nvPr/>
+            </p:nvCxnSpPr>
+            <p:spPr>
+              <a:xfrm flipH="1">
+                <a:off x="6357347" y="5826072"/>
+                <a:ext cx="52916" cy="143720"/>
+              </a:xfrm>
+              <a:prstGeom prst="line">
+                <a:avLst/>
+              </a:prstGeom>
+            </p:spPr>
+            <p:style>
+              <a:lnRef idx="1">
+                <a:schemeClr val="accent1"/>
+              </a:lnRef>
+              <a:fillRef idx="0">
+                <a:schemeClr val="accent1"/>
+              </a:fillRef>
+              <a:effectRef idx="0">
+                <a:schemeClr val="accent1"/>
+              </a:effectRef>
+              <a:fontRef idx="minor">
+                <a:schemeClr val="tx1"/>
+              </a:fontRef>
+            </p:style>
+          </p:cxnSp>
+          <p:cxnSp>
+            <p:nvCxnSpPr>
+              <p:cNvPr id="186" name="Straight Connector 185">
+                <a:extLst>
+                  <a:ext uri="{FF2B5EF4-FFF2-40B4-BE49-F238E27FC236}">
+                    <a16:creationId xmlns:a16="http://schemas.microsoft.com/office/drawing/2014/main" id="{852E0327-8B04-483F-AC8A-A3067FE1CC39}"/>
+                  </a:ext>
+                </a:extLst>
+              </p:cNvPr>
+              <p:cNvCxnSpPr>
+                <a:cxnSpLocks/>
+              </p:cNvCxnSpPr>
+              <p:nvPr/>
+            </p:nvCxnSpPr>
+            <p:spPr>
+              <a:xfrm>
+                <a:off x="6416126" y="5825000"/>
+                <a:ext cx="50677" cy="159919"/>
+              </a:xfrm>
+              <a:prstGeom prst="line">
+                <a:avLst/>
+              </a:prstGeom>
+            </p:spPr>
+            <p:style>
+              <a:lnRef idx="1">
+                <a:schemeClr val="accent1"/>
+              </a:lnRef>
+              <a:fillRef idx="0">
+                <a:schemeClr val="accent1"/>
+              </a:fillRef>
+              <a:effectRef idx="0">
+                <a:schemeClr val="accent1"/>
+              </a:effectRef>
+              <a:fontRef idx="minor">
+                <a:schemeClr val="tx1"/>
+              </a:fontRef>
+            </p:style>
+          </p:cxnSp>
+          <p:cxnSp>
+            <p:nvCxnSpPr>
+              <p:cNvPr id="189" name="Straight Connector 188">
+                <a:extLst>
+                  <a:ext uri="{FF2B5EF4-FFF2-40B4-BE49-F238E27FC236}">
+                    <a16:creationId xmlns:a16="http://schemas.microsoft.com/office/drawing/2014/main" id="{8CFC40CC-90A7-4A77-9DAE-630DC2249E90}"/>
+                  </a:ext>
+                </a:extLst>
+              </p:cNvPr>
+              <p:cNvCxnSpPr>
+                <a:cxnSpLocks/>
+              </p:cNvCxnSpPr>
+              <p:nvPr/>
+            </p:nvCxnSpPr>
+            <p:spPr>
+              <a:xfrm flipH="1">
+                <a:off x="6354237" y="5976840"/>
+                <a:ext cx="112535" cy="0"/>
+              </a:xfrm>
+              <a:prstGeom prst="line">
+                <a:avLst/>
+              </a:prstGeom>
+            </p:spPr>
+            <p:style>
+              <a:lnRef idx="1">
+                <a:schemeClr val="accent1"/>
+              </a:lnRef>
+              <a:fillRef idx="0">
+                <a:schemeClr val="accent1"/>
+              </a:fillRef>
+              <a:effectRef idx="0">
+                <a:schemeClr val="accent1"/>
+              </a:effectRef>
+              <a:fontRef idx="minor">
+                <a:schemeClr val="tx1"/>
+              </a:fontRef>
+            </p:style>
+          </p:cxnSp>
+          <p:cxnSp>
+            <p:nvCxnSpPr>
+              <p:cNvPr id="192" name="Straight Connector 191">
+                <a:extLst>
+                  <a:ext uri="{FF2B5EF4-FFF2-40B4-BE49-F238E27FC236}">
+                    <a16:creationId xmlns:a16="http://schemas.microsoft.com/office/drawing/2014/main" id="{F373A37F-0C7B-41F5-8889-7612F7D5BD57}"/>
+                  </a:ext>
+                </a:extLst>
+              </p:cNvPr>
+              <p:cNvCxnSpPr>
+                <a:cxnSpLocks/>
+              </p:cNvCxnSpPr>
+              <p:nvPr/>
+            </p:nvCxnSpPr>
+            <p:spPr>
+              <a:xfrm flipH="1">
+                <a:off x="6278322" y="6011208"/>
+                <a:ext cx="242535" cy="0"/>
+              </a:xfrm>
+              <a:prstGeom prst="line">
+                <a:avLst/>
+              </a:prstGeom>
+            </p:spPr>
+            <p:style>
+              <a:lnRef idx="1">
+                <a:schemeClr val="accent1"/>
+              </a:lnRef>
+              <a:fillRef idx="0">
+                <a:schemeClr val="accent1"/>
+              </a:fillRef>
+              <a:effectRef idx="0">
+                <a:schemeClr val="accent1"/>
+              </a:effectRef>
+              <a:fontRef idx="minor">
+                <a:schemeClr val="tx1"/>
+              </a:fontRef>
+            </p:style>
+          </p:cxnSp>
+          <p:cxnSp>
+            <p:nvCxnSpPr>
+              <p:cNvPr id="195" name="Straight Connector 194">
+                <a:extLst>
+                  <a:ext uri="{FF2B5EF4-FFF2-40B4-BE49-F238E27FC236}">
+                    <a16:creationId xmlns:a16="http://schemas.microsoft.com/office/drawing/2014/main" id="{8E071F38-6C72-4C0B-BFE5-E16882D09123}"/>
+                  </a:ext>
+                </a:extLst>
+              </p:cNvPr>
+              <p:cNvCxnSpPr>
+                <a:cxnSpLocks/>
+              </p:cNvCxnSpPr>
+              <p:nvPr/>
+            </p:nvCxnSpPr>
+            <p:spPr>
+              <a:xfrm flipH="1">
+                <a:off x="6278322" y="6002920"/>
+                <a:ext cx="1643" cy="75009"/>
+              </a:xfrm>
+              <a:prstGeom prst="line">
+                <a:avLst/>
+              </a:prstGeom>
+            </p:spPr>
+            <p:style>
+              <a:lnRef idx="1">
+                <a:schemeClr val="accent1"/>
+              </a:lnRef>
+              <a:fillRef idx="0">
+                <a:schemeClr val="accent1"/>
+              </a:fillRef>
+              <a:effectRef idx="0">
+                <a:schemeClr val="accent1"/>
+              </a:effectRef>
+              <a:fontRef idx="minor">
+                <a:schemeClr val="tx1"/>
+              </a:fontRef>
+            </p:style>
+          </p:cxnSp>
+          <p:cxnSp>
+            <p:nvCxnSpPr>
+              <p:cNvPr id="219" name="Straight Connector 218">
+                <a:extLst>
+                  <a:ext uri="{FF2B5EF4-FFF2-40B4-BE49-F238E27FC236}">
+                    <a16:creationId xmlns:a16="http://schemas.microsoft.com/office/drawing/2014/main" id="{FED5E743-2BA4-48AD-AFC4-97B70A62FBED}"/>
+                  </a:ext>
+                </a:extLst>
+              </p:cNvPr>
+              <p:cNvCxnSpPr>
+                <a:cxnSpLocks/>
+              </p:cNvCxnSpPr>
+              <p:nvPr/>
+            </p:nvCxnSpPr>
+            <p:spPr>
+              <a:xfrm flipH="1">
+                <a:off x="6518352" y="6006730"/>
+                <a:ext cx="1643" cy="75009"/>
+              </a:xfrm>
+              <a:prstGeom prst="line">
+                <a:avLst/>
+              </a:prstGeom>
+            </p:spPr>
+            <p:style>
+              <a:lnRef idx="1">
+                <a:schemeClr val="accent1"/>
+              </a:lnRef>
+              <a:fillRef idx="0">
+                <a:schemeClr val="accent1"/>
+              </a:fillRef>
+              <a:effectRef idx="0">
+                <a:schemeClr val="accent1"/>
+              </a:effectRef>
+              <a:fontRef idx="minor">
+                <a:schemeClr val="tx1"/>
+              </a:fontRef>
+            </p:style>
+          </p:cxnSp>
+          <p:cxnSp>
+            <p:nvCxnSpPr>
+              <p:cNvPr id="220" name="Straight Connector 219">
+                <a:extLst>
+                  <a:ext uri="{FF2B5EF4-FFF2-40B4-BE49-F238E27FC236}">
+                    <a16:creationId xmlns:a16="http://schemas.microsoft.com/office/drawing/2014/main" id="{0F97AE75-CF32-4AD0-9C51-C028A24C8293}"/>
+                  </a:ext>
+                </a:extLst>
+              </p:cNvPr>
+              <p:cNvCxnSpPr>
+                <a:cxnSpLocks/>
+              </p:cNvCxnSpPr>
+              <p:nvPr/>
+            </p:nvCxnSpPr>
+            <p:spPr>
+              <a:xfrm>
+                <a:off x="6288957" y="6089642"/>
+                <a:ext cx="229395" cy="0"/>
+              </a:xfrm>
+              <a:prstGeom prst="line">
+                <a:avLst/>
+              </a:prstGeom>
+            </p:spPr>
+            <p:style>
+              <a:lnRef idx="1">
+                <a:schemeClr val="accent1"/>
+              </a:lnRef>
+              <a:fillRef idx="0">
+                <a:schemeClr val="accent1"/>
+              </a:fillRef>
+              <a:effectRef idx="0">
+                <a:schemeClr val="accent1"/>
+              </a:effectRef>
+              <a:fontRef idx="minor">
+                <a:schemeClr val="tx1"/>
+              </a:fontRef>
+            </p:style>
+          </p:cxnSp>
+        </p:grpSp>
+        <p:grpSp>
+          <p:nvGrpSpPr>
+            <p:cNvPr id="228" name="Group 227">
+              <a:extLst>
+                <a:ext uri="{FF2B5EF4-FFF2-40B4-BE49-F238E27FC236}">
+                  <a16:creationId xmlns:a16="http://schemas.microsoft.com/office/drawing/2014/main" id="{3D553F43-CF2E-48EC-AC5F-310D4594F2A7}"/>
+                </a:ext>
+              </a:extLst>
+            </p:cNvPr>
+            <p:cNvGrpSpPr/>
+            <p:nvPr/>
+          </p:nvGrpSpPr>
+          <p:grpSpPr>
+            <a:xfrm>
+              <a:off x="5219164" y="5248568"/>
+              <a:ext cx="773715" cy="867085"/>
+              <a:chOff x="1278900" y="3993399"/>
+              <a:chExt cx="533275" cy="542406"/>
+            </a:xfrm>
+          </p:grpSpPr>
+          <p:grpSp>
+            <p:nvGrpSpPr>
+              <p:cNvPr id="229" name="Group 228">
+                <a:extLst>
+                  <a:ext uri="{FF2B5EF4-FFF2-40B4-BE49-F238E27FC236}">
+                    <a16:creationId xmlns:a16="http://schemas.microsoft.com/office/drawing/2014/main" id="{7A15163D-CEE0-44B0-9267-F69AE6E4EF4E}"/>
+                  </a:ext>
+                </a:extLst>
+              </p:cNvPr>
+              <p:cNvGrpSpPr/>
+              <p:nvPr/>
+            </p:nvGrpSpPr>
+            <p:grpSpPr>
+              <a:xfrm>
+                <a:off x="1278900" y="3993399"/>
+                <a:ext cx="533275" cy="462705"/>
+                <a:chOff x="1278900" y="3993399"/>
+                <a:chExt cx="533275" cy="462705"/>
+              </a:xfrm>
+            </p:grpSpPr>
+            <p:sp>
+              <p:nvSpPr>
+                <p:cNvPr id="231" name="Oval 230">
+                  <a:extLst>
+                    <a:ext uri="{FF2B5EF4-FFF2-40B4-BE49-F238E27FC236}">
+                      <a16:creationId xmlns:a16="http://schemas.microsoft.com/office/drawing/2014/main" id="{1D0BB741-A613-4C65-A731-420B79D76326}"/>
+                    </a:ext>
+                  </a:extLst>
+                </p:cNvPr>
+                <p:cNvSpPr/>
+                <p:nvPr/>
+              </p:nvSpPr>
+              <p:spPr>
+                <a:xfrm>
+                  <a:off x="1288473" y="4015047"/>
+                  <a:ext cx="523702" cy="441057"/>
+                </a:xfrm>
+                <a:prstGeom prst="ellipse">
+                  <a:avLst/>
+                </a:prstGeom>
+                <a:solidFill>
+                  <a:schemeClr val="accent4">
+                    <a:lumMod val="40000"/>
+                    <a:lumOff val="60000"/>
+                  </a:schemeClr>
+                </a:solidFill>
+                <a:ln>
+                  <a:noFill/>
+                </a:ln>
+              </p:spPr>
+              <p:style>
+                <a:lnRef idx="2">
+                  <a:schemeClr val="accent4">
+                    <a:shade val="50000"/>
+                  </a:schemeClr>
+                </a:lnRef>
+                <a:fillRef idx="1">
+                  <a:schemeClr val="accent4"/>
+                </a:fillRef>
+                <a:effectRef idx="0">
+                  <a:schemeClr val="accent4"/>
+                </a:effectRef>
+                <a:fontRef idx="minor">
+                  <a:schemeClr val="lt1"/>
+                </a:fontRef>
+              </p:style>
+              <p:txBody>
+                <a:bodyPr rtlCol="0" anchor="ctr"/>
+                <a:lstStyle/>
+                <a:p>
+                  <a:pPr algn="ctr"/>
+                  <a:endParaRPr lang="en-US"/>
+                </a:p>
+              </p:txBody>
+            </p:sp>
+            <p:sp>
+              <p:nvSpPr>
+                <p:cNvPr id="232" name="Isosceles Triangle 231">
+                  <a:extLst>
+                    <a:ext uri="{FF2B5EF4-FFF2-40B4-BE49-F238E27FC236}">
+                      <a16:creationId xmlns:a16="http://schemas.microsoft.com/office/drawing/2014/main" id="{1091746F-32B9-436E-A47E-85EE642CDC89}"/>
+                    </a:ext>
+                  </a:extLst>
+                </p:cNvPr>
+                <p:cNvSpPr/>
+                <p:nvPr/>
+              </p:nvSpPr>
+              <p:spPr>
+                <a:xfrm>
+                  <a:off x="1288473" y="3993399"/>
+                  <a:ext cx="523702" cy="99753"/>
+                </a:xfrm>
+                <a:prstGeom prst="triangle">
+                  <a:avLst/>
+                </a:prstGeom>
+                <a:solidFill>
+                  <a:srgbClr val="B08058"/>
+                </a:solidFill>
+                <a:ln>
+                  <a:noFill/>
+                </a:ln>
+              </p:spPr>
+              <p:style>
+                <a:lnRef idx="2">
+                  <a:schemeClr val="accent1">
+                    <a:shade val="50000"/>
+                  </a:schemeClr>
+                </a:lnRef>
+                <a:fillRef idx="1">
+                  <a:schemeClr val="accent1"/>
+                </a:fillRef>
+                <a:effectRef idx="0">
+                  <a:schemeClr val="accent1"/>
+                </a:effectRef>
+                <a:fontRef idx="minor">
+                  <a:schemeClr val="lt1"/>
+                </a:fontRef>
+              </p:style>
+              <p:txBody>
+                <a:bodyPr rtlCol="0" anchor="ctr"/>
+                <a:lstStyle/>
+                <a:p>
+                  <a:pPr algn="ctr"/>
+                  <a:endParaRPr lang="en-US"/>
+                </a:p>
+              </p:txBody>
+            </p:sp>
+            <p:sp>
+              <p:nvSpPr>
+                <p:cNvPr id="233" name="Rectangle 232">
+                  <a:extLst>
+                    <a:ext uri="{FF2B5EF4-FFF2-40B4-BE49-F238E27FC236}">
+                      <a16:creationId xmlns:a16="http://schemas.microsoft.com/office/drawing/2014/main" id="{03EF6A2A-763E-4EB6-830C-324131674F64}"/>
+                    </a:ext>
+                  </a:extLst>
+                </p:cNvPr>
+                <p:cNvSpPr/>
+                <p:nvPr/>
+              </p:nvSpPr>
+              <p:spPr>
+                <a:xfrm rot="490814">
+                  <a:off x="1278900" y="4087749"/>
+                  <a:ext cx="62226" cy="191800"/>
+                </a:xfrm>
+                <a:prstGeom prst="rect">
+                  <a:avLst/>
+                </a:prstGeom>
+                <a:solidFill>
+                  <a:srgbClr val="B08058"/>
+                </a:solidFill>
+                <a:ln>
+                  <a:noFill/>
+                </a:ln>
+              </p:spPr>
+              <p:style>
+                <a:lnRef idx="2">
+                  <a:schemeClr val="accent1">
+                    <a:shade val="50000"/>
+                  </a:schemeClr>
+                </a:lnRef>
+                <a:fillRef idx="1">
+                  <a:schemeClr val="accent1"/>
+                </a:fillRef>
+                <a:effectRef idx="0">
+                  <a:schemeClr val="accent1"/>
+                </a:effectRef>
+                <a:fontRef idx="minor">
+                  <a:schemeClr val="lt1"/>
+                </a:fontRef>
+              </p:style>
+              <p:txBody>
+                <a:bodyPr rtlCol="0" anchor="ctr"/>
+                <a:lstStyle/>
+                <a:p>
+                  <a:pPr algn="ctr"/>
+                  <a:endParaRPr lang="en-US"/>
+                </a:p>
+              </p:txBody>
+            </p:sp>
+            <p:sp>
+              <p:nvSpPr>
+                <p:cNvPr id="234" name="Rectangle 233">
+                  <a:extLst>
+                    <a:ext uri="{FF2B5EF4-FFF2-40B4-BE49-F238E27FC236}">
+                      <a16:creationId xmlns:a16="http://schemas.microsoft.com/office/drawing/2014/main" id="{C65FA3EB-3932-4364-A300-B6616167F600}"/>
+                    </a:ext>
+                  </a:extLst>
+                </p:cNvPr>
+                <p:cNvSpPr/>
+                <p:nvPr/>
+              </p:nvSpPr>
+              <p:spPr>
+                <a:xfrm rot="9411357">
+                  <a:off x="1430276" y="4037760"/>
+                  <a:ext cx="214316" cy="109813"/>
+                </a:xfrm>
+                <a:prstGeom prst="rect">
+                  <a:avLst/>
+                </a:prstGeom>
+                <a:solidFill>
+                  <a:srgbClr val="B08058"/>
+                </a:solidFill>
+                <a:ln>
+                  <a:noFill/>
+                </a:ln>
+              </p:spPr>
+              <p:style>
+                <a:lnRef idx="2">
+                  <a:schemeClr val="accent1">
+                    <a:shade val="50000"/>
+                  </a:schemeClr>
+                </a:lnRef>
+                <a:fillRef idx="1">
+                  <a:schemeClr val="accent1"/>
+                </a:fillRef>
+                <a:effectRef idx="0">
+                  <a:schemeClr val="accent1"/>
+                </a:effectRef>
+                <a:fontRef idx="minor">
+                  <a:schemeClr val="lt1"/>
+                </a:fontRef>
+              </p:style>
+              <p:txBody>
+                <a:bodyPr rtlCol="0" anchor="ctr"/>
+                <a:lstStyle/>
+                <a:p>
+                  <a:pPr algn="ctr"/>
+                  <a:endParaRPr lang="en-US"/>
+                </a:p>
+              </p:txBody>
+            </p:sp>
+            <p:sp>
+              <p:nvSpPr>
+                <p:cNvPr id="235" name="Rectangle 234">
+                  <a:extLst>
+                    <a:ext uri="{FF2B5EF4-FFF2-40B4-BE49-F238E27FC236}">
+                      <a16:creationId xmlns:a16="http://schemas.microsoft.com/office/drawing/2014/main" id="{6FB8211B-C806-4A7C-A62A-1B343BD3C5DE}"/>
+                    </a:ext>
+                  </a:extLst>
+                </p:cNvPr>
+                <p:cNvSpPr/>
+                <p:nvPr/>
+              </p:nvSpPr>
+              <p:spPr>
+                <a:xfrm rot="13303060">
+                  <a:off x="1479071" y="4064247"/>
+                  <a:ext cx="221002" cy="73723"/>
+                </a:xfrm>
+                <a:prstGeom prst="rect">
+                  <a:avLst/>
+                </a:prstGeom>
+                <a:solidFill>
+                  <a:srgbClr val="B08058"/>
+                </a:solidFill>
+                <a:ln>
+                  <a:noFill/>
+                </a:ln>
+              </p:spPr>
+              <p:style>
+                <a:lnRef idx="2">
+                  <a:schemeClr val="accent1">
+                    <a:shade val="50000"/>
+                  </a:schemeClr>
+                </a:lnRef>
+                <a:fillRef idx="1">
+                  <a:schemeClr val="accent1"/>
+                </a:fillRef>
+                <a:effectRef idx="0">
+                  <a:schemeClr val="accent1"/>
+                </a:effectRef>
+                <a:fontRef idx="minor">
+                  <a:schemeClr val="lt1"/>
+                </a:fontRef>
+              </p:style>
+              <p:txBody>
+                <a:bodyPr rtlCol="0" anchor="ctr"/>
+                <a:lstStyle/>
+                <a:p>
+                  <a:pPr algn="ctr"/>
+                  <a:endParaRPr lang="en-US"/>
+                </a:p>
+              </p:txBody>
+            </p:sp>
+            <p:sp>
+              <p:nvSpPr>
+                <p:cNvPr id="236" name="Rectangle 235">
+                  <a:extLst>
+                    <a:ext uri="{FF2B5EF4-FFF2-40B4-BE49-F238E27FC236}">
+                      <a16:creationId xmlns:a16="http://schemas.microsoft.com/office/drawing/2014/main" id="{FFAFD803-EB77-4B81-A3A5-C17F30FBE2C9}"/>
+                    </a:ext>
+                  </a:extLst>
+                </p:cNvPr>
+                <p:cNvSpPr/>
+                <p:nvPr/>
+              </p:nvSpPr>
+              <p:spPr>
+                <a:xfrm rot="10800000">
+                  <a:off x="1334225" y="4037758"/>
+                  <a:ext cx="427899" cy="109813"/>
+                </a:xfrm>
+                <a:prstGeom prst="rect">
+                  <a:avLst/>
+                </a:prstGeom>
+                <a:solidFill>
+                  <a:srgbClr val="B08058"/>
+                </a:solidFill>
+                <a:ln>
+                  <a:noFill/>
+                </a:ln>
+              </p:spPr>
+              <p:style>
+                <a:lnRef idx="2">
+                  <a:schemeClr val="accent1">
+                    <a:shade val="50000"/>
+                  </a:schemeClr>
+                </a:lnRef>
+                <a:fillRef idx="1">
+                  <a:schemeClr val="accent1"/>
+                </a:fillRef>
+                <a:effectRef idx="0">
+                  <a:schemeClr val="accent1"/>
+                </a:effectRef>
+                <a:fontRef idx="minor">
+                  <a:schemeClr val="lt1"/>
+                </a:fontRef>
+              </p:style>
+              <p:txBody>
+                <a:bodyPr rtlCol="0" anchor="ctr"/>
+                <a:lstStyle/>
+                <a:p>
+                  <a:pPr algn="ctr"/>
+                  <a:endParaRPr lang="en-US"/>
+                </a:p>
+              </p:txBody>
+            </p:sp>
+            <p:sp>
+              <p:nvSpPr>
+                <p:cNvPr id="237" name="Rectangle 236">
+                  <a:extLst>
+                    <a:ext uri="{FF2B5EF4-FFF2-40B4-BE49-F238E27FC236}">
+                      <a16:creationId xmlns:a16="http://schemas.microsoft.com/office/drawing/2014/main" id="{F0ED3D59-5532-43A7-B0ED-554817EA1C37}"/>
+                    </a:ext>
+                  </a:extLst>
+                </p:cNvPr>
+                <p:cNvSpPr/>
+                <p:nvPr/>
+              </p:nvSpPr>
+              <p:spPr>
+                <a:xfrm rot="9221647">
+                  <a:off x="1727564" y="4039477"/>
+                  <a:ext cx="62226" cy="233086"/>
+                </a:xfrm>
+                <a:prstGeom prst="rect">
+                  <a:avLst/>
+                </a:prstGeom>
+                <a:solidFill>
+                  <a:srgbClr val="B08058"/>
+                </a:solidFill>
+                <a:ln>
+                  <a:noFill/>
+                </a:ln>
+              </p:spPr>
+              <p:style>
+                <a:lnRef idx="2">
+                  <a:schemeClr val="accent1">
+                    <a:shade val="50000"/>
+                  </a:schemeClr>
+                </a:lnRef>
+                <a:fillRef idx="1">
+                  <a:schemeClr val="accent1"/>
+                </a:fillRef>
+                <a:effectRef idx="0">
+                  <a:schemeClr val="accent1"/>
+                </a:effectRef>
+                <a:fontRef idx="minor">
+                  <a:schemeClr val="lt1"/>
+                </a:fontRef>
+              </p:style>
+              <p:txBody>
+                <a:bodyPr rtlCol="0" anchor="ctr"/>
+                <a:lstStyle/>
+                <a:p>
+                  <a:pPr algn="ctr"/>
+                  <a:endParaRPr lang="en-US"/>
+                </a:p>
+              </p:txBody>
+            </p:sp>
+            <p:sp>
+              <p:nvSpPr>
+                <p:cNvPr id="238" name="Arc 237">
+                  <a:extLst>
+                    <a:ext uri="{FF2B5EF4-FFF2-40B4-BE49-F238E27FC236}">
+                      <a16:creationId xmlns:a16="http://schemas.microsoft.com/office/drawing/2014/main" id="{485804B1-6EE5-4A81-BB85-15FFA9681D4D}"/>
+                    </a:ext>
+                  </a:extLst>
+                </p:cNvPr>
+                <p:cNvSpPr/>
+                <p:nvPr/>
+              </p:nvSpPr>
+              <p:spPr>
+                <a:xfrm>
+                  <a:off x="1524676" y="4202565"/>
+                  <a:ext cx="194310" cy="45719"/>
+                </a:xfrm>
+                <a:prstGeom prst="arc">
+                  <a:avLst/>
+                </a:prstGeom>
+              </p:spPr>
+              <p:style>
+                <a:lnRef idx="3">
+                  <a:schemeClr val="dk1"/>
+                </a:lnRef>
+                <a:fillRef idx="0">
+                  <a:schemeClr val="dk1"/>
+                </a:fillRef>
+                <a:effectRef idx="2">
+                  <a:schemeClr val="dk1"/>
+                </a:effectRef>
+                <a:fontRef idx="minor">
+                  <a:schemeClr val="tx1"/>
+                </a:fontRef>
+              </p:style>
+              <p:txBody>
+                <a:bodyPr rtlCol="0" anchor="ctr"/>
+                <a:lstStyle/>
+                <a:p>
+                  <a:pPr algn="ctr"/>
+                  <a:endParaRPr lang="en-US"/>
+                </a:p>
+              </p:txBody>
+            </p:sp>
+            <p:sp>
+              <p:nvSpPr>
+                <p:cNvPr id="239" name="Arc 238">
+                  <a:extLst>
+                    <a:ext uri="{FF2B5EF4-FFF2-40B4-BE49-F238E27FC236}">
+                      <a16:creationId xmlns:a16="http://schemas.microsoft.com/office/drawing/2014/main" id="{BF4D0CC2-E897-449C-929E-359E65916894}"/>
+                    </a:ext>
+                  </a:extLst>
+                </p:cNvPr>
+                <p:cNvSpPr/>
+                <p:nvPr/>
+              </p:nvSpPr>
+              <p:spPr>
+                <a:xfrm flipH="1">
+                  <a:off x="1396571" y="4200258"/>
+                  <a:ext cx="194516" cy="45719"/>
+                </a:xfrm>
+                <a:prstGeom prst="arc">
+                  <a:avLst/>
+                </a:prstGeom>
+              </p:spPr>
+              <p:style>
+                <a:lnRef idx="3">
+                  <a:schemeClr val="dk1"/>
+                </a:lnRef>
+                <a:fillRef idx="0">
+                  <a:schemeClr val="dk1"/>
+                </a:fillRef>
+                <a:effectRef idx="2">
+                  <a:schemeClr val="dk1"/>
+                </a:effectRef>
+                <a:fontRef idx="minor">
+                  <a:schemeClr val="tx1"/>
+                </a:fontRef>
+              </p:style>
+              <p:txBody>
+                <a:bodyPr rtlCol="0" anchor="ctr"/>
+                <a:lstStyle/>
+                <a:p>
+                  <a:pPr algn="ctr"/>
+                  <a:endParaRPr lang="en-US"/>
+                </a:p>
+              </p:txBody>
+            </p:sp>
+            <p:sp>
+              <p:nvSpPr>
+                <p:cNvPr id="240" name="Oval 239">
+                  <a:extLst>
+                    <a:ext uri="{FF2B5EF4-FFF2-40B4-BE49-F238E27FC236}">
+                      <a16:creationId xmlns:a16="http://schemas.microsoft.com/office/drawing/2014/main" id="{A36184BE-495B-41C7-B409-9134C58014D9}"/>
+                    </a:ext>
+                  </a:extLst>
+                </p:cNvPr>
+                <p:cNvSpPr/>
+                <p:nvPr/>
+              </p:nvSpPr>
+              <p:spPr>
+                <a:xfrm>
+                  <a:off x="1404609" y="4221757"/>
+                  <a:ext cx="112030" cy="45719"/>
+                </a:xfrm>
+                <a:prstGeom prst="ellipse">
+                  <a:avLst/>
+                </a:prstGeom>
                 <a:solidFill>
                   <a:schemeClr val="bg1"/>
                 </a:solidFill>
-              </a:rPr>
-              <a:t>Hello, John Doe.</a:t>
-            </a:r>
-          </a:p>
-        </p:txBody>
-      </p:sp>
-      <p:sp>
-        <p:nvSpPr>
-          <p:cNvPr id="85" name="Action Button: Go Back or Previous 84">
-            <a:hlinkClick r:id="" action="ppaction://hlinkshowjump?jump=previousslide" highlightClick="1"/>
-            <a:extLst>
-              <a:ext uri="{FF2B5EF4-FFF2-40B4-BE49-F238E27FC236}">
-                <a16:creationId xmlns:a16="http://schemas.microsoft.com/office/drawing/2014/main" id="{C28F15FE-6EAF-44D8-B02E-19576414647B}"/>
-              </a:ext>
-            </a:extLst>
-          </p:cNvPr>
-          <p:cNvSpPr/>
-          <p:nvPr/>
-        </p:nvSpPr>
-        <p:spPr>
-          <a:xfrm>
-            <a:off x="2558712" y="1284666"/>
-            <a:ext cx="193965" cy="514405"/>
-          </a:xfrm>
-          <a:prstGeom prst="actionButtonBackPrevious">
-            <a:avLst/>
-          </a:prstGeom>
-        </p:spPr>
-        <p:style>
-          <a:lnRef idx="1">
-            <a:schemeClr val="dk1"/>
-          </a:lnRef>
-          <a:fillRef idx="2">
-            <a:schemeClr val="dk1"/>
-          </a:fillRef>
-          <a:effectRef idx="1">
-            <a:schemeClr val="dk1"/>
-          </a:effectRef>
-          <a:fontRef idx="minor">
-            <a:schemeClr val="dk1"/>
-          </a:fontRef>
-        </p:style>
-        <p:txBody>
-          <a:bodyPr rtlCol="0" anchor="ctr"/>
-          <a:lstStyle/>
-          <a:p>
-            <a:pPr algn="ctr"/>
-            <a:endParaRPr lang="en-US"/>
-          </a:p>
-        </p:txBody>
-      </p:sp>
-      <p:sp>
-        <p:nvSpPr>
-          <p:cNvPr id="94" name="Action Button: Go Back or Previous 93">
-            <a:hlinkClick r:id="" action="ppaction://hlinkshowjump?jump=previousslide" highlightClick="1"/>
-            <a:extLst>
-              <a:ext uri="{FF2B5EF4-FFF2-40B4-BE49-F238E27FC236}">
-                <a16:creationId xmlns:a16="http://schemas.microsoft.com/office/drawing/2014/main" id="{68EA9758-B69C-4D1B-9420-F3D7F443BC42}"/>
-              </a:ext>
-            </a:extLst>
-          </p:cNvPr>
-          <p:cNvSpPr/>
-          <p:nvPr/>
-        </p:nvSpPr>
-        <p:spPr>
-          <a:xfrm rot="10800000">
-            <a:off x="4417059" y="1286075"/>
-            <a:ext cx="193965" cy="514405"/>
-          </a:xfrm>
-          <a:prstGeom prst="actionButtonBackPrevious">
-            <a:avLst/>
-          </a:prstGeom>
-        </p:spPr>
-        <p:style>
-          <a:lnRef idx="1">
-            <a:schemeClr val="dk1"/>
-          </a:lnRef>
-          <a:fillRef idx="2">
-            <a:schemeClr val="dk1"/>
-          </a:fillRef>
-          <a:effectRef idx="1">
-            <a:schemeClr val="dk1"/>
-          </a:effectRef>
-          <a:fontRef idx="minor">
-            <a:schemeClr val="dk1"/>
-          </a:fontRef>
-        </p:style>
-        <p:txBody>
-          <a:bodyPr rtlCol="0" anchor="ctr"/>
-          <a:lstStyle/>
-          <a:p>
-            <a:pPr algn="ctr"/>
-            <a:endParaRPr lang="en-US"/>
-          </a:p>
-        </p:txBody>
-      </p:sp>
-      <p:sp>
-        <p:nvSpPr>
-          <p:cNvPr id="88" name="Rectangle 87">
-            <a:extLst>
-              <a:ext uri="{FF2B5EF4-FFF2-40B4-BE49-F238E27FC236}">
-                <a16:creationId xmlns:a16="http://schemas.microsoft.com/office/drawing/2014/main" id="{F2E9E2F4-7852-4CEC-AFFB-46C4B64209F6}"/>
-              </a:ext>
-            </a:extLst>
-          </p:cNvPr>
-          <p:cNvSpPr/>
-          <p:nvPr/>
-        </p:nvSpPr>
-        <p:spPr>
-          <a:xfrm>
-            <a:off x="2782359" y="1109525"/>
-            <a:ext cx="1609761" cy="924561"/>
-          </a:xfrm>
-          <a:prstGeom prst="rect">
-            <a:avLst/>
-          </a:prstGeom>
-          <a:solidFill>
-            <a:schemeClr val="accent2"/>
-          </a:solidFill>
-        </p:spPr>
-        <p:style>
-          <a:lnRef idx="2">
-            <a:schemeClr val="dk1"/>
-          </a:lnRef>
-          <a:fillRef idx="1">
-            <a:schemeClr val="lt1"/>
-          </a:fillRef>
-          <a:effectRef idx="0">
-            <a:schemeClr val="dk1"/>
-          </a:effectRef>
-          <a:fontRef idx="minor">
-            <a:schemeClr val="dk1"/>
-          </a:fontRef>
-        </p:style>
-        <p:txBody>
-          <a:bodyPr rtlCol="0" anchor="ctr"/>
-          <a:lstStyle/>
-          <a:p>
-            <a:pPr algn="ctr"/>
-            <a:endParaRPr lang="en-US" dirty="0"/>
-          </a:p>
-        </p:txBody>
-      </p:sp>
-      <p:sp>
-        <p:nvSpPr>
-          <p:cNvPr id="89" name="TextBox 88">
-            <a:extLst>
-              <a:ext uri="{FF2B5EF4-FFF2-40B4-BE49-F238E27FC236}">
-                <a16:creationId xmlns:a16="http://schemas.microsoft.com/office/drawing/2014/main" id="{828EE234-B53C-4546-A12A-5BEB04DCADB5}"/>
-              </a:ext>
-            </a:extLst>
-          </p:cNvPr>
-          <p:cNvSpPr txBox="1"/>
-          <p:nvPr/>
-        </p:nvSpPr>
-        <p:spPr>
-          <a:xfrm>
-            <a:off x="2756929" y="1088658"/>
-            <a:ext cx="1664495" cy="369332"/>
-          </a:xfrm>
-          <a:prstGeom prst="rect">
-            <a:avLst/>
-          </a:prstGeom>
-          <a:noFill/>
-        </p:spPr>
-        <p:txBody>
-          <a:bodyPr wrap="none" rtlCol="0">
-            <a:spAutoFit/>
-          </a:bodyPr>
-          <a:lstStyle/>
-          <a:p>
-            <a:r>
-              <a:rPr lang="en-US" b="1" dirty="0" err="1">
+                <a:ln>
+                  <a:noFill/>
+                </a:ln>
+              </p:spPr>
+              <p:style>
+                <a:lnRef idx="2">
+                  <a:schemeClr val="accent1">
+                    <a:shade val="50000"/>
+                  </a:schemeClr>
+                </a:lnRef>
+                <a:fillRef idx="1">
+                  <a:schemeClr val="accent1"/>
+                </a:fillRef>
+                <a:effectRef idx="0">
+                  <a:schemeClr val="accent1"/>
+                </a:effectRef>
+                <a:fontRef idx="minor">
+                  <a:schemeClr val="lt1"/>
+                </a:fontRef>
+              </p:style>
+              <p:txBody>
+                <a:bodyPr rtlCol="0" anchor="ctr"/>
+                <a:lstStyle/>
+                <a:p>
+                  <a:pPr algn="ctr"/>
+                  <a:endParaRPr lang="en-US"/>
+                </a:p>
+              </p:txBody>
+            </p:sp>
+            <p:sp>
+              <p:nvSpPr>
+                <p:cNvPr id="241" name="Oval 240">
+                  <a:extLst>
+                    <a:ext uri="{FF2B5EF4-FFF2-40B4-BE49-F238E27FC236}">
+                      <a16:creationId xmlns:a16="http://schemas.microsoft.com/office/drawing/2014/main" id="{3C046743-0857-4148-B036-78DA483D454B}"/>
+                    </a:ext>
+                  </a:extLst>
+                </p:cNvPr>
+                <p:cNvSpPr/>
+                <p:nvPr/>
+              </p:nvSpPr>
+              <p:spPr>
+                <a:xfrm>
+                  <a:off x="1594402" y="4223117"/>
+                  <a:ext cx="112030" cy="45719"/>
+                </a:xfrm>
+                <a:prstGeom prst="ellipse">
+                  <a:avLst/>
+                </a:prstGeom>
                 <a:solidFill>
-                  <a:schemeClr val="accent4">
-                    <a:lumMod val="60000"/>
-                    <a:lumOff val="40000"/>
+                  <a:schemeClr val="bg1"/>
+                </a:solidFill>
+                <a:ln>
+                  <a:noFill/>
+                </a:ln>
+              </p:spPr>
+              <p:style>
+                <a:lnRef idx="2">
+                  <a:schemeClr val="accent1">
+                    <a:shade val="50000"/>
                   </a:schemeClr>
-                </a:solidFill>
-              </a:rPr>
-              <a:t>Wana</a:t>
-            </a:r>
-            <a:r>
-              <a:rPr lang="en-US" b="1" dirty="0">
-                <a:solidFill>
-                  <a:schemeClr val="accent4">
-                    <a:lumMod val="60000"/>
-                    <a:lumOff val="40000"/>
+                </a:lnRef>
+                <a:fillRef idx="1">
+                  <a:schemeClr val="accent1"/>
+                </a:fillRef>
+                <a:effectRef idx="0">
+                  <a:schemeClr val="accent1"/>
+                </a:effectRef>
+                <a:fontRef idx="minor">
+                  <a:schemeClr val="lt1"/>
+                </a:fontRef>
+              </p:style>
+              <p:txBody>
+                <a:bodyPr rtlCol="0" anchor="ctr"/>
+                <a:lstStyle/>
+                <a:p>
+                  <a:pPr algn="ctr"/>
+                  <a:endParaRPr lang="en-US"/>
+                </a:p>
+              </p:txBody>
+            </p:sp>
+            <p:cxnSp>
+              <p:nvCxnSpPr>
+                <p:cNvPr id="242" name="Straight Connector 241">
+                  <a:extLst>
+                    <a:ext uri="{FF2B5EF4-FFF2-40B4-BE49-F238E27FC236}">
+                      <a16:creationId xmlns:a16="http://schemas.microsoft.com/office/drawing/2014/main" id="{11EAA3F9-F551-4D7C-9675-E337DE836920}"/>
+                    </a:ext>
+                  </a:extLst>
+                </p:cNvPr>
+                <p:cNvCxnSpPr/>
+                <p:nvPr/>
+              </p:nvCxnSpPr>
+              <p:spPr>
+                <a:xfrm flipH="1">
+                  <a:off x="1537434" y="4244616"/>
+                  <a:ext cx="10740" cy="68304"/>
+                </a:xfrm>
+                <a:prstGeom prst="line">
+                  <a:avLst/>
+                </a:prstGeom>
+              </p:spPr>
+              <p:style>
+                <a:lnRef idx="1">
+                  <a:schemeClr val="dk1"/>
+                </a:lnRef>
+                <a:fillRef idx="0">
+                  <a:schemeClr val="dk1"/>
+                </a:fillRef>
+                <a:effectRef idx="0">
+                  <a:schemeClr val="dk1"/>
+                </a:effectRef>
+                <a:fontRef idx="minor">
+                  <a:schemeClr val="tx1"/>
+                </a:fontRef>
+              </p:style>
+            </p:cxnSp>
+            <p:cxnSp>
+              <p:nvCxnSpPr>
+                <p:cNvPr id="243" name="Straight Connector 242">
+                  <a:extLst>
+                    <a:ext uri="{FF2B5EF4-FFF2-40B4-BE49-F238E27FC236}">
+                      <a16:creationId xmlns:a16="http://schemas.microsoft.com/office/drawing/2014/main" id="{23398875-43CE-49D1-8FE9-7D65E419EB2E}"/>
+                    </a:ext>
+                  </a:extLst>
+                </p:cNvPr>
+                <p:cNvCxnSpPr>
+                  <a:cxnSpLocks/>
+                </p:cNvCxnSpPr>
+                <p:nvPr/>
+              </p:nvCxnSpPr>
+              <p:spPr>
+                <a:xfrm flipH="1">
+                  <a:off x="1541043" y="4310887"/>
+                  <a:ext cx="27926" cy="1"/>
+                </a:xfrm>
+                <a:prstGeom prst="line">
+                  <a:avLst/>
+                </a:prstGeom>
+              </p:spPr>
+              <p:style>
+                <a:lnRef idx="1">
+                  <a:schemeClr val="dk1"/>
+                </a:lnRef>
+                <a:fillRef idx="0">
+                  <a:schemeClr val="dk1"/>
+                </a:fillRef>
+                <a:effectRef idx="0">
+                  <a:schemeClr val="dk1"/>
+                </a:effectRef>
+                <a:fontRef idx="minor">
+                  <a:schemeClr val="tx1"/>
+                </a:fontRef>
+              </p:style>
+            </p:cxnSp>
+            <p:sp>
+              <p:nvSpPr>
+                <p:cNvPr id="244" name="Arc 243">
+                  <a:extLst>
+                    <a:ext uri="{FF2B5EF4-FFF2-40B4-BE49-F238E27FC236}">
+                      <a16:creationId xmlns:a16="http://schemas.microsoft.com/office/drawing/2014/main" id="{FA7018BA-EBB6-411F-9ED5-881F7D3CE769}"/>
+                    </a:ext>
+                  </a:extLst>
+                </p:cNvPr>
+                <p:cNvSpPr/>
+                <p:nvPr/>
+              </p:nvSpPr>
+              <p:spPr>
+                <a:xfrm rot="7767881">
+                  <a:off x="1451426" y="4188268"/>
+                  <a:ext cx="163720" cy="205740"/>
+                </a:xfrm>
+                <a:prstGeom prst="arc">
+                  <a:avLst/>
+                </a:prstGeom>
+                <a:ln>
+                  <a:solidFill>
+                    <a:srgbClr val="C00000"/>
+                  </a:solidFill>
+                </a:ln>
+              </p:spPr>
+              <p:style>
+                <a:lnRef idx="1">
+                  <a:schemeClr val="accent1"/>
+                </a:lnRef>
+                <a:fillRef idx="0">
+                  <a:schemeClr val="accent1"/>
+                </a:fillRef>
+                <a:effectRef idx="0">
+                  <a:schemeClr val="accent1"/>
+                </a:effectRef>
+                <a:fontRef idx="minor">
+                  <a:schemeClr val="tx1"/>
+                </a:fontRef>
+              </p:style>
+              <p:txBody>
+                <a:bodyPr rtlCol="0" anchor="ctr"/>
+                <a:lstStyle/>
+                <a:p>
+                  <a:pPr algn="ctr"/>
+                  <a:endParaRPr lang="en-US"/>
+                </a:p>
+              </p:txBody>
+            </p:sp>
+            <p:sp>
+              <p:nvSpPr>
+                <p:cNvPr id="245" name="Oval 244">
+                  <a:extLst>
+                    <a:ext uri="{FF2B5EF4-FFF2-40B4-BE49-F238E27FC236}">
+                      <a16:creationId xmlns:a16="http://schemas.microsoft.com/office/drawing/2014/main" id="{4D6D513F-0A05-4CB2-8A54-8631D050F007}"/>
+                    </a:ext>
+                  </a:extLst>
+                </p:cNvPr>
+                <p:cNvSpPr/>
+                <p:nvPr/>
+              </p:nvSpPr>
+              <p:spPr>
+                <a:xfrm flipV="1">
+                  <a:off x="1437058" y="4223833"/>
+                  <a:ext cx="45719" cy="45719"/>
+                </a:xfrm>
+                <a:prstGeom prst="ellipse">
+                  <a:avLst/>
+                </a:prstGeom>
+                <a:ln>
+                  <a:noFill/>
+                </a:ln>
+              </p:spPr>
+              <p:style>
+                <a:lnRef idx="2">
+                  <a:schemeClr val="accent1">
+                    <a:shade val="50000"/>
                   </a:schemeClr>
-                </a:solidFill>
-              </a:rPr>
-              <a:t> burn fat?</a:t>
-            </a:r>
-          </a:p>
-        </p:txBody>
-      </p:sp>
-      <p:sp>
-        <p:nvSpPr>
-          <p:cNvPr id="90" name="TextBox 89">
-            <a:extLst>
-              <a:ext uri="{FF2B5EF4-FFF2-40B4-BE49-F238E27FC236}">
-                <a16:creationId xmlns:a16="http://schemas.microsoft.com/office/drawing/2014/main" id="{01FDA610-E2EA-497F-938C-5529CA255E61}"/>
-              </a:ext>
-            </a:extLst>
-          </p:cNvPr>
-          <p:cNvSpPr txBox="1"/>
-          <p:nvPr/>
-        </p:nvSpPr>
-        <p:spPr>
-          <a:xfrm>
-            <a:off x="2943491" y="1640397"/>
-            <a:ext cx="1485535" cy="369332"/>
-          </a:xfrm>
-          <a:prstGeom prst="rect">
-            <a:avLst/>
-          </a:prstGeom>
-          <a:noFill/>
-        </p:spPr>
-        <p:txBody>
-          <a:bodyPr wrap="none" rtlCol="0">
-            <a:spAutoFit/>
-          </a:bodyPr>
-          <a:lstStyle/>
-          <a:p>
-            <a:r>
-              <a:rPr lang="en-US" b="1" dirty="0">
-                <a:solidFill>
-                  <a:schemeClr val="accent4">
-                    <a:lumMod val="60000"/>
-                    <a:lumOff val="40000"/>
+                </a:lnRef>
+                <a:fillRef idx="1">
+                  <a:schemeClr val="accent1"/>
+                </a:fillRef>
+                <a:effectRef idx="0">
+                  <a:schemeClr val="accent1"/>
+                </a:effectRef>
+                <a:fontRef idx="minor">
+                  <a:schemeClr val="lt1"/>
+                </a:fontRef>
+              </p:style>
+              <p:txBody>
+                <a:bodyPr rtlCol="0" anchor="ctr"/>
+                <a:lstStyle/>
+                <a:p>
+                  <a:pPr algn="ctr"/>
+                  <a:endParaRPr lang="en-US"/>
+                </a:p>
+              </p:txBody>
+            </p:sp>
+            <p:sp>
+              <p:nvSpPr>
+                <p:cNvPr id="246" name="Oval 245">
+                  <a:extLst>
+                    <a:ext uri="{FF2B5EF4-FFF2-40B4-BE49-F238E27FC236}">
+                      <a16:creationId xmlns:a16="http://schemas.microsoft.com/office/drawing/2014/main" id="{DBE621C7-0162-49D2-96D5-0AD0F55F1EEE}"/>
+                    </a:ext>
+                  </a:extLst>
+                </p:cNvPr>
+                <p:cNvSpPr/>
+                <p:nvPr/>
+              </p:nvSpPr>
+              <p:spPr>
+                <a:xfrm flipV="1">
+                  <a:off x="1632986" y="4224754"/>
+                  <a:ext cx="45719" cy="45719"/>
+                </a:xfrm>
+                <a:prstGeom prst="ellipse">
+                  <a:avLst/>
+                </a:prstGeom>
+                <a:ln>
+                  <a:noFill/>
+                </a:ln>
+              </p:spPr>
+              <p:style>
+                <a:lnRef idx="2">
+                  <a:schemeClr val="accent1">
+                    <a:shade val="50000"/>
                   </a:schemeClr>
-                </a:solidFill>
-              </a:rPr>
-              <a:t>Try our new…</a:t>
-            </a:r>
-          </a:p>
-        </p:txBody>
-      </p:sp>
+                </a:lnRef>
+                <a:fillRef idx="1">
+                  <a:schemeClr val="accent1"/>
+                </a:fillRef>
+                <a:effectRef idx="0">
+                  <a:schemeClr val="accent1"/>
+                </a:effectRef>
+                <a:fontRef idx="minor">
+                  <a:schemeClr val="lt1"/>
+                </a:fontRef>
+              </p:style>
+              <p:txBody>
+                <a:bodyPr rtlCol="0" anchor="ctr"/>
+                <a:lstStyle/>
+                <a:p>
+                  <a:pPr algn="ctr"/>
+                  <a:endParaRPr lang="en-US"/>
+                </a:p>
+              </p:txBody>
+            </p:sp>
+            <mc:AlternateContent xmlns:mc="http://schemas.openxmlformats.org/markup-compatibility/2006" xmlns:p14="http://schemas.microsoft.com/office/powerpoint/2010/main">
+              <mc:Choice Requires="p14">
+                <p:contentPart p14:bwMode="auto" r:id="rId9">
+                  <p14:nvContentPartPr>
+                    <p14:cNvPr id="247" name="Ink 246">
+                      <a:extLst>
+                        <a:ext uri="{FF2B5EF4-FFF2-40B4-BE49-F238E27FC236}">
+                          <a16:creationId xmlns:a16="http://schemas.microsoft.com/office/drawing/2014/main" id="{5A1A0984-5956-4233-9CC7-46C10FE8DC09}"/>
+                        </a:ext>
+                      </a:extLst>
+                    </p14:cNvPr>
+                    <p14:cNvContentPartPr/>
+                    <p14:nvPr/>
+                  </p14:nvContentPartPr>
+                  <p14:xfrm>
+                    <a:off x="1459032" y="4244280"/>
+                    <a:ext cx="288" cy="288"/>
+                  </p14:xfrm>
+                </p:contentPart>
+              </mc:Choice>
+              <mc:Fallback xmlns="">
+                <p:pic>
+                  <p:nvPicPr>
+                    <p:cNvPr id="50" name="Ink 49">
+                      <a:extLst>
+                        <a:ext uri="{FF2B5EF4-FFF2-40B4-BE49-F238E27FC236}">
+                          <a16:creationId xmlns:a16="http://schemas.microsoft.com/office/drawing/2014/main" id="{F3452767-C554-4D1E-8B2C-7E7914127FDD}"/>
+                        </a:ext>
+                      </a:extLst>
+                    </p:cNvPr>
+                    <p:cNvPicPr/>
+                    <p:nvPr/>
+                  </p:nvPicPr>
+                  <p:blipFill>
+                    <a:blip r:embed="rId4"/>
+                    <a:stretch>
+                      <a:fillRect/>
+                    </a:stretch>
+                  </p:blipFill>
+                  <p:spPr>
+                    <a:xfrm>
+                      <a:off x="1455000" y="4240248"/>
+                      <a:ext cx="8064" cy="8064"/>
+                    </a:xfrm>
+                    <a:prstGeom prst="rect">
+                      <a:avLst/>
+                    </a:prstGeom>
+                  </p:spPr>
+                </p:pic>
+              </mc:Fallback>
+            </mc:AlternateContent>
+            <mc:AlternateContent xmlns:mc="http://schemas.openxmlformats.org/markup-compatibility/2006" xmlns:p14="http://schemas.microsoft.com/office/powerpoint/2010/main">
+              <mc:Choice Requires="p14">
+                <p:contentPart p14:bwMode="auto" r:id="rId10">
+                  <p14:nvContentPartPr>
+                    <p14:cNvPr id="248" name="Ink 247">
+                      <a:extLst>
+                        <a:ext uri="{FF2B5EF4-FFF2-40B4-BE49-F238E27FC236}">
+                          <a16:creationId xmlns:a16="http://schemas.microsoft.com/office/drawing/2014/main" id="{08B6C59E-088B-49BA-811B-4499A93AF0D8}"/>
+                        </a:ext>
+                      </a:extLst>
+                    </p14:cNvPr>
+                    <p14:cNvContentPartPr/>
+                    <p14:nvPr/>
+                  </p14:nvContentPartPr>
+                  <p14:xfrm>
+                    <a:off x="1655160" y="4244280"/>
+                    <a:ext cx="288" cy="288"/>
+                  </p14:xfrm>
+                </p:contentPart>
+              </mc:Choice>
+              <mc:Fallback xmlns="">
+                <p:pic>
+                  <p:nvPicPr>
+                    <p:cNvPr id="51" name="Ink 50">
+                      <a:extLst>
+                        <a:ext uri="{FF2B5EF4-FFF2-40B4-BE49-F238E27FC236}">
+                          <a16:creationId xmlns:a16="http://schemas.microsoft.com/office/drawing/2014/main" id="{FC4B981C-6C22-45AD-B930-B883800CB676}"/>
+                        </a:ext>
+                      </a:extLst>
+                    </p:cNvPr>
+                    <p:cNvPicPr/>
+                    <p:nvPr/>
+                  </p:nvPicPr>
+                  <p:blipFill>
+                    <a:blip r:embed="rId4"/>
+                    <a:stretch>
+                      <a:fillRect/>
+                    </a:stretch>
+                  </p:blipFill>
+                  <p:spPr>
+                    <a:xfrm>
+                      <a:off x="1651128" y="4240248"/>
+                      <a:ext cx="8064" cy="8064"/>
+                    </a:xfrm>
+                    <a:prstGeom prst="rect">
+                      <a:avLst/>
+                    </a:prstGeom>
+                  </p:spPr>
+                </p:pic>
+              </mc:Fallback>
+            </mc:AlternateContent>
+          </p:grpSp>
+          <p:sp>
+            <p:nvSpPr>
+              <p:cNvPr id="230" name="Rectangle 229">
+                <a:extLst>
+                  <a:ext uri="{FF2B5EF4-FFF2-40B4-BE49-F238E27FC236}">
+                    <a16:creationId xmlns:a16="http://schemas.microsoft.com/office/drawing/2014/main" id="{1681C5BE-6908-47D3-852C-B379200477B4}"/>
+                  </a:ext>
+                </a:extLst>
+              </p:cNvPr>
+              <p:cNvSpPr/>
+              <p:nvPr/>
+            </p:nvSpPr>
+            <p:spPr>
+              <a:xfrm>
+                <a:off x="1437058" y="4419720"/>
+                <a:ext cx="227676" cy="116085"/>
+              </a:xfrm>
+              <a:prstGeom prst="rect">
+                <a:avLst/>
+              </a:prstGeom>
+              <a:solidFill>
+                <a:schemeClr val="accent4">
+                  <a:lumMod val="40000"/>
+                  <a:lumOff val="60000"/>
+                </a:schemeClr>
+              </a:solidFill>
+              <a:ln>
+                <a:noFill/>
+              </a:ln>
+            </p:spPr>
+            <p:style>
+              <a:lnRef idx="2">
+                <a:schemeClr val="accent1">
+                  <a:shade val="50000"/>
+                </a:schemeClr>
+              </a:lnRef>
+              <a:fillRef idx="1">
+                <a:schemeClr val="accent1"/>
+              </a:fillRef>
+              <a:effectRef idx="0">
+                <a:schemeClr val="accent1"/>
+              </a:effectRef>
+              <a:fontRef idx="minor">
+                <a:schemeClr val="lt1"/>
+              </a:fontRef>
+            </p:style>
+            <p:txBody>
+              <a:bodyPr rtlCol="0" anchor="ctr"/>
+              <a:lstStyle/>
+              <a:p>
+                <a:pPr algn="ctr"/>
+                <a:endParaRPr lang="en-US"/>
+              </a:p>
+            </p:txBody>
+          </p:sp>
+        </p:grpSp>
+      </p:grpSp>
     </p:spTree>
     <p:extLst>
       <p:ext uri="{BB962C8B-B14F-4D97-AF65-F5344CB8AC3E}">
